--- a/file/面试文档/06-性能优化.pptx
+++ b/file/面试文档/06-性能优化.pptx
@@ -5,10 +5,10 @@
     <p:sldMasterId id="2147483648" r:id="rId1"/>
   </p:sldMasterIdLst>
   <p:notesMasterIdLst>
-    <p:notesMasterId r:id="rId28"/>
+    <p:notesMasterId r:id="rId31"/>
   </p:notesMasterIdLst>
   <p:handoutMasterIdLst>
-    <p:handoutMasterId r:id="rId29"/>
+    <p:handoutMasterId r:id="rId32"/>
   </p:handoutMasterIdLst>
   <p:sldIdLst>
     <p:sldId id="292" r:id="rId3"/>
@@ -29,13 +29,16 @@
     <p:sldId id="311" r:id="rId18"/>
     <p:sldId id="312" r:id="rId19"/>
     <p:sldId id="313" r:id="rId20"/>
-    <p:sldId id="305" r:id="rId21"/>
-    <p:sldId id="317" r:id="rId22"/>
-    <p:sldId id="316" r:id="rId23"/>
-    <p:sldId id="318" r:id="rId24"/>
-    <p:sldId id="314" r:id="rId25"/>
-    <p:sldId id="321" r:id="rId26"/>
-    <p:sldId id="322" r:id="rId27"/>
+    <p:sldId id="325" r:id="rId21"/>
+    <p:sldId id="323" r:id="rId22"/>
+    <p:sldId id="305" r:id="rId23"/>
+    <p:sldId id="317" r:id="rId24"/>
+    <p:sldId id="316" r:id="rId25"/>
+    <p:sldId id="318" r:id="rId26"/>
+    <p:sldId id="314" r:id="rId27"/>
+    <p:sldId id="324" r:id="rId28"/>
+    <p:sldId id="321" r:id="rId29"/>
+    <p:sldId id="322" r:id="rId30"/>
   </p:sldIdLst>
   <p:sldSz cx="12192000" cy="6858000"/>
   <p:notesSz cx="6858000" cy="9144000"/>
@@ -169,6 +172,12 @@
             <p14:sldId id="311"/>
             <p14:sldId id="312"/>
             <p14:sldId id="313"/>
+            <p14:sldId id="325"/>
+          </p14:sldIdLst>
+        </p14:section>
+        <p14:section name="内存优化" id="{9abbf46f-78ac-42ae-bb60-92545f3ec935}">
+          <p14:sldIdLst>
+            <p14:sldId id="323"/>
           </p14:sldIdLst>
         </p14:section>
         <p14:section name="安装包优化" id="{5EB51854-2E77-5645-B607-BAB6005E783C}">
@@ -178,6 +187,7 @@
             <p14:sldId id="316"/>
             <p14:sldId id="318"/>
             <p14:sldId id="314"/>
+            <p14:sldId id="324"/>
           </p14:sldIdLst>
         </p14:section>
         <p14:section name="平时检测" id="{8143ADF5-FFA2-2044-B309-CF4E8EAA1910}">
@@ -11385,8 +11395,12 @@
           <a:lstStyle/>
           <a:p>
             <a:r>
+              <a:rPr lang="en-US" altLang="zh-CN"/>
+              <a:t>APP</a:t>
+            </a:r>
+            <a:r>
               <a:rPr lang="zh-CN" altLang="en-US"/>
-              <a:t>安装包瘦身</a:t>
+              <a:t>的启动优化</a:t>
             </a:r>
             <a:endParaRPr lang="zh-CN" altLang="en-US"/>
           </a:p>
@@ -11400,8 +11414,8 @@
         </p:nvSpPr>
         <p:spPr>
           <a:xfrm>
-            <a:off x="376692" y="1268491"/>
-            <a:ext cx="11501313" cy="5227312"/>
+            <a:off x="376692" y="1209115"/>
+            <a:ext cx="11501313" cy="5251061"/>
           </a:xfrm>
           <a:prstGeom prst="rect">
             <a:avLst/>
@@ -11419,22 +11433,9 @@
                 <a:spcPts val="2200"/>
               </a:lnSpc>
               <a:buFont typeface="Wingdings" panose="05000000000000000000" pitchFamily="2" charset="2"/>
-              <a:buChar char="n"/>
+              <a:buChar char="p"/>
             </a:pPr>
             <a:r>
-              <a:rPr lang="zh-CN" altLang="en-US" sz="1600">
-                <a:solidFill>
-                  <a:schemeClr val="tx1">
-                    <a:lumMod val="65000"/>
-                    <a:lumOff val="35000"/>
-                  </a:schemeClr>
-                </a:solidFill>
-                <a:latin typeface="微软雅黑" panose="020B0503020204020204" pitchFamily="34" charset="-122"/>
-                <a:ea typeface="微软雅黑" panose="020B0503020204020204" pitchFamily="34" charset="-122"/>
-              </a:rPr>
-              <a:t>安装包（</a:t>
-            </a:r>
-            <a:r>
               <a:rPr lang="en-US" altLang="zh-CN" sz="1600">
                 <a:solidFill>
                   <a:schemeClr val="tx1">
@@ -11445,20 +11446,7 @@
                 <a:latin typeface="微软雅黑" panose="020B0503020204020204" pitchFamily="34" charset="-122"/>
                 <a:ea typeface="微软雅黑" panose="020B0503020204020204" pitchFamily="34" charset="-122"/>
               </a:rPr>
-              <a:t>IPA</a:t>
-            </a:r>
-            <a:r>
-              <a:rPr lang="zh-CN" altLang="en-US" sz="1600">
-                <a:solidFill>
-                  <a:schemeClr val="tx1">
-                    <a:lumMod val="65000"/>
-                    <a:lumOff val="35000"/>
-                  </a:schemeClr>
-                </a:solidFill>
-                <a:latin typeface="微软雅黑" panose="020B0503020204020204" pitchFamily="34" charset="-122"/>
-                <a:ea typeface="微软雅黑" panose="020B0503020204020204" pitchFamily="34" charset="-122"/>
-              </a:rPr>
-              <a:t>）主要由可执行文件、资源组成</a:t>
+              <a:t>抖音品质建设 - iOS启动优化《原理篇》</a:t>
             </a:r>
             <a:endParaRPr lang="en-US" altLang="zh-CN" sz="1600">
               <a:solidFill>
@@ -11472,57 +11460,6 @@
             </a:endParaRPr>
           </a:p>
           <a:p>
-            <a:pPr marL="342900" indent="-342900">
-              <a:lnSpc>
-                <a:spcPts val="2200"/>
-              </a:lnSpc>
-              <a:buFont typeface="Wingdings" panose="05000000000000000000" pitchFamily="2" charset="2"/>
-              <a:buChar char="n"/>
-            </a:pPr>
-            <a:endParaRPr lang="en-US" altLang="zh-CN" sz="1600">
-              <a:solidFill>
-                <a:schemeClr val="tx1">
-                  <a:lumMod val="65000"/>
-                  <a:lumOff val="35000"/>
-                </a:schemeClr>
-              </a:solidFill>
-              <a:latin typeface="微软雅黑" panose="020B0503020204020204" pitchFamily="34" charset="-122"/>
-              <a:ea typeface="微软雅黑" panose="020B0503020204020204" pitchFamily="34" charset="-122"/>
-            </a:endParaRPr>
-          </a:p>
-          <a:p>
-            <a:pPr marL="342900" indent="-342900">
-              <a:lnSpc>
-                <a:spcPts val="2200"/>
-              </a:lnSpc>
-              <a:buFont typeface="Wingdings" panose="05000000000000000000" pitchFamily="2" charset="2"/>
-              <a:buChar char="n"/>
-            </a:pPr>
-            <a:r>
-              <a:rPr lang="zh-CN" altLang="en-US" sz="1600">
-                <a:solidFill>
-                  <a:schemeClr val="tx1">
-                    <a:lumMod val="65000"/>
-                    <a:lumOff val="35000"/>
-                  </a:schemeClr>
-                </a:solidFill>
-                <a:latin typeface="微软雅黑" panose="020B0503020204020204" pitchFamily="34" charset="-122"/>
-                <a:ea typeface="微软雅黑" panose="020B0503020204020204" pitchFamily="34" charset="-122"/>
-              </a:rPr>
-              <a:t>资源（图片、音频、视频等）</a:t>
-            </a:r>
-            <a:endParaRPr lang="en-US" altLang="zh-CN" sz="1600">
-              <a:solidFill>
-                <a:schemeClr val="tx1">
-                  <a:lumMod val="65000"/>
-                  <a:lumOff val="35000"/>
-                </a:schemeClr>
-              </a:solidFill>
-              <a:latin typeface="微软雅黑" panose="020B0503020204020204" pitchFamily="34" charset="-122"/>
-              <a:ea typeface="微软雅黑" panose="020B0503020204020204" pitchFamily="34" charset="-122"/>
-            </a:endParaRPr>
-          </a:p>
-          <a:p>
             <a:pPr marL="800100" lvl="1" indent="-342900">
               <a:lnSpc>
                 <a:spcPts val="2200"/>
@@ -11531,70 +11468,6 @@
               <a:buChar char="p"/>
             </a:pPr>
             <a:r>
-              <a:rPr lang="zh-CN" altLang="en-US" sz="1600">
-                <a:solidFill>
-                  <a:schemeClr val="tx1">
-                    <a:lumMod val="65000"/>
-                    <a:lumOff val="35000"/>
-                  </a:schemeClr>
-                </a:solidFill>
-                <a:latin typeface="微软雅黑" panose="020B0503020204020204" pitchFamily="34" charset="-122"/>
-                <a:ea typeface="微软雅黑" panose="020B0503020204020204" pitchFamily="34" charset="-122"/>
-              </a:rPr>
-              <a:t>采取无损压缩：</a:t>
-            </a:r>
-            <a:endParaRPr lang="zh-CN" altLang="en-US" sz="1600">
-              <a:solidFill>
-                <a:schemeClr val="tx1">
-                  <a:lumMod val="65000"/>
-                  <a:lumOff val="35000"/>
-                </a:schemeClr>
-              </a:solidFill>
-              <a:latin typeface="微软雅黑" panose="020B0503020204020204" pitchFamily="34" charset="-122"/>
-              <a:ea typeface="微软雅黑" panose="020B0503020204020204" pitchFamily="34" charset="-122"/>
-            </a:endParaRPr>
-          </a:p>
-          <a:p>
-            <a:pPr marL="1257300" lvl="2" indent="-342900">
-              <a:lnSpc>
-                <a:spcPts val="2200"/>
-              </a:lnSpc>
-              <a:buFont typeface="Wingdings" panose="05000000000000000000" pitchFamily="2" charset="2"/>
-              <a:buChar char="p"/>
-            </a:pPr>
-            <a:r>
-              <a:rPr lang="zh-CN" altLang="en-US" sz="1600">
-                <a:solidFill>
-                  <a:schemeClr val="tx1">
-                    <a:lumMod val="65000"/>
-                    <a:lumOff val="35000"/>
-                  </a:schemeClr>
-                </a:solidFill>
-                <a:latin typeface="微软雅黑" panose="020B0503020204020204" pitchFamily="34" charset="-122"/>
-                <a:ea typeface="微软雅黑" panose="020B0503020204020204" pitchFamily="34" charset="-122"/>
-              </a:rPr>
-              <a:t> ImageOptim、pngquant命令、tinypng ，</a:t>
-            </a:r>
-            <a:endParaRPr lang="zh-CN" altLang="en-US" sz="1600">
-              <a:solidFill>
-                <a:schemeClr val="tx1">
-                  <a:lumMod val="65000"/>
-                  <a:lumOff val="35000"/>
-                </a:schemeClr>
-              </a:solidFill>
-              <a:latin typeface="微软雅黑" panose="020B0503020204020204" pitchFamily="34" charset="-122"/>
-              <a:ea typeface="微软雅黑" panose="020B0503020204020204" pitchFamily="34" charset="-122"/>
-            </a:endParaRPr>
-          </a:p>
-          <a:p>
-            <a:pPr marL="1257300" lvl="2" indent="-342900">
-              <a:lnSpc>
-                <a:spcPts val="2200"/>
-              </a:lnSpc>
-              <a:buFont typeface="Wingdings" panose="05000000000000000000" pitchFamily="2" charset="2"/>
-              <a:buChar char="p"/>
-            </a:pPr>
-            <a:r>
               <a:rPr lang="en-US" altLang="zh-CN" sz="1600">
                 <a:solidFill>
                   <a:schemeClr val="tx1">
@@ -11605,326 +11478,7 @@
                 <a:latin typeface="微软雅黑" panose="020B0503020204020204" pitchFamily="34" charset="-122"/>
                 <a:ea typeface="微软雅黑" panose="020B0503020204020204" pitchFamily="34" charset="-122"/>
               </a:rPr>
-              <a:t>webp</a:t>
-            </a:r>
-            <a:r>
-              <a:rPr lang="zh-CN" altLang="en-US" sz="1600">
-                <a:solidFill>
-                  <a:schemeClr val="tx1">
-                    <a:lumMod val="65000"/>
-                    <a:lumOff val="35000"/>
-                  </a:schemeClr>
-                </a:solidFill>
-                <a:latin typeface="微软雅黑" panose="020B0503020204020204" pitchFamily="34" charset="-122"/>
-                <a:ea typeface="微软雅黑" panose="020B0503020204020204" pitchFamily="34" charset="-122"/>
-              </a:rPr>
-              <a:t>也能减少</a:t>
-            </a:r>
-            <a:r>
-              <a:rPr lang="en-US" altLang="zh-CN" sz="1600">
-                <a:solidFill>
-                  <a:schemeClr val="tx1">
-                    <a:lumMod val="65000"/>
-                    <a:lumOff val="35000"/>
-                  </a:schemeClr>
-                </a:solidFill>
-                <a:latin typeface="微软雅黑" panose="020B0503020204020204" pitchFamily="34" charset="-122"/>
-                <a:ea typeface="微软雅黑" panose="020B0503020204020204" pitchFamily="34" charset="-122"/>
-              </a:rPr>
-              <a:t>25%</a:t>
-            </a:r>
-            <a:r>
-              <a:rPr lang="zh-CN" altLang="en-US" sz="1600">
-                <a:solidFill>
-                  <a:schemeClr val="tx1">
-                    <a:lumMod val="65000"/>
-                    <a:lumOff val="35000"/>
-                  </a:schemeClr>
-                </a:solidFill>
-                <a:latin typeface="微软雅黑" panose="020B0503020204020204" pitchFamily="34" charset="-122"/>
-                <a:ea typeface="微软雅黑" panose="020B0503020204020204" pitchFamily="34" charset="-122"/>
-              </a:rPr>
-              <a:t>，可以使用 cwebp 进行格式压缩转换</a:t>
-            </a:r>
-            <a:r>
-              <a:rPr lang="en-US" altLang="zh-CN" sz="1600">
-                <a:solidFill>
-                  <a:schemeClr val="tx1">
-                    <a:lumMod val="65000"/>
-                    <a:lumOff val="35000"/>
-                  </a:schemeClr>
-                </a:solidFill>
-                <a:latin typeface="微软雅黑" panose="020B0503020204020204" pitchFamily="34" charset="-122"/>
-                <a:ea typeface="微软雅黑" panose="020B0503020204020204" pitchFamily="34" charset="-122"/>
-              </a:rPr>
-              <a:t>“// 语法 cwebp [options] input_file -o output_file.webp  // 无损压缩 cwebp -lossless original.png -o new.webp”</a:t>
-            </a:r>
-            <a:r>
-              <a:rPr lang="zh-CN" altLang="en-US" sz="1600">
-                <a:solidFill>
-                  <a:schemeClr val="tx1">
-                    <a:lumMod val="65000"/>
-                    <a:lumOff val="35000"/>
-                  </a:schemeClr>
-                </a:solidFill>
-                <a:latin typeface="微软雅黑" panose="020B0503020204020204" pitchFamily="34" charset="-122"/>
-                <a:ea typeface="微软雅黑" panose="020B0503020204020204" pitchFamily="34" charset="-122"/>
-              </a:rPr>
-              <a:t>，还可以使用工具iSparta 进行批量转换；</a:t>
-            </a:r>
-            <a:endParaRPr lang="zh-CN" altLang="en-US" sz="1600">
-              <a:solidFill>
-                <a:schemeClr val="tx1">
-                  <a:lumMod val="65000"/>
-                  <a:lumOff val="35000"/>
-                </a:schemeClr>
-              </a:solidFill>
-              <a:latin typeface="微软雅黑" panose="020B0503020204020204" pitchFamily="34" charset="-122"/>
-              <a:ea typeface="微软雅黑" panose="020B0503020204020204" pitchFamily="34" charset="-122"/>
-            </a:endParaRPr>
-          </a:p>
-          <a:p>
-            <a:pPr marL="1257300" lvl="2" indent="-342900">
-              <a:lnSpc>
-                <a:spcPts val="2200"/>
-              </a:lnSpc>
-              <a:buFont typeface="Wingdings" panose="05000000000000000000" pitchFamily="2" charset="2"/>
-              <a:buChar char="p"/>
-            </a:pPr>
-            <a:r>
-              <a:rPr lang="zh-CN" altLang="en-US" sz="1600">
-                <a:solidFill>
-                  <a:schemeClr val="tx1">
-                    <a:lumMod val="65000"/>
-                    <a:lumOff val="35000"/>
-                  </a:schemeClr>
-                </a:solidFill>
-                <a:latin typeface="微软雅黑" panose="020B0503020204020204" pitchFamily="34" charset="-122"/>
-                <a:ea typeface="微软雅黑" panose="020B0503020204020204" pitchFamily="34" charset="-122"/>
-              </a:rPr>
-              <a:t>Xcode 本身也提供压缩图片的编译选项</a:t>
-            </a:r>
-            <a:endParaRPr lang="zh-CN" altLang="en-US" sz="1600">
-              <a:solidFill>
-                <a:schemeClr val="tx1">
-                  <a:lumMod val="65000"/>
-                  <a:lumOff val="35000"/>
-                </a:schemeClr>
-              </a:solidFill>
-              <a:latin typeface="微软雅黑" panose="020B0503020204020204" pitchFamily="34" charset="-122"/>
-              <a:ea typeface="微软雅黑" panose="020B0503020204020204" pitchFamily="34" charset="-122"/>
-            </a:endParaRPr>
-          </a:p>
-          <a:p>
-            <a:pPr marL="1714500" lvl="3" indent="-342900">
-              <a:lnSpc>
-                <a:spcPts val="2200"/>
-              </a:lnSpc>
-              <a:buFont typeface="Wingdings" panose="05000000000000000000" pitchFamily="2" charset="2"/>
-              <a:buChar char="p"/>
-            </a:pPr>
-            <a:r>
-              <a:rPr lang="zh-CN" altLang="en-US" sz="1600">
-                <a:solidFill>
-                  <a:schemeClr val="tx1">
-                    <a:lumMod val="65000"/>
-                    <a:lumOff val="35000"/>
-                  </a:schemeClr>
-                </a:solidFill>
-                <a:latin typeface="微软雅黑" panose="020B0503020204020204" pitchFamily="34" charset="-122"/>
-                <a:ea typeface="微软雅黑" panose="020B0503020204020204" pitchFamily="34" charset="-122"/>
-              </a:rPr>
-              <a:t>Compress PNG Files：打包的时候基于 pngcrush 工具自动对图片进行无损压缩，如果我们已自行对图片进行压缩，该选项最好关闭。</a:t>
-            </a:r>
-            <a:endParaRPr lang="zh-CN" altLang="en-US" sz="1600">
-              <a:solidFill>
-                <a:schemeClr val="tx1">
-                  <a:lumMod val="65000"/>
-                  <a:lumOff val="35000"/>
-                </a:schemeClr>
-              </a:solidFill>
-              <a:latin typeface="微软雅黑" panose="020B0503020204020204" pitchFamily="34" charset="-122"/>
-              <a:ea typeface="微软雅黑" panose="020B0503020204020204" pitchFamily="34" charset="-122"/>
-            </a:endParaRPr>
-          </a:p>
-          <a:p>
-            <a:pPr marL="1714500" lvl="3" indent="-342900">
-              <a:lnSpc>
-                <a:spcPts val="2200"/>
-              </a:lnSpc>
-              <a:buFont typeface="Wingdings" panose="05000000000000000000" pitchFamily="2" charset="2"/>
-              <a:buChar char="p"/>
-            </a:pPr>
-            <a:r>
-              <a:rPr lang="zh-CN" altLang="en-US" sz="1600">
-                <a:solidFill>
-                  <a:schemeClr val="tx1">
-                    <a:lumMod val="65000"/>
-                    <a:lumOff val="35000"/>
-                  </a:schemeClr>
-                </a:solidFill>
-                <a:latin typeface="微软雅黑" panose="020B0503020204020204" pitchFamily="34" charset="-122"/>
-                <a:ea typeface="微软雅黑" panose="020B0503020204020204" pitchFamily="34" charset="-122"/>
-              </a:rPr>
-              <a:t>Remove Text Medadata From PNG Files：移除 PNG 资源的文本字符，比如图像名称、作者、版权、创作时间、注释等信息。</a:t>
-            </a:r>
-            <a:endParaRPr lang="zh-CN" altLang="en-US" sz="1600">
-              <a:solidFill>
-                <a:schemeClr val="tx1">
-                  <a:lumMod val="65000"/>
-                  <a:lumOff val="35000"/>
-                </a:schemeClr>
-              </a:solidFill>
-              <a:latin typeface="微软雅黑" panose="020B0503020204020204" pitchFamily="34" charset="-122"/>
-              <a:ea typeface="微软雅黑" panose="020B0503020204020204" pitchFamily="34" charset="-122"/>
-            </a:endParaRPr>
-          </a:p>
-          <a:p>
-            <a:pPr marL="800100" lvl="1" indent="-342900">
-              <a:lnSpc>
-                <a:spcPts val="2200"/>
-              </a:lnSpc>
-              <a:buFont typeface="Wingdings" panose="05000000000000000000" pitchFamily="2" charset="2"/>
-              <a:buChar char="p"/>
-            </a:pPr>
-            <a:r>
-              <a:rPr lang="zh-CN" altLang="en-US" sz="1600">
-                <a:solidFill>
-                  <a:schemeClr val="tx1">
-                    <a:lumMod val="65000"/>
-                    <a:lumOff val="35000"/>
-                  </a:schemeClr>
-                </a:solidFill>
-                <a:latin typeface="微软雅黑" panose="020B0503020204020204" pitchFamily="34" charset="-122"/>
-                <a:ea typeface="微软雅黑" panose="020B0503020204020204" pitchFamily="34" charset="-122"/>
-              </a:rPr>
-              <a:t>去除没有用到的资源：</a:t>
-            </a:r>
-            <a:r>
-              <a:rPr lang="en-US" altLang="zh-CN" sz="1600">
-                <a:solidFill>
-                  <a:schemeClr val="tx1">
-                    <a:lumMod val="65000"/>
-                    <a:lumOff val="35000"/>
-                  </a:schemeClr>
-                </a:solidFill>
-                <a:latin typeface="微软雅黑" panose="020B0503020204020204" pitchFamily="34" charset="-122"/>
-                <a:ea typeface="微软雅黑" panose="020B0503020204020204" pitchFamily="34" charset="-122"/>
-              </a:rPr>
-              <a:t> </a:t>
-            </a:r>
-            <a:r>
-              <a:rPr lang="en-US" altLang="zh-CN" sz="1600">
-                <a:solidFill>
-                  <a:schemeClr val="tx1">
-                    <a:lumMod val="65000"/>
-                    <a:lumOff val="35000"/>
-                  </a:schemeClr>
-                </a:solidFill>
-                <a:latin typeface="微软雅黑" panose="020B0503020204020204" pitchFamily="34" charset="-122"/>
-                <a:ea typeface="微软雅黑" panose="020B0503020204020204" pitchFamily="34" charset="-122"/>
-                <a:hlinkClick r:id="rId1"/>
-              </a:rPr>
-              <a:t>https://github.com/tinymind/LSUnusedResources</a:t>
-            </a:r>
-            <a:endParaRPr lang="en-US" altLang="zh-CN" sz="1600">
-              <a:solidFill>
-                <a:schemeClr val="tx1">
-                  <a:lumMod val="65000"/>
-                  <a:lumOff val="35000"/>
-                </a:schemeClr>
-              </a:solidFill>
-              <a:latin typeface="微软雅黑" panose="020B0503020204020204" pitchFamily="34" charset="-122"/>
-              <a:ea typeface="微软雅黑" panose="020B0503020204020204" pitchFamily="34" charset="-122"/>
-              <a:hlinkClick r:id="rId1"/>
-            </a:endParaRPr>
-          </a:p>
-          <a:p>
-            <a:pPr marL="800100" lvl="1" indent="-342900">
-              <a:lnSpc>
-                <a:spcPts val="2200"/>
-              </a:lnSpc>
-              <a:buFont typeface="Wingdings" panose="05000000000000000000" pitchFamily="2" charset="2"/>
-              <a:buChar char="p"/>
-            </a:pPr>
-            <a:r>
-              <a:rPr lang="en-US" altLang="zh-CN" sz="1600">
-                <a:solidFill>
-                  <a:schemeClr val="tx1">
-                    <a:lumMod val="65000"/>
-                    <a:lumOff val="35000"/>
-                  </a:schemeClr>
-                </a:solidFill>
-                <a:latin typeface="微软雅黑" panose="020B0503020204020204" pitchFamily="34" charset="-122"/>
-                <a:ea typeface="微软雅黑" panose="020B0503020204020204" pitchFamily="34" charset="-122"/>
-              </a:rPr>
-              <a:t>删除重复文件</a:t>
-            </a:r>
-            <a:r>
-              <a:rPr lang="zh-CN" altLang="en-US" sz="1600">
-                <a:solidFill>
-                  <a:schemeClr val="tx1">
-                    <a:lumMod val="65000"/>
-                    <a:lumOff val="35000"/>
-                  </a:schemeClr>
-                </a:solidFill>
-                <a:latin typeface="微软雅黑" panose="020B0503020204020204" pitchFamily="34" charset="-122"/>
-                <a:ea typeface="微软雅黑" panose="020B0503020204020204" pitchFamily="34" charset="-122"/>
-                <a:hlinkClick r:id="rId1"/>
-              </a:rPr>
-              <a:t>：</a:t>
-            </a:r>
-            <a:r>
-              <a:rPr lang="zh-CN" altLang="en-US" sz="1600">
-                <a:solidFill>
-                  <a:schemeClr val="tx1">
-                    <a:lumMod val="65000"/>
-                    <a:lumOff val="35000"/>
-                  </a:schemeClr>
-                </a:solidFill>
-                <a:latin typeface="微软雅黑" panose="020B0503020204020204" pitchFamily="34" charset="-122"/>
-                <a:ea typeface="微软雅黑" panose="020B0503020204020204" pitchFamily="34" charset="-122"/>
-              </a:rPr>
-              <a:t>通过校验所有资源的 MD5，筛选出项目中的重复资源，推荐使用 fdupes 工具进行重复文件扫描，fdupes 是 Linux 平台的一个开源工具，由 C 语言编写 ，文件比较顺序是大小对比 &gt; 部分 MD5 签名对比 &gt; 完整 MD5 签名对比 &gt; 逐字节对比。安装：</a:t>
-            </a:r>
-            <a:r>
-              <a:rPr lang="en-US" altLang="zh-CN" sz="1600">
-                <a:solidFill>
-                  <a:schemeClr val="tx1">
-                    <a:lumMod val="65000"/>
-                    <a:lumOff val="35000"/>
-                  </a:schemeClr>
-                </a:solidFill>
-                <a:latin typeface="微软雅黑" panose="020B0503020204020204" pitchFamily="34" charset="-122"/>
-                <a:ea typeface="微软雅黑" panose="020B0503020204020204" pitchFamily="34" charset="-122"/>
-              </a:rPr>
-              <a:t>“brew install fdupes”</a:t>
-            </a:r>
-            <a:r>
-              <a:rPr lang="zh-CN" altLang="en-US" sz="1600">
-                <a:solidFill>
-                  <a:schemeClr val="tx1">
-                    <a:lumMod val="65000"/>
-                    <a:lumOff val="35000"/>
-                  </a:schemeClr>
-                </a:solidFill>
-                <a:latin typeface="微软雅黑" panose="020B0503020204020204" pitchFamily="34" charset="-122"/>
-                <a:ea typeface="微软雅黑" panose="020B0503020204020204" pitchFamily="34" charset="-122"/>
-              </a:rPr>
-              <a:t>，查找：</a:t>
-            </a:r>
-            <a:r>
-              <a:rPr lang="en-US" altLang="zh-CN" sz="1600">
-                <a:solidFill>
-                  <a:schemeClr val="tx1">
-                    <a:lumMod val="65000"/>
-                    <a:lumOff val="35000"/>
-                  </a:schemeClr>
-                </a:solidFill>
-                <a:latin typeface="微软雅黑" panose="020B0503020204020204" pitchFamily="34" charset="-122"/>
-                <a:ea typeface="微软雅黑" panose="020B0503020204020204" pitchFamily="34" charset="-122"/>
-              </a:rPr>
-              <a:t>“fdupes -Sr 文件夹 &gt; 输出地址.txt  // 将信息输出到txt文件中”</a:t>
+              <a:t>https://mp.weixin.qq.com/s/3-Sbqe9gxdV6eI1f435BDg</a:t>
             </a:r>
             <a:endParaRPr lang="en-US" altLang="zh-CN" sz="1600">
               <a:solidFill>
@@ -12041,7 +11595,7 @@
                                         <p:tgtEl>
                                           <p:spTgt spid="44">
                                             <p:txEl>
-                                              <p:pRg st="2" end="2"/>
+                                              <p:pRg st="1" end="1"/>
                                             </p:txEl>
                                           </p:spTgt>
                                         </p:tgtEl>
@@ -12059,495 +11613,7 @@
                                         <p:tgtEl>
                                           <p:spTgt spid="44">
                                             <p:txEl>
-                                              <p:pRg st="2" end="2"/>
-                                            </p:txEl>
-                                          </p:spTgt>
-                                        </p:tgtEl>
-                                      </p:cBhvr>
-                                    </p:animEffect>
-                                  </p:childTnLst>
-                                </p:cTn>
-                              </p:par>
-                            </p:childTnLst>
-                          </p:cTn>
-                        </p:par>
-                      </p:childTnLst>
-                    </p:cTn>
-                  </p:par>
-                  <p:par>
-                    <p:cTn id="13" fill="hold">
-                      <p:stCondLst>
-                        <p:cond delay="indefinite"/>
-                      </p:stCondLst>
-                      <p:childTnLst>
-                        <p:par>
-                          <p:cTn id="14" fill="hold">
-                            <p:stCondLst>
-                              <p:cond delay="0"/>
-                            </p:stCondLst>
-                            <p:childTnLst>
-                              <p:par>
-                                <p:cTn id="15" presetID="22" presetClass="entr" presetSubtype="8" fill="hold" nodeType="clickEffect">
-                                  <p:stCondLst>
-                                    <p:cond delay="0"/>
-                                  </p:stCondLst>
-                                  <p:childTnLst>
-                                    <p:set>
-                                      <p:cBhvr>
-                                        <p:cTn id="16" dur="1" fill="hold">
-                                          <p:stCondLst>
-                                            <p:cond delay="0"/>
-                                          </p:stCondLst>
-                                        </p:cTn>
-                                        <p:tgtEl>
-                                          <p:spTgt spid="44">
-                                            <p:txEl>
-                                              <p:pRg st="3" end="3"/>
-                                            </p:txEl>
-                                          </p:spTgt>
-                                        </p:tgtEl>
-                                        <p:attrNameLst>
-                                          <p:attrName>style.visibility</p:attrName>
-                                        </p:attrNameLst>
-                                      </p:cBhvr>
-                                      <p:to>
-                                        <p:strVal val="visible"/>
-                                      </p:to>
-                                    </p:set>
-                                    <p:animEffect transition="in" filter="wipe(left)">
-                                      <p:cBhvr>
-                                        <p:cTn id="17" dur="500"/>
-                                        <p:tgtEl>
-                                          <p:spTgt spid="44">
-                                            <p:txEl>
-                                              <p:pRg st="3" end="3"/>
-                                            </p:txEl>
-                                          </p:spTgt>
-                                        </p:tgtEl>
-                                      </p:cBhvr>
-                                    </p:animEffect>
-                                  </p:childTnLst>
-                                </p:cTn>
-                              </p:par>
-                            </p:childTnLst>
-                          </p:cTn>
-                        </p:par>
-                      </p:childTnLst>
-                    </p:cTn>
-                  </p:par>
-                  <p:par>
-                    <p:cTn id="18" fill="hold">
-                      <p:stCondLst>
-                        <p:cond delay="indefinite"/>
-                      </p:stCondLst>
-                      <p:childTnLst>
-                        <p:par>
-                          <p:cTn id="19" fill="hold">
-                            <p:stCondLst>
-                              <p:cond delay="0"/>
-                            </p:stCondLst>
-                            <p:childTnLst>
-                              <p:par>
-                                <p:cTn id="20" presetID="22" presetClass="entr" presetSubtype="8" fill="hold" nodeType="clickEffect">
-                                  <p:stCondLst>
-                                    <p:cond delay="0"/>
-                                  </p:stCondLst>
-                                  <p:childTnLst>
-                                    <p:set>
-                                      <p:cBhvr>
-                                        <p:cTn id="21" dur="1" fill="hold">
-                                          <p:stCondLst>
-                                            <p:cond delay="0"/>
-                                          </p:stCondLst>
-                                        </p:cTn>
-                                        <p:tgtEl>
-                                          <p:spTgt spid="44">
-                                            <p:txEl>
-                                              <p:pRg st="4" end="4"/>
-                                            </p:txEl>
-                                          </p:spTgt>
-                                        </p:tgtEl>
-                                        <p:attrNameLst>
-                                          <p:attrName>style.visibility</p:attrName>
-                                        </p:attrNameLst>
-                                      </p:cBhvr>
-                                      <p:to>
-                                        <p:strVal val="visible"/>
-                                      </p:to>
-                                    </p:set>
-                                    <p:animEffect transition="in" filter="wipe(left)">
-                                      <p:cBhvr>
-                                        <p:cTn id="22" dur="500"/>
-                                        <p:tgtEl>
-                                          <p:spTgt spid="44">
-                                            <p:txEl>
-                                              <p:pRg st="4" end="4"/>
-                                            </p:txEl>
-                                          </p:spTgt>
-                                        </p:tgtEl>
-                                      </p:cBhvr>
-                                    </p:animEffect>
-                                  </p:childTnLst>
-                                </p:cTn>
-                              </p:par>
-                            </p:childTnLst>
-                          </p:cTn>
-                        </p:par>
-                      </p:childTnLst>
-                    </p:cTn>
-                  </p:par>
-                  <p:par>
-                    <p:cTn id="23" fill="hold">
-                      <p:stCondLst>
-                        <p:cond delay="indefinite"/>
-                      </p:stCondLst>
-                      <p:childTnLst>
-                        <p:par>
-                          <p:cTn id="24" fill="hold">
-                            <p:stCondLst>
-                              <p:cond delay="0"/>
-                            </p:stCondLst>
-                            <p:childTnLst>
-                              <p:par>
-                                <p:cTn id="25" presetID="22" presetClass="entr" presetSubtype="8" fill="hold" nodeType="clickEffect">
-                                  <p:stCondLst>
-                                    <p:cond delay="0"/>
-                                  </p:stCondLst>
-                                  <p:childTnLst>
-                                    <p:set>
-                                      <p:cBhvr>
-                                        <p:cTn id="26" dur="1" fill="hold">
-                                          <p:stCondLst>
-                                            <p:cond delay="0"/>
-                                          </p:stCondLst>
-                                        </p:cTn>
-                                        <p:tgtEl>
-                                          <p:spTgt spid="44">
-                                            <p:txEl>
-                                              <p:pRg st="5" end="5"/>
-                                            </p:txEl>
-                                          </p:spTgt>
-                                        </p:tgtEl>
-                                        <p:attrNameLst>
-                                          <p:attrName>style.visibility</p:attrName>
-                                        </p:attrNameLst>
-                                      </p:cBhvr>
-                                      <p:to>
-                                        <p:strVal val="visible"/>
-                                      </p:to>
-                                    </p:set>
-                                    <p:animEffect transition="in" filter="wipe(left)">
-                                      <p:cBhvr>
-                                        <p:cTn id="27" dur="500"/>
-                                        <p:tgtEl>
-                                          <p:spTgt spid="44">
-                                            <p:txEl>
-                                              <p:pRg st="5" end="5"/>
-                                            </p:txEl>
-                                          </p:spTgt>
-                                        </p:tgtEl>
-                                      </p:cBhvr>
-                                    </p:animEffect>
-                                  </p:childTnLst>
-                                </p:cTn>
-                              </p:par>
-                            </p:childTnLst>
-                          </p:cTn>
-                        </p:par>
-                      </p:childTnLst>
-                    </p:cTn>
-                  </p:par>
-                  <p:par>
-                    <p:cTn id="28" fill="hold">
-                      <p:stCondLst>
-                        <p:cond delay="indefinite"/>
-                      </p:stCondLst>
-                      <p:childTnLst>
-                        <p:par>
-                          <p:cTn id="29" fill="hold">
-                            <p:stCondLst>
-                              <p:cond delay="0"/>
-                            </p:stCondLst>
-                            <p:childTnLst>
-                              <p:par>
-                                <p:cTn id="30" presetID="22" presetClass="entr" presetSubtype="8" fill="hold" nodeType="clickEffect">
-                                  <p:stCondLst>
-                                    <p:cond delay="0"/>
-                                  </p:stCondLst>
-                                  <p:childTnLst>
-                                    <p:set>
-                                      <p:cBhvr>
-                                        <p:cTn id="31" dur="1" fill="hold">
-                                          <p:stCondLst>
-                                            <p:cond delay="0"/>
-                                          </p:stCondLst>
-                                        </p:cTn>
-                                        <p:tgtEl>
-                                          <p:spTgt spid="44">
-                                            <p:txEl>
-                                              <p:pRg st="6" end="6"/>
-                                            </p:txEl>
-                                          </p:spTgt>
-                                        </p:tgtEl>
-                                        <p:attrNameLst>
-                                          <p:attrName>style.visibility</p:attrName>
-                                        </p:attrNameLst>
-                                      </p:cBhvr>
-                                      <p:to>
-                                        <p:strVal val="visible"/>
-                                      </p:to>
-                                    </p:set>
-                                    <p:animEffect transition="in" filter="wipe(left)">
-                                      <p:cBhvr>
-                                        <p:cTn id="32" dur="500"/>
-                                        <p:tgtEl>
-                                          <p:spTgt spid="44">
-                                            <p:txEl>
-                                              <p:pRg st="6" end="6"/>
-                                            </p:txEl>
-                                          </p:spTgt>
-                                        </p:tgtEl>
-                                      </p:cBhvr>
-                                    </p:animEffect>
-                                  </p:childTnLst>
-                                </p:cTn>
-                              </p:par>
-                            </p:childTnLst>
-                          </p:cTn>
-                        </p:par>
-                      </p:childTnLst>
-                    </p:cTn>
-                  </p:par>
-                  <p:par>
-                    <p:cTn id="33" fill="hold">
-                      <p:stCondLst>
-                        <p:cond delay="indefinite"/>
-                      </p:stCondLst>
-                      <p:childTnLst>
-                        <p:par>
-                          <p:cTn id="34" fill="hold">
-                            <p:stCondLst>
-                              <p:cond delay="0"/>
-                            </p:stCondLst>
-                            <p:childTnLst>
-                              <p:par>
-                                <p:cTn id="35" presetID="22" presetClass="entr" presetSubtype="8" fill="hold" nodeType="clickEffect">
-                                  <p:stCondLst>
-                                    <p:cond delay="0"/>
-                                  </p:stCondLst>
-                                  <p:childTnLst>
-                                    <p:set>
-                                      <p:cBhvr>
-                                        <p:cTn id="36" dur="1" fill="hold">
-                                          <p:stCondLst>
-                                            <p:cond delay="0"/>
-                                          </p:stCondLst>
-                                        </p:cTn>
-                                        <p:tgtEl>
-                                          <p:spTgt spid="44">
-                                            <p:txEl>
-                                              <p:pRg st="7" end="7"/>
-                                            </p:txEl>
-                                          </p:spTgt>
-                                        </p:tgtEl>
-                                        <p:attrNameLst>
-                                          <p:attrName>style.visibility</p:attrName>
-                                        </p:attrNameLst>
-                                      </p:cBhvr>
-                                      <p:to>
-                                        <p:strVal val="visible"/>
-                                      </p:to>
-                                    </p:set>
-                                    <p:animEffect transition="in" filter="wipe(left)">
-                                      <p:cBhvr>
-                                        <p:cTn id="37" dur="500"/>
-                                        <p:tgtEl>
-                                          <p:spTgt spid="44">
-                                            <p:txEl>
-                                              <p:pRg st="7" end="7"/>
-                                            </p:txEl>
-                                          </p:spTgt>
-                                        </p:tgtEl>
-                                      </p:cBhvr>
-                                    </p:animEffect>
-                                  </p:childTnLst>
-                                </p:cTn>
-                              </p:par>
-                            </p:childTnLst>
-                          </p:cTn>
-                        </p:par>
-                      </p:childTnLst>
-                    </p:cTn>
-                  </p:par>
-                  <p:par>
-                    <p:cTn id="38" fill="hold">
-                      <p:stCondLst>
-                        <p:cond delay="indefinite"/>
-                      </p:stCondLst>
-                      <p:childTnLst>
-                        <p:par>
-                          <p:cTn id="39" fill="hold">
-                            <p:stCondLst>
-                              <p:cond delay="0"/>
-                            </p:stCondLst>
-                            <p:childTnLst>
-                              <p:par>
-                                <p:cTn id="40" presetID="22" presetClass="entr" presetSubtype="8" fill="hold" nodeType="clickEffect">
-                                  <p:stCondLst>
-                                    <p:cond delay="0"/>
-                                  </p:stCondLst>
-                                  <p:childTnLst>
-                                    <p:set>
-                                      <p:cBhvr>
-                                        <p:cTn id="41" dur="1" fill="hold">
-                                          <p:stCondLst>
-                                            <p:cond delay="0"/>
-                                          </p:stCondLst>
-                                        </p:cTn>
-                                        <p:tgtEl>
-                                          <p:spTgt spid="44">
-                                            <p:txEl>
-                                              <p:pRg st="8" end="8"/>
-                                            </p:txEl>
-                                          </p:spTgt>
-                                        </p:tgtEl>
-                                        <p:attrNameLst>
-                                          <p:attrName>style.visibility</p:attrName>
-                                        </p:attrNameLst>
-                                      </p:cBhvr>
-                                      <p:to>
-                                        <p:strVal val="visible"/>
-                                      </p:to>
-                                    </p:set>
-                                    <p:animEffect transition="in" filter="wipe(left)">
-                                      <p:cBhvr>
-                                        <p:cTn id="42" dur="500"/>
-                                        <p:tgtEl>
-                                          <p:spTgt spid="44">
-                                            <p:txEl>
-                                              <p:pRg st="8" end="8"/>
-                                            </p:txEl>
-                                          </p:spTgt>
-                                        </p:tgtEl>
-                                      </p:cBhvr>
-                                    </p:animEffect>
-                                  </p:childTnLst>
-                                </p:cTn>
-                              </p:par>
-                            </p:childTnLst>
-                          </p:cTn>
-                        </p:par>
-                      </p:childTnLst>
-                    </p:cTn>
-                  </p:par>
-                  <p:par>
-                    <p:cTn id="43" fill="hold">
-                      <p:stCondLst>
-                        <p:cond delay="indefinite"/>
-                      </p:stCondLst>
-                      <p:childTnLst>
-                        <p:par>
-                          <p:cTn id="44" fill="hold">
-                            <p:stCondLst>
-                              <p:cond delay="0"/>
-                            </p:stCondLst>
-                            <p:childTnLst>
-                              <p:par>
-                                <p:cTn id="45" presetID="22" presetClass="entr" presetSubtype="8" fill="hold" nodeType="clickEffect">
-                                  <p:stCondLst>
-                                    <p:cond delay="0"/>
-                                  </p:stCondLst>
-                                  <p:childTnLst>
-                                    <p:set>
-                                      <p:cBhvr>
-                                        <p:cTn id="46" dur="1" fill="hold">
-                                          <p:stCondLst>
-                                            <p:cond delay="0"/>
-                                          </p:stCondLst>
-                                        </p:cTn>
-                                        <p:tgtEl>
-                                          <p:spTgt spid="44">
-                                            <p:txEl>
-                                              <p:pRg st="9" end="9"/>
-                                            </p:txEl>
-                                          </p:spTgt>
-                                        </p:tgtEl>
-                                        <p:attrNameLst>
-                                          <p:attrName>style.visibility</p:attrName>
-                                        </p:attrNameLst>
-                                      </p:cBhvr>
-                                      <p:to>
-                                        <p:strVal val="visible"/>
-                                      </p:to>
-                                    </p:set>
-                                    <p:animEffect transition="in" filter="wipe(left)">
-                                      <p:cBhvr>
-                                        <p:cTn id="47" dur="500"/>
-                                        <p:tgtEl>
-                                          <p:spTgt spid="44">
-                                            <p:txEl>
-                                              <p:pRg st="9" end="9"/>
-                                            </p:txEl>
-                                          </p:spTgt>
-                                        </p:tgtEl>
-                                      </p:cBhvr>
-                                    </p:animEffect>
-                                  </p:childTnLst>
-                                </p:cTn>
-                              </p:par>
-                            </p:childTnLst>
-                          </p:cTn>
-                        </p:par>
-                      </p:childTnLst>
-                    </p:cTn>
-                  </p:par>
-                  <p:par>
-                    <p:cTn id="48" fill="hold">
-                      <p:stCondLst>
-                        <p:cond delay="indefinite"/>
-                      </p:stCondLst>
-                      <p:childTnLst>
-                        <p:par>
-                          <p:cTn id="49" fill="hold">
-                            <p:stCondLst>
-                              <p:cond delay="0"/>
-                            </p:stCondLst>
-                            <p:childTnLst>
-                              <p:par>
-                                <p:cTn id="50" presetID="22" presetClass="entr" presetSubtype="8" fill="hold" nodeType="clickEffect">
-                                  <p:stCondLst>
-                                    <p:cond delay="0"/>
-                                  </p:stCondLst>
-                                  <p:childTnLst>
-                                    <p:set>
-                                      <p:cBhvr>
-                                        <p:cTn id="51" dur="1" fill="hold">
-                                          <p:stCondLst>
-                                            <p:cond delay="0"/>
-                                          </p:stCondLst>
-                                        </p:cTn>
-                                        <p:tgtEl>
-                                          <p:spTgt spid="44">
-                                            <p:txEl>
-                                              <p:pRg st="10" end="10"/>
-                                            </p:txEl>
-                                          </p:spTgt>
-                                        </p:tgtEl>
-                                        <p:attrNameLst>
-                                          <p:attrName>style.visibility</p:attrName>
-                                        </p:attrNameLst>
-                                      </p:cBhvr>
-                                      <p:to>
-                                        <p:strVal val="visible"/>
-                                      </p:to>
-                                    </p:set>
-                                    <p:animEffect transition="in" filter="wipe(left)">
-                                      <p:cBhvr>
-                                        <p:cTn id="52" dur="500"/>
-                                        <p:tgtEl>
-                                          <p:spTgt spid="44">
-                                            <p:txEl>
-                                              <p:pRg st="10" end="10"/>
+                                              <p:pRg st="1" end="1"/>
                                             </p:txEl>
                                           </p:spTgt>
                                         </p:tgtEl>
@@ -13176,8 +12242,12 @@
           <a:lstStyle/>
           <a:p>
             <a:r>
+              <a:rPr lang="en-US" altLang="zh-CN"/>
+              <a:t>APP</a:t>
+            </a:r>
+            <a:r>
               <a:rPr lang="zh-CN" altLang="en-US"/>
-              <a:t>安装包瘦身</a:t>
+              <a:t>的内存优化</a:t>
             </a:r>
             <a:endParaRPr lang="zh-CN" altLang="en-US"/>
           </a:p>
@@ -13191,8 +12261,8 @@
         </p:nvSpPr>
         <p:spPr>
           <a:xfrm>
-            <a:off x="376692" y="1268491"/>
-            <a:ext cx="11501313" cy="5227312"/>
+            <a:off x="376555" y="1112520"/>
+            <a:ext cx="11501755" cy="5698490"/>
           </a:xfrm>
           <a:prstGeom prst="rect">
             <a:avLst/>
@@ -13205,32 +12275,13 @@
           </a:bodyPr>
           <a:lstStyle/>
           <a:p>
-            <a:pPr indent="0">
+            <a:pPr marL="342900" indent="-342900">
               <a:lnSpc>
                 <a:spcPts val="2200"/>
               </a:lnSpc>
               <a:buFont typeface="Wingdings" panose="05000000000000000000" pitchFamily="2" charset="2"/>
-              <a:buNone/>
+              <a:buChar char="n"/>
             </a:pPr>
-            <a:endParaRPr lang="en-US" altLang="zh-CN" sz="1600">
-              <a:solidFill>
-                <a:schemeClr val="tx1">
-                  <a:lumMod val="65000"/>
-                  <a:lumOff val="35000"/>
-                </a:schemeClr>
-              </a:solidFill>
-              <a:latin typeface="微软雅黑" panose="020B0503020204020204" pitchFamily="34" charset="-122"/>
-              <a:ea typeface="微软雅黑" panose="020B0503020204020204" pitchFamily="34" charset="-122"/>
-            </a:endParaRPr>
-          </a:p>
-          <a:p>
-            <a:pPr marL="800100" lvl="1" indent="-342900">
-              <a:lnSpc>
-                <a:spcPts val="2200"/>
-              </a:lnSpc>
-              <a:buFont typeface="Wingdings" panose="05000000000000000000" pitchFamily="2" charset="2"/>
-              <a:buChar char="p"/>
-            </a:pPr>
             <a:r>
               <a:rPr lang="zh-CN" altLang="en-US" sz="1600">
                 <a:solidFill>
@@ -13242,7 +12293,7 @@
                 <a:latin typeface="微软雅黑" panose="020B0503020204020204" pitchFamily="34" charset="-122"/>
                 <a:ea typeface="微软雅黑" panose="020B0503020204020204" pitchFamily="34" charset="-122"/>
               </a:rPr>
-              <a:t>图片资源放入.xcassets：</a:t>
+              <a:t>iOS性能优化实践：头条抖音如何实现OOM崩溃率下降50%+</a:t>
             </a:r>
             <a:endParaRPr lang="zh-CN" altLang="en-US" sz="1600">
               <a:solidFill>
@@ -13256,12 +12307,12 @@
             </a:endParaRPr>
           </a:p>
           <a:p>
-            <a:pPr marL="1257300" lvl="2" indent="-342900">
+            <a:pPr marL="800100" lvl="1" indent="-342900">
               <a:lnSpc>
                 <a:spcPts val="2200"/>
               </a:lnSpc>
               <a:buFont typeface="Wingdings" panose="05000000000000000000" pitchFamily="2" charset="2"/>
-              <a:buChar char="p"/>
+              <a:buChar char="n"/>
             </a:pPr>
             <a:r>
               <a:rPr lang="zh-CN" altLang="en-US" sz="1600">
@@ -13274,7 +12325,7 @@
                 <a:latin typeface="微软雅黑" panose="020B0503020204020204" pitchFamily="34" charset="-122"/>
                 <a:ea typeface="微软雅黑" panose="020B0503020204020204" pitchFamily="34" charset="-122"/>
               </a:rPr>
-              <a:t> 尽量将图片资源放入 Images.xcassets 中，包括 pod 库的图片。 Images.xcassets 中的图片加载后会有缓存，提升加载速度，并且在最终打包时会自动进行压缩（Compress PNG Files），再根据最终运行设备进行 2x 和 3x 分发。</a:t>
+              <a:t>https://mp.weixin.qq.com/s/4-4M9E8NziAgshlwB7Sc6g</a:t>
             </a:r>
             <a:endParaRPr lang="zh-CN" altLang="en-US" sz="1600">
               <a:solidFill>
@@ -13288,26 +12339,13 @@
             </a:endParaRPr>
           </a:p>
           <a:p>
-            <a:pPr marL="1257300" lvl="2" indent="-342900">
+            <a:pPr marL="342900" lvl="0" indent="-342900">
               <a:lnSpc>
                 <a:spcPts val="2200"/>
               </a:lnSpc>
               <a:buFont typeface="Wingdings" panose="05000000000000000000" pitchFamily="2" charset="2"/>
-              <a:buChar char="p"/>
+              <a:buChar char="n"/>
             </a:pPr>
-            <a:r>
-              <a:rPr sz="1600">
-                <a:solidFill>
-                  <a:schemeClr val="tx1">
-                    <a:lumMod val="65000"/>
-                    <a:lumOff val="35000"/>
-                  </a:schemeClr>
-                </a:solidFill>
-                <a:latin typeface="微软雅黑" panose="020B0503020204020204" pitchFamily="34" charset="-122"/>
-                <a:ea typeface="微软雅黑" panose="020B0503020204020204" pitchFamily="34" charset="-122"/>
-              </a:rPr>
-              <a:t>对于内部 Pod 库中的资源文件，我们可以在 Pod 库里面的 Resources 目录下新建 Asset Catalog 文件，命名为 Images.xcassets，移入所有图片文件，接着手动修改该 SDK 的 podspec 文件指定使用该 Images.xcassets。</a:t>
-            </a:r>
             <a:endParaRPr lang="zh-CN" altLang="en-US" sz="1600">
               <a:solidFill>
                 <a:schemeClr val="tx1">
@@ -13320,25 +12358,377 @@
             </a:endParaRPr>
           </a:p>
           <a:p>
+            <a:pPr marL="342900" lvl="0" indent="-342900">
+              <a:lnSpc>
+                <a:spcPts val="2200"/>
+              </a:lnSpc>
+              <a:buFont typeface="Wingdings" panose="05000000000000000000" pitchFamily="2" charset="2"/>
+              <a:buChar char="n"/>
+            </a:pPr>
+            <a:r>
+              <a:rPr lang="zh-CN" altLang="en-US" sz="1600">
+                <a:solidFill>
+                  <a:schemeClr val="tx1">
+                    <a:lumMod val="65000"/>
+                    <a:lumOff val="35000"/>
+                  </a:schemeClr>
+                </a:solidFill>
+                <a:latin typeface="微软雅黑" panose="020B0503020204020204" pitchFamily="34" charset="-122"/>
+                <a:ea typeface="微软雅黑" panose="020B0503020204020204" pitchFamily="34" charset="-122"/>
+              </a:rPr>
+              <a:t>深入探索 iOS 内存优化</a:t>
+            </a:r>
+            <a:endParaRPr lang="zh-CN" altLang="en-US" sz="1600">
+              <a:solidFill>
+                <a:schemeClr val="tx1">
+                  <a:lumMod val="65000"/>
+                  <a:lumOff val="35000"/>
+                </a:schemeClr>
+              </a:solidFill>
+              <a:latin typeface="微软雅黑" panose="020B0503020204020204" pitchFamily="34" charset="-122"/>
+              <a:ea typeface="微软雅黑" panose="020B0503020204020204" pitchFamily="34" charset="-122"/>
+            </a:endParaRPr>
+          </a:p>
+          <a:p>
             <a:pPr marL="800100" lvl="1" indent="-342900">
               <a:lnSpc>
                 <a:spcPts val="2200"/>
               </a:lnSpc>
               <a:buFont typeface="Wingdings" panose="05000000000000000000" pitchFamily="2" charset="2"/>
-              <a:buChar char="p"/>
+              <a:buChar char="n"/>
             </a:pPr>
             <a:r>
-              <a:rPr sz="1600">
-                <a:solidFill>
-                  <a:schemeClr val="tx1">
-                    <a:lumMod val="65000"/>
-                    <a:lumOff val="35000"/>
-                  </a:schemeClr>
-                </a:solidFill>
-                <a:latin typeface="微软雅黑" panose="020B0503020204020204" pitchFamily="34" charset="-122"/>
-                <a:ea typeface="微软雅黑" panose="020B0503020204020204" pitchFamily="34" charset="-122"/>
-              </a:rPr>
-              <a:t>部分大资源文件通过运行下载</a:t>
+              <a:rPr lang="zh-CN" altLang="en-US" sz="1600">
+                <a:solidFill>
+                  <a:schemeClr val="tx1">
+                    <a:lumMod val="65000"/>
+                    <a:lumOff val="35000"/>
+                  </a:schemeClr>
+                </a:solidFill>
+                <a:latin typeface="微软雅黑" panose="020B0503020204020204" pitchFamily="34" charset="-122"/>
+                <a:ea typeface="微软雅黑" panose="020B0503020204020204" pitchFamily="34" charset="-122"/>
+              </a:rPr>
+              <a:t>https://juejin.cn/post/6864492188404088846</a:t>
+            </a:r>
+            <a:endParaRPr lang="zh-CN" altLang="en-US" sz="1600">
+              <a:solidFill>
+                <a:schemeClr val="tx1">
+                  <a:lumMod val="65000"/>
+                  <a:lumOff val="35000"/>
+                </a:schemeClr>
+              </a:solidFill>
+              <a:latin typeface="微软雅黑" panose="020B0503020204020204" pitchFamily="34" charset="-122"/>
+              <a:ea typeface="微软雅黑" panose="020B0503020204020204" pitchFamily="34" charset="-122"/>
+            </a:endParaRPr>
+          </a:p>
+          <a:p>
+            <a:pPr marL="800100" lvl="1" indent="-342900">
+              <a:lnSpc>
+                <a:spcPts val="2200"/>
+              </a:lnSpc>
+              <a:buFont typeface="Wingdings" panose="05000000000000000000" pitchFamily="2" charset="2"/>
+              <a:buChar char="n"/>
+            </a:pPr>
+            <a:endParaRPr lang="zh-CN" altLang="en-US" sz="1600">
+              <a:solidFill>
+                <a:schemeClr val="tx1">
+                  <a:lumMod val="65000"/>
+                  <a:lumOff val="35000"/>
+                </a:schemeClr>
+              </a:solidFill>
+              <a:latin typeface="微软雅黑" panose="020B0503020204020204" pitchFamily="34" charset="-122"/>
+              <a:ea typeface="微软雅黑" panose="020B0503020204020204" pitchFamily="34" charset="-122"/>
+            </a:endParaRPr>
+          </a:p>
+          <a:p>
+            <a:pPr marL="342900" lvl="0" indent="-342900">
+              <a:lnSpc>
+                <a:spcPts val="2200"/>
+              </a:lnSpc>
+              <a:buFont typeface="Wingdings" panose="05000000000000000000" pitchFamily="2" charset="2"/>
+              <a:buChar char="n"/>
+            </a:pPr>
+            <a:r>
+              <a:rPr lang="zh-CN" altLang="en-US" sz="1600">
+                <a:solidFill>
+                  <a:schemeClr val="tx1">
+                    <a:lumMod val="65000"/>
+                    <a:lumOff val="35000"/>
+                  </a:schemeClr>
+                </a:solidFill>
+                <a:latin typeface="微软雅黑" panose="020B0503020204020204" pitchFamily="34" charset="-122"/>
+                <a:ea typeface="微软雅黑" panose="020B0503020204020204" pitchFamily="34" charset="-122"/>
+              </a:rPr>
+              <a:t>常用</a:t>
+            </a:r>
+            <a:endParaRPr lang="zh-CN" altLang="en-US" sz="1600">
+              <a:solidFill>
+                <a:schemeClr val="tx1">
+                  <a:lumMod val="65000"/>
+                  <a:lumOff val="35000"/>
+                </a:schemeClr>
+              </a:solidFill>
+              <a:latin typeface="微软雅黑" panose="020B0503020204020204" pitchFamily="34" charset="-122"/>
+              <a:ea typeface="微软雅黑" panose="020B0503020204020204" pitchFamily="34" charset="-122"/>
+            </a:endParaRPr>
+          </a:p>
+          <a:p>
+            <a:pPr marL="800100" lvl="1" indent="-342900">
+              <a:lnSpc>
+                <a:spcPts val="2200"/>
+              </a:lnSpc>
+              <a:buFont typeface="Wingdings" panose="05000000000000000000" pitchFamily="2" charset="2"/>
+              <a:buChar char="n"/>
+            </a:pPr>
+            <a:r>
+              <a:rPr lang="zh-CN" altLang="en-US" sz="1600">
+                <a:solidFill>
+                  <a:schemeClr val="tx1">
+                    <a:lumMod val="65000"/>
+                    <a:lumOff val="35000"/>
+                  </a:schemeClr>
+                </a:solidFill>
+                <a:latin typeface="微软雅黑" panose="020B0503020204020204" pitchFamily="34" charset="-122"/>
+                <a:ea typeface="微软雅黑" panose="020B0503020204020204" pitchFamily="34" charset="-122"/>
+              </a:rPr>
+              <a:t>避免检测内存泄漏</a:t>
+            </a:r>
+            <a:endParaRPr lang="zh-CN" altLang="en-US" sz="1600">
+              <a:solidFill>
+                <a:schemeClr val="tx1">
+                  <a:lumMod val="65000"/>
+                  <a:lumOff val="35000"/>
+                </a:schemeClr>
+              </a:solidFill>
+              <a:latin typeface="微软雅黑" panose="020B0503020204020204" pitchFamily="34" charset="-122"/>
+              <a:ea typeface="微软雅黑" panose="020B0503020204020204" pitchFamily="34" charset="-122"/>
+            </a:endParaRPr>
+          </a:p>
+          <a:p>
+            <a:pPr marL="800100" lvl="1" indent="-342900">
+              <a:lnSpc>
+                <a:spcPts val="2200"/>
+              </a:lnSpc>
+              <a:buFont typeface="Wingdings" panose="05000000000000000000" pitchFamily="2" charset="2"/>
+              <a:buChar char="n"/>
+            </a:pPr>
+            <a:r>
+              <a:rPr lang="zh-CN" altLang="en-US" sz="1600">
+                <a:solidFill>
+                  <a:schemeClr val="tx1">
+                    <a:lumMod val="65000"/>
+                    <a:lumOff val="35000"/>
+                  </a:schemeClr>
+                </a:solidFill>
+                <a:latin typeface="微软雅黑" panose="020B0503020204020204" pitchFamily="34" charset="-122"/>
+                <a:ea typeface="微软雅黑" panose="020B0503020204020204" pitchFamily="34" charset="-122"/>
+              </a:rPr>
+              <a:t>野指针</a:t>
+            </a:r>
+            <a:endParaRPr lang="zh-CN" altLang="en-US" sz="1600">
+              <a:solidFill>
+                <a:schemeClr val="tx1">
+                  <a:lumMod val="65000"/>
+                  <a:lumOff val="35000"/>
+                </a:schemeClr>
+              </a:solidFill>
+              <a:latin typeface="微软雅黑" panose="020B0503020204020204" pitchFamily="34" charset="-122"/>
+              <a:ea typeface="微软雅黑" panose="020B0503020204020204" pitchFamily="34" charset="-122"/>
+            </a:endParaRPr>
+          </a:p>
+          <a:p>
+            <a:pPr marL="800100" lvl="1" indent="-342900">
+              <a:lnSpc>
+                <a:spcPts val="2200"/>
+              </a:lnSpc>
+              <a:buFont typeface="Wingdings" panose="05000000000000000000" pitchFamily="2" charset="2"/>
+              <a:buChar char="n"/>
+            </a:pPr>
+            <a:r>
+              <a:rPr lang="zh-CN" altLang="en-US" sz="1600">
+                <a:solidFill>
+                  <a:schemeClr val="tx1">
+                    <a:lumMod val="65000"/>
+                    <a:lumOff val="35000"/>
+                  </a:schemeClr>
+                </a:solidFill>
+                <a:latin typeface="微软雅黑" panose="020B0503020204020204" pitchFamily="34" charset="-122"/>
+                <a:ea typeface="微软雅黑" panose="020B0503020204020204" pitchFamily="34" charset="-122"/>
+              </a:rPr>
+              <a:t>图片内存</a:t>
+            </a:r>
+            <a:endParaRPr lang="zh-CN" altLang="en-US" sz="1600">
+              <a:solidFill>
+                <a:schemeClr val="tx1">
+                  <a:lumMod val="65000"/>
+                  <a:lumOff val="35000"/>
+                </a:schemeClr>
+              </a:solidFill>
+              <a:latin typeface="微软雅黑" panose="020B0503020204020204" pitchFamily="34" charset="-122"/>
+              <a:ea typeface="微软雅黑" panose="020B0503020204020204" pitchFamily="34" charset="-122"/>
+            </a:endParaRPr>
+          </a:p>
+          <a:p>
+            <a:pPr marL="1257300" lvl="2" indent="-342900">
+              <a:lnSpc>
+                <a:spcPts val="2200"/>
+              </a:lnSpc>
+              <a:buFont typeface="Wingdings" panose="05000000000000000000" pitchFamily="2" charset="2"/>
+              <a:buChar char="n"/>
+            </a:pPr>
+            <a:r>
+              <a:rPr lang="zh-CN" altLang="en-US" sz="1600">
+                <a:solidFill>
+                  <a:schemeClr val="tx1">
+                    <a:lumMod val="65000"/>
+                    <a:lumOff val="35000"/>
+                  </a:schemeClr>
+                </a:solidFill>
+                <a:latin typeface="微软雅黑" panose="020B0503020204020204" pitchFamily="34" charset="-122"/>
+                <a:ea typeface="微软雅黑" panose="020B0503020204020204" pitchFamily="34" charset="-122"/>
+              </a:rPr>
+              <a:t>图片读取方式</a:t>
+            </a:r>
+            <a:endParaRPr lang="zh-CN" altLang="en-US" sz="1600">
+              <a:solidFill>
+                <a:schemeClr val="tx1">
+                  <a:lumMod val="65000"/>
+                  <a:lumOff val="35000"/>
+                </a:schemeClr>
+              </a:solidFill>
+              <a:latin typeface="微软雅黑" panose="020B0503020204020204" pitchFamily="34" charset="-122"/>
+              <a:ea typeface="微软雅黑" panose="020B0503020204020204" pitchFamily="34" charset="-122"/>
+            </a:endParaRPr>
+          </a:p>
+          <a:p>
+            <a:pPr marL="1257300" lvl="2" indent="-342900">
+              <a:lnSpc>
+                <a:spcPts val="2200"/>
+              </a:lnSpc>
+              <a:buFont typeface="Wingdings" panose="05000000000000000000" pitchFamily="2" charset="2"/>
+              <a:buChar char="n"/>
+            </a:pPr>
+            <a:r>
+              <a:rPr lang="zh-CN" altLang="en-US" sz="1600">
+                <a:solidFill>
+                  <a:schemeClr val="tx1">
+                    <a:lumMod val="65000"/>
+                    <a:lumOff val="35000"/>
+                  </a:schemeClr>
+                </a:solidFill>
+                <a:latin typeface="微软雅黑" panose="020B0503020204020204" pitchFamily="34" charset="-122"/>
+                <a:ea typeface="微软雅黑" panose="020B0503020204020204" pitchFamily="34" charset="-122"/>
+              </a:rPr>
+              <a:t>图片格式</a:t>
+            </a:r>
+            <a:endParaRPr lang="zh-CN" altLang="en-US" sz="1600">
+              <a:solidFill>
+                <a:schemeClr val="tx1">
+                  <a:lumMod val="65000"/>
+                  <a:lumOff val="35000"/>
+                </a:schemeClr>
+              </a:solidFill>
+              <a:latin typeface="微软雅黑" panose="020B0503020204020204" pitchFamily="34" charset="-122"/>
+              <a:ea typeface="微软雅黑" panose="020B0503020204020204" pitchFamily="34" charset="-122"/>
+            </a:endParaRPr>
+          </a:p>
+          <a:p>
+            <a:pPr marL="1257300" lvl="2" indent="-342900">
+              <a:lnSpc>
+                <a:spcPts val="2200"/>
+              </a:lnSpc>
+              <a:buFont typeface="Wingdings" panose="05000000000000000000" pitchFamily="2" charset="2"/>
+              <a:buChar char="n"/>
+            </a:pPr>
+            <a:r>
+              <a:rPr lang="zh-CN" altLang="en-US" sz="1600">
+                <a:solidFill>
+                  <a:schemeClr val="tx1">
+                    <a:lumMod val="65000"/>
+                    <a:lumOff val="35000"/>
+                  </a:schemeClr>
+                </a:solidFill>
+                <a:latin typeface="微软雅黑" panose="020B0503020204020204" pitchFamily="34" charset="-122"/>
+                <a:ea typeface="微软雅黑" panose="020B0503020204020204" pitchFamily="34" charset="-122"/>
+              </a:rPr>
+              <a:t>缩放图片：将大图片加载到小空间时， UIImage （UIImage.contentsOfFile）需要先解压整个图像再渲染，会产生内存峰值，用 ImageIO框架 替代 UIImage 可避免图像峰值，ImageIO框架（CGImageSourceCreateWithURL）可以直接指定加载到内存的图像尺寸和信息，省去了解压缩的过程。</a:t>
+            </a:r>
+            <a:endParaRPr lang="zh-CN" altLang="en-US" sz="1600">
+              <a:solidFill>
+                <a:schemeClr val="tx1">
+                  <a:lumMod val="65000"/>
+                  <a:lumOff val="35000"/>
+                </a:schemeClr>
+              </a:solidFill>
+              <a:latin typeface="微软雅黑" panose="020B0503020204020204" pitchFamily="34" charset="-122"/>
+              <a:ea typeface="微软雅黑" panose="020B0503020204020204" pitchFamily="34" charset="-122"/>
+            </a:endParaRPr>
+          </a:p>
+          <a:p>
+            <a:pPr marL="1257300" lvl="2" indent="-342900">
+              <a:lnSpc>
+                <a:spcPts val="2200"/>
+              </a:lnSpc>
+              <a:buFont typeface="Wingdings" panose="05000000000000000000" pitchFamily="2" charset="2"/>
+              <a:buChar char="n"/>
+            </a:pPr>
+            <a:r>
+              <a:rPr lang="zh-CN" altLang="en-US" sz="1600">
+                <a:solidFill>
+                  <a:schemeClr val="tx1">
+                    <a:lumMod val="65000"/>
+                    <a:lumOff val="35000"/>
+                  </a:schemeClr>
+                </a:solidFill>
+                <a:latin typeface="微软雅黑" panose="020B0503020204020204" pitchFamily="34" charset="-122"/>
+                <a:ea typeface="微软雅黑" panose="020B0503020204020204" pitchFamily="34" charset="-122"/>
+              </a:rPr>
+              <a:t>当应用切入后台时，图像默认还在内存中 ，可以在退到后台或view消失时从内存中移除图片，进入前台或view出现时再加载图片 （通过监听系统通知) 。</a:t>
+            </a:r>
+            <a:endParaRPr lang="zh-CN" altLang="en-US" sz="1600">
+              <a:solidFill>
+                <a:schemeClr val="tx1">
+                  <a:lumMod val="65000"/>
+                  <a:lumOff val="35000"/>
+                </a:schemeClr>
+              </a:solidFill>
+              <a:latin typeface="微软雅黑" panose="020B0503020204020204" pitchFamily="34" charset="-122"/>
+              <a:ea typeface="微软雅黑" panose="020B0503020204020204" pitchFamily="34" charset="-122"/>
+            </a:endParaRPr>
+          </a:p>
+          <a:p>
+            <a:pPr marL="1257300" lvl="2" indent="-342900">
+              <a:lnSpc>
+                <a:spcPts val="2200"/>
+              </a:lnSpc>
+              <a:buFont typeface="Wingdings" panose="05000000000000000000" pitchFamily="2" charset="2"/>
+              <a:buChar char="n"/>
+            </a:pPr>
+            <a:r>
+              <a:rPr lang="zh-CN" altLang="en-US" sz="1600">
+                <a:solidFill>
+                  <a:schemeClr val="tx1">
+                    <a:lumMod val="65000"/>
+                    <a:lumOff val="35000"/>
+                  </a:schemeClr>
+                </a:solidFill>
+                <a:latin typeface="微软雅黑" panose="020B0503020204020204" pitchFamily="34" charset="-122"/>
+                <a:ea typeface="微软雅黑" panose="020B0503020204020204" pitchFamily="34" charset="-122"/>
+              </a:rPr>
+              <a:t>构建缓存：构建缓存时使用 NSCache 替代 NSMutableDictionary</a:t>
+            </a:r>
+            <a:r>
+              <a:rPr lang="en-US" altLang="zh-CN" sz="1600">
+                <a:solidFill>
+                  <a:schemeClr val="tx1">
+                    <a:lumMod val="65000"/>
+                    <a:lumOff val="35000"/>
+                  </a:schemeClr>
+                </a:solidFill>
+                <a:latin typeface="微软雅黑" panose="020B0503020204020204" pitchFamily="34" charset="-122"/>
+                <a:ea typeface="微软雅黑" panose="020B0503020204020204" pitchFamily="34" charset="-122"/>
+              </a:rPr>
+              <a:t>(NSCache 是线程安全的，当内存不足时会自动释放内存（取数据时需要先判空），并且可以通过 countLimit 和 totalCostLimit 属性设置上限，另外对存在 Compressed Memory 情况下的内存警告也做了优化，这些都是 NSDictionary 不具备的。</a:t>
             </a:r>
             <a:endParaRPr lang="en-US" altLang="zh-CN" sz="1600">
               <a:solidFill>
@@ -13394,7 +12784,7 @@
                                         <p:tgtEl>
                                           <p:spTgt spid="44">
                                             <p:txEl>
-                                              <p:pRg st="1" end="1"/>
+                                              <p:pRg st="0" end="0"/>
                                             </p:txEl>
                                           </p:spTgt>
                                         </p:tgtEl>
@@ -13412,7 +12802,7 @@
                                         <p:tgtEl>
                                           <p:spTgt spid="44">
                                             <p:txEl>
-                                              <p:pRg st="1" end="1"/>
+                                              <p:pRg st="0" end="0"/>
                                             </p:txEl>
                                           </p:spTgt>
                                         </p:tgtEl>
@@ -13455,7 +12845,7 @@
                                         <p:tgtEl>
                                           <p:spTgt spid="44">
                                             <p:txEl>
-                                              <p:pRg st="2" end="2"/>
+                                              <p:pRg st="1" end="1"/>
                                             </p:txEl>
                                           </p:spTgt>
                                         </p:tgtEl>
@@ -13473,7 +12863,7 @@
                                         <p:tgtEl>
                                           <p:spTgt spid="44">
                                             <p:txEl>
-                                              <p:pRg st="2" end="2"/>
+                                              <p:pRg st="1" end="1"/>
                                             </p:txEl>
                                           </p:spTgt>
                                         </p:tgtEl>
@@ -13596,6 +12986,555 @@
                                           <p:spTgt spid="44">
                                             <p:txEl>
                                               <p:pRg st="4" end="4"/>
+                                            </p:txEl>
+                                          </p:spTgt>
+                                        </p:tgtEl>
+                                      </p:cBhvr>
+                                    </p:animEffect>
+                                  </p:childTnLst>
+                                </p:cTn>
+                              </p:par>
+                            </p:childTnLst>
+                          </p:cTn>
+                        </p:par>
+                      </p:childTnLst>
+                    </p:cTn>
+                  </p:par>
+                  <p:par>
+                    <p:cTn id="23" fill="hold">
+                      <p:stCondLst>
+                        <p:cond delay="indefinite"/>
+                      </p:stCondLst>
+                      <p:childTnLst>
+                        <p:par>
+                          <p:cTn id="24" fill="hold">
+                            <p:stCondLst>
+                              <p:cond delay="0"/>
+                            </p:stCondLst>
+                            <p:childTnLst>
+                              <p:par>
+                                <p:cTn id="25" presetID="22" presetClass="entr" presetSubtype="8" fill="hold" nodeType="clickEffect">
+                                  <p:stCondLst>
+                                    <p:cond delay="0"/>
+                                  </p:stCondLst>
+                                  <p:childTnLst>
+                                    <p:set>
+                                      <p:cBhvr>
+                                        <p:cTn id="26" dur="1" fill="hold">
+                                          <p:stCondLst>
+                                            <p:cond delay="0"/>
+                                          </p:stCondLst>
+                                        </p:cTn>
+                                        <p:tgtEl>
+                                          <p:spTgt spid="44">
+                                            <p:txEl>
+                                              <p:pRg st="6" end="6"/>
+                                            </p:txEl>
+                                          </p:spTgt>
+                                        </p:tgtEl>
+                                        <p:attrNameLst>
+                                          <p:attrName>style.visibility</p:attrName>
+                                        </p:attrNameLst>
+                                      </p:cBhvr>
+                                      <p:to>
+                                        <p:strVal val="visible"/>
+                                      </p:to>
+                                    </p:set>
+                                    <p:animEffect transition="in" filter="wipe(left)">
+                                      <p:cBhvr>
+                                        <p:cTn id="27" dur="500"/>
+                                        <p:tgtEl>
+                                          <p:spTgt spid="44">
+                                            <p:txEl>
+                                              <p:pRg st="6" end="6"/>
+                                            </p:txEl>
+                                          </p:spTgt>
+                                        </p:tgtEl>
+                                      </p:cBhvr>
+                                    </p:animEffect>
+                                  </p:childTnLst>
+                                </p:cTn>
+                              </p:par>
+                            </p:childTnLst>
+                          </p:cTn>
+                        </p:par>
+                      </p:childTnLst>
+                    </p:cTn>
+                  </p:par>
+                  <p:par>
+                    <p:cTn id="28" fill="hold">
+                      <p:stCondLst>
+                        <p:cond delay="indefinite"/>
+                      </p:stCondLst>
+                      <p:childTnLst>
+                        <p:par>
+                          <p:cTn id="29" fill="hold">
+                            <p:stCondLst>
+                              <p:cond delay="0"/>
+                            </p:stCondLst>
+                            <p:childTnLst>
+                              <p:par>
+                                <p:cTn id="30" presetID="22" presetClass="entr" presetSubtype="8" fill="hold" nodeType="clickEffect">
+                                  <p:stCondLst>
+                                    <p:cond delay="0"/>
+                                  </p:stCondLst>
+                                  <p:childTnLst>
+                                    <p:set>
+                                      <p:cBhvr>
+                                        <p:cTn id="31" dur="1" fill="hold">
+                                          <p:stCondLst>
+                                            <p:cond delay="0"/>
+                                          </p:stCondLst>
+                                        </p:cTn>
+                                        <p:tgtEl>
+                                          <p:spTgt spid="44">
+                                            <p:txEl>
+                                              <p:pRg st="7" end="7"/>
+                                            </p:txEl>
+                                          </p:spTgt>
+                                        </p:tgtEl>
+                                        <p:attrNameLst>
+                                          <p:attrName>style.visibility</p:attrName>
+                                        </p:attrNameLst>
+                                      </p:cBhvr>
+                                      <p:to>
+                                        <p:strVal val="visible"/>
+                                      </p:to>
+                                    </p:set>
+                                    <p:animEffect transition="in" filter="wipe(left)">
+                                      <p:cBhvr>
+                                        <p:cTn id="32" dur="500"/>
+                                        <p:tgtEl>
+                                          <p:spTgt spid="44">
+                                            <p:txEl>
+                                              <p:pRg st="7" end="7"/>
+                                            </p:txEl>
+                                          </p:spTgt>
+                                        </p:tgtEl>
+                                      </p:cBhvr>
+                                    </p:animEffect>
+                                  </p:childTnLst>
+                                </p:cTn>
+                              </p:par>
+                            </p:childTnLst>
+                          </p:cTn>
+                        </p:par>
+                      </p:childTnLst>
+                    </p:cTn>
+                  </p:par>
+                  <p:par>
+                    <p:cTn id="33" fill="hold">
+                      <p:stCondLst>
+                        <p:cond delay="indefinite"/>
+                      </p:stCondLst>
+                      <p:childTnLst>
+                        <p:par>
+                          <p:cTn id="34" fill="hold">
+                            <p:stCondLst>
+                              <p:cond delay="0"/>
+                            </p:stCondLst>
+                            <p:childTnLst>
+                              <p:par>
+                                <p:cTn id="35" presetID="22" presetClass="entr" presetSubtype="8" fill="hold" nodeType="clickEffect">
+                                  <p:stCondLst>
+                                    <p:cond delay="0"/>
+                                  </p:stCondLst>
+                                  <p:childTnLst>
+                                    <p:set>
+                                      <p:cBhvr>
+                                        <p:cTn id="36" dur="1" fill="hold">
+                                          <p:stCondLst>
+                                            <p:cond delay="0"/>
+                                          </p:stCondLst>
+                                        </p:cTn>
+                                        <p:tgtEl>
+                                          <p:spTgt spid="44">
+                                            <p:txEl>
+                                              <p:pRg st="8" end="8"/>
+                                            </p:txEl>
+                                          </p:spTgt>
+                                        </p:tgtEl>
+                                        <p:attrNameLst>
+                                          <p:attrName>style.visibility</p:attrName>
+                                        </p:attrNameLst>
+                                      </p:cBhvr>
+                                      <p:to>
+                                        <p:strVal val="visible"/>
+                                      </p:to>
+                                    </p:set>
+                                    <p:animEffect transition="in" filter="wipe(left)">
+                                      <p:cBhvr>
+                                        <p:cTn id="37" dur="500"/>
+                                        <p:tgtEl>
+                                          <p:spTgt spid="44">
+                                            <p:txEl>
+                                              <p:pRg st="8" end="8"/>
+                                            </p:txEl>
+                                          </p:spTgt>
+                                        </p:tgtEl>
+                                      </p:cBhvr>
+                                    </p:animEffect>
+                                  </p:childTnLst>
+                                </p:cTn>
+                              </p:par>
+                            </p:childTnLst>
+                          </p:cTn>
+                        </p:par>
+                      </p:childTnLst>
+                    </p:cTn>
+                  </p:par>
+                  <p:par>
+                    <p:cTn id="38" fill="hold">
+                      <p:stCondLst>
+                        <p:cond delay="indefinite"/>
+                      </p:stCondLst>
+                      <p:childTnLst>
+                        <p:par>
+                          <p:cTn id="39" fill="hold">
+                            <p:stCondLst>
+                              <p:cond delay="0"/>
+                            </p:stCondLst>
+                            <p:childTnLst>
+                              <p:par>
+                                <p:cTn id="40" presetID="22" presetClass="entr" presetSubtype="8" fill="hold" nodeType="clickEffect">
+                                  <p:stCondLst>
+                                    <p:cond delay="0"/>
+                                  </p:stCondLst>
+                                  <p:childTnLst>
+                                    <p:set>
+                                      <p:cBhvr>
+                                        <p:cTn id="41" dur="1" fill="hold">
+                                          <p:stCondLst>
+                                            <p:cond delay="0"/>
+                                          </p:stCondLst>
+                                        </p:cTn>
+                                        <p:tgtEl>
+                                          <p:spTgt spid="44">
+                                            <p:txEl>
+                                              <p:pRg st="9" end="9"/>
+                                            </p:txEl>
+                                          </p:spTgt>
+                                        </p:tgtEl>
+                                        <p:attrNameLst>
+                                          <p:attrName>style.visibility</p:attrName>
+                                        </p:attrNameLst>
+                                      </p:cBhvr>
+                                      <p:to>
+                                        <p:strVal val="visible"/>
+                                      </p:to>
+                                    </p:set>
+                                    <p:animEffect transition="in" filter="wipe(left)">
+                                      <p:cBhvr>
+                                        <p:cTn id="42" dur="500"/>
+                                        <p:tgtEl>
+                                          <p:spTgt spid="44">
+                                            <p:txEl>
+                                              <p:pRg st="9" end="9"/>
+                                            </p:txEl>
+                                          </p:spTgt>
+                                        </p:tgtEl>
+                                      </p:cBhvr>
+                                    </p:animEffect>
+                                  </p:childTnLst>
+                                </p:cTn>
+                              </p:par>
+                            </p:childTnLst>
+                          </p:cTn>
+                        </p:par>
+                      </p:childTnLst>
+                    </p:cTn>
+                  </p:par>
+                  <p:par>
+                    <p:cTn id="43" fill="hold">
+                      <p:stCondLst>
+                        <p:cond delay="indefinite"/>
+                      </p:stCondLst>
+                      <p:childTnLst>
+                        <p:par>
+                          <p:cTn id="44" fill="hold">
+                            <p:stCondLst>
+                              <p:cond delay="0"/>
+                            </p:stCondLst>
+                            <p:childTnLst>
+                              <p:par>
+                                <p:cTn id="45" presetID="22" presetClass="entr" presetSubtype="8" fill="hold" nodeType="clickEffect">
+                                  <p:stCondLst>
+                                    <p:cond delay="0"/>
+                                  </p:stCondLst>
+                                  <p:childTnLst>
+                                    <p:set>
+                                      <p:cBhvr>
+                                        <p:cTn id="46" dur="1" fill="hold">
+                                          <p:stCondLst>
+                                            <p:cond delay="0"/>
+                                          </p:stCondLst>
+                                        </p:cTn>
+                                        <p:tgtEl>
+                                          <p:spTgt spid="44">
+                                            <p:txEl>
+                                              <p:pRg st="10" end="10"/>
+                                            </p:txEl>
+                                          </p:spTgt>
+                                        </p:tgtEl>
+                                        <p:attrNameLst>
+                                          <p:attrName>style.visibility</p:attrName>
+                                        </p:attrNameLst>
+                                      </p:cBhvr>
+                                      <p:to>
+                                        <p:strVal val="visible"/>
+                                      </p:to>
+                                    </p:set>
+                                    <p:animEffect transition="in" filter="wipe(left)">
+                                      <p:cBhvr>
+                                        <p:cTn id="47" dur="500"/>
+                                        <p:tgtEl>
+                                          <p:spTgt spid="44">
+                                            <p:txEl>
+                                              <p:pRg st="10" end="10"/>
+                                            </p:txEl>
+                                          </p:spTgt>
+                                        </p:tgtEl>
+                                      </p:cBhvr>
+                                    </p:animEffect>
+                                  </p:childTnLst>
+                                </p:cTn>
+                              </p:par>
+                            </p:childTnLst>
+                          </p:cTn>
+                        </p:par>
+                      </p:childTnLst>
+                    </p:cTn>
+                  </p:par>
+                  <p:par>
+                    <p:cTn id="48" fill="hold">
+                      <p:stCondLst>
+                        <p:cond delay="indefinite"/>
+                      </p:stCondLst>
+                      <p:childTnLst>
+                        <p:par>
+                          <p:cTn id="49" fill="hold">
+                            <p:stCondLst>
+                              <p:cond delay="0"/>
+                            </p:stCondLst>
+                            <p:childTnLst>
+                              <p:par>
+                                <p:cTn id="50" presetID="22" presetClass="entr" presetSubtype="8" fill="hold" nodeType="clickEffect">
+                                  <p:stCondLst>
+                                    <p:cond delay="0"/>
+                                  </p:stCondLst>
+                                  <p:childTnLst>
+                                    <p:set>
+                                      <p:cBhvr>
+                                        <p:cTn id="51" dur="1" fill="hold">
+                                          <p:stCondLst>
+                                            <p:cond delay="0"/>
+                                          </p:stCondLst>
+                                        </p:cTn>
+                                        <p:tgtEl>
+                                          <p:spTgt spid="44">
+                                            <p:txEl>
+                                              <p:pRg st="11" end="11"/>
+                                            </p:txEl>
+                                          </p:spTgt>
+                                        </p:tgtEl>
+                                        <p:attrNameLst>
+                                          <p:attrName>style.visibility</p:attrName>
+                                        </p:attrNameLst>
+                                      </p:cBhvr>
+                                      <p:to>
+                                        <p:strVal val="visible"/>
+                                      </p:to>
+                                    </p:set>
+                                    <p:animEffect transition="in" filter="wipe(left)">
+                                      <p:cBhvr>
+                                        <p:cTn id="52" dur="500"/>
+                                        <p:tgtEl>
+                                          <p:spTgt spid="44">
+                                            <p:txEl>
+                                              <p:pRg st="11" end="11"/>
+                                            </p:txEl>
+                                          </p:spTgt>
+                                        </p:tgtEl>
+                                      </p:cBhvr>
+                                    </p:animEffect>
+                                  </p:childTnLst>
+                                </p:cTn>
+                              </p:par>
+                            </p:childTnLst>
+                          </p:cTn>
+                        </p:par>
+                      </p:childTnLst>
+                    </p:cTn>
+                  </p:par>
+                  <p:par>
+                    <p:cTn id="53" fill="hold">
+                      <p:stCondLst>
+                        <p:cond delay="indefinite"/>
+                      </p:stCondLst>
+                      <p:childTnLst>
+                        <p:par>
+                          <p:cTn id="54" fill="hold">
+                            <p:stCondLst>
+                              <p:cond delay="0"/>
+                            </p:stCondLst>
+                            <p:childTnLst>
+                              <p:par>
+                                <p:cTn id="55" presetID="22" presetClass="entr" presetSubtype="8" fill="hold" nodeType="clickEffect">
+                                  <p:stCondLst>
+                                    <p:cond delay="0"/>
+                                  </p:stCondLst>
+                                  <p:childTnLst>
+                                    <p:set>
+                                      <p:cBhvr>
+                                        <p:cTn id="56" dur="1" fill="hold">
+                                          <p:stCondLst>
+                                            <p:cond delay="0"/>
+                                          </p:stCondLst>
+                                        </p:cTn>
+                                        <p:tgtEl>
+                                          <p:spTgt spid="44">
+                                            <p:txEl>
+                                              <p:pRg st="12" end="12"/>
+                                            </p:txEl>
+                                          </p:spTgt>
+                                        </p:tgtEl>
+                                        <p:attrNameLst>
+                                          <p:attrName>style.visibility</p:attrName>
+                                        </p:attrNameLst>
+                                      </p:cBhvr>
+                                      <p:to>
+                                        <p:strVal val="visible"/>
+                                      </p:to>
+                                    </p:set>
+                                    <p:animEffect transition="in" filter="wipe(left)">
+                                      <p:cBhvr>
+                                        <p:cTn id="57" dur="500"/>
+                                        <p:tgtEl>
+                                          <p:spTgt spid="44">
+                                            <p:txEl>
+                                              <p:pRg st="12" end="12"/>
+                                            </p:txEl>
+                                          </p:spTgt>
+                                        </p:tgtEl>
+                                      </p:cBhvr>
+                                    </p:animEffect>
+                                  </p:childTnLst>
+                                </p:cTn>
+                              </p:par>
+                            </p:childTnLst>
+                          </p:cTn>
+                        </p:par>
+                      </p:childTnLst>
+                    </p:cTn>
+                  </p:par>
+                  <p:par>
+                    <p:cTn id="58" fill="hold">
+                      <p:stCondLst>
+                        <p:cond delay="indefinite"/>
+                      </p:stCondLst>
+                      <p:childTnLst>
+                        <p:par>
+                          <p:cTn id="59" fill="hold">
+                            <p:stCondLst>
+                              <p:cond delay="0"/>
+                            </p:stCondLst>
+                            <p:childTnLst>
+                              <p:par>
+                                <p:cTn id="60" presetID="22" presetClass="entr" presetSubtype="8" fill="hold" nodeType="clickEffect">
+                                  <p:stCondLst>
+                                    <p:cond delay="0"/>
+                                  </p:stCondLst>
+                                  <p:childTnLst>
+                                    <p:set>
+                                      <p:cBhvr>
+                                        <p:cTn id="61" dur="1" fill="hold">
+                                          <p:stCondLst>
+                                            <p:cond delay="0"/>
+                                          </p:stCondLst>
+                                        </p:cTn>
+                                        <p:tgtEl>
+                                          <p:spTgt spid="44">
+                                            <p:txEl>
+                                              <p:pRg st="13" end="13"/>
+                                            </p:txEl>
+                                          </p:spTgt>
+                                        </p:tgtEl>
+                                        <p:attrNameLst>
+                                          <p:attrName>style.visibility</p:attrName>
+                                        </p:attrNameLst>
+                                      </p:cBhvr>
+                                      <p:to>
+                                        <p:strVal val="visible"/>
+                                      </p:to>
+                                    </p:set>
+                                    <p:animEffect transition="in" filter="wipe(left)">
+                                      <p:cBhvr>
+                                        <p:cTn id="62" dur="500"/>
+                                        <p:tgtEl>
+                                          <p:spTgt spid="44">
+                                            <p:txEl>
+                                              <p:pRg st="13" end="13"/>
+                                            </p:txEl>
+                                          </p:spTgt>
+                                        </p:tgtEl>
+                                      </p:cBhvr>
+                                    </p:animEffect>
+                                  </p:childTnLst>
+                                </p:cTn>
+                              </p:par>
+                            </p:childTnLst>
+                          </p:cTn>
+                        </p:par>
+                      </p:childTnLst>
+                    </p:cTn>
+                  </p:par>
+                  <p:par>
+                    <p:cTn id="63" fill="hold">
+                      <p:stCondLst>
+                        <p:cond delay="indefinite"/>
+                      </p:stCondLst>
+                      <p:childTnLst>
+                        <p:par>
+                          <p:cTn id="64" fill="hold">
+                            <p:stCondLst>
+                              <p:cond delay="0"/>
+                            </p:stCondLst>
+                            <p:childTnLst>
+                              <p:par>
+                                <p:cTn id="65" presetID="22" presetClass="entr" presetSubtype="8" fill="hold" nodeType="clickEffect">
+                                  <p:stCondLst>
+                                    <p:cond delay="0"/>
+                                  </p:stCondLst>
+                                  <p:childTnLst>
+                                    <p:set>
+                                      <p:cBhvr>
+                                        <p:cTn id="66" dur="1" fill="hold">
+                                          <p:stCondLst>
+                                            <p:cond delay="0"/>
+                                          </p:stCondLst>
+                                        </p:cTn>
+                                        <p:tgtEl>
+                                          <p:spTgt spid="44">
+                                            <p:txEl>
+                                              <p:pRg st="14" end="14"/>
+                                            </p:txEl>
+                                          </p:spTgt>
+                                        </p:tgtEl>
+                                        <p:attrNameLst>
+                                          <p:attrName>style.visibility</p:attrName>
+                                        </p:attrNameLst>
+                                      </p:cBhvr>
+                                      <p:to>
+                                        <p:strVal val="visible"/>
+                                      </p:to>
+                                    </p:set>
+                                    <p:animEffect transition="in" filter="wipe(left)">
+                                      <p:cBhvr>
+                                        <p:cTn id="67" dur="500"/>
+                                        <p:tgtEl>
+                                          <p:spTgt spid="44">
+                                            <p:txEl>
+                                              <p:pRg st="14" end="14"/>
                                             </p:txEl>
                                           </p:spTgt>
                                         </p:tgtEl>
@@ -13697,12 +13636,12 @@
           </a:bodyPr>
           <a:lstStyle/>
           <a:p>
-            <a:pPr marL="285750" indent="-285750">
+            <a:pPr marL="342900" indent="-342900">
               <a:lnSpc>
                 <a:spcPts val="2200"/>
               </a:lnSpc>
-              <a:buFont typeface="Wingdings" panose="05000000000000000000" charset="0"/>
-              <a:buChar char=""/>
+              <a:buFont typeface="Wingdings" panose="05000000000000000000" pitchFamily="2" charset="2"/>
+              <a:buChar char="n"/>
             </a:pPr>
             <a:r>
               <a:rPr lang="zh-CN" altLang="en-US" sz="1600">
@@ -13715,7 +13654,33 @@
                 <a:latin typeface="微软雅黑" panose="020B0503020204020204" pitchFamily="34" charset="-122"/>
                 <a:ea typeface="微软雅黑" panose="020B0503020204020204" pitchFamily="34" charset="-122"/>
               </a:rPr>
-              <a:t>可执行文件瘦身</a:t>
+              <a:t>安装包（</a:t>
+            </a:r>
+            <a:r>
+              <a:rPr lang="en-US" altLang="zh-CN" sz="1600">
+                <a:solidFill>
+                  <a:schemeClr val="tx1">
+                    <a:lumMod val="65000"/>
+                    <a:lumOff val="35000"/>
+                  </a:schemeClr>
+                </a:solidFill>
+                <a:latin typeface="微软雅黑" panose="020B0503020204020204" pitchFamily="34" charset="-122"/>
+                <a:ea typeface="微软雅黑" panose="020B0503020204020204" pitchFamily="34" charset="-122"/>
+              </a:rPr>
+              <a:t>IPA</a:t>
+            </a:r>
+            <a:r>
+              <a:rPr lang="zh-CN" altLang="en-US" sz="1600">
+                <a:solidFill>
+                  <a:schemeClr val="tx1">
+                    <a:lumMod val="65000"/>
+                    <a:lumOff val="35000"/>
+                  </a:schemeClr>
+                </a:solidFill>
+                <a:latin typeface="微软雅黑" panose="020B0503020204020204" pitchFamily="34" charset="-122"/>
+                <a:ea typeface="微软雅黑" panose="020B0503020204020204" pitchFamily="34" charset="-122"/>
+              </a:rPr>
+              <a:t>）主要由可执行文件、资源组成</a:t>
             </a:r>
             <a:endParaRPr lang="en-US" altLang="zh-CN" sz="1600">
               <a:solidFill>
@@ -13729,303 +13694,12 @@
             </a:endParaRPr>
           </a:p>
           <a:p>
-            <a:pPr marL="800100" lvl="1" indent="-342900">
-              <a:lnSpc>
-                <a:spcPts val="2200"/>
-              </a:lnSpc>
-              <a:buFont typeface="Wingdings" panose="05000000000000000000" pitchFamily="2" charset="2"/>
-              <a:buChar char="p"/>
-            </a:pPr>
-            <a:r>
-              <a:rPr lang="zh-CN" altLang="en-US" sz="1600">
-                <a:solidFill>
-                  <a:schemeClr val="tx1">
-                    <a:lumMod val="65000"/>
-                    <a:lumOff val="35000"/>
-                  </a:schemeClr>
-                </a:solidFill>
-                <a:latin typeface="微软雅黑" panose="020B0503020204020204" pitchFamily="34" charset="-122"/>
-                <a:ea typeface="微软雅黑" panose="020B0503020204020204" pitchFamily="34" charset="-122"/>
-              </a:rPr>
-              <a:t>编译器优化</a:t>
-            </a:r>
-            <a:endParaRPr lang="en-US" altLang="zh-CN" sz="1600">
-              <a:solidFill>
-                <a:schemeClr val="tx1">
-                  <a:lumMod val="65000"/>
-                  <a:lumOff val="35000"/>
-                </a:schemeClr>
-              </a:solidFill>
-              <a:latin typeface="微软雅黑" panose="020B0503020204020204" pitchFamily="34" charset="-122"/>
-              <a:ea typeface="微软雅黑" panose="020B0503020204020204" pitchFamily="34" charset="-122"/>
-            </a:endParaRPr>
-          </a:p>
-          <a:p>
-            <a:pPr marL="800100" lvl="1" indent="-342900">
-              <a:lnSpc>
-                <a:spcPts val="2200"/>
-              </a:lnSpc>
-              <a:buFont typeface="Wingdings" panose="05000000000000000000" pitchFamily="2" charset="2"/>
-              <a:buChar char="ü"/>
-            </a:pPr>
-            <a:r>
-              <a:rPr lang="en-US" altLang="zh-CN" sz="1600">
-                <a:solidFill>
-                  <a:schemeClr val="tx1">
-                    <a:lumMod val="65000"/>
-                    <a:lumOff val="35000"/>
-                  </a:schemeClr>
-                </a:solidFill>
-                <a:latin typeface="微软雅黑" panose="020B0503020204020204" pitchFamily="34" charset="-122"/>
-                <a:ea typeface="微软雅黑" panose="020B0503020204020204" pitchFamily="34" charset="-122"/>
-              </a:rPr>
-              <a:t>Strip Linked Product</a:t>
-            </a:r>
-            <a:r>
-              <a:rPr lang="zh-CN" altLang="en-US" sz="1600">
-                <a:solidFill>
-                  <a:schemeClr val="tx1">
-                    <a:lumMod val="65000"/>
-                    <a:lumOff val="35000"/>
-                  </a:schemeClr>
-                </a:solidFill>
-                <a:latin typeface="微软雅黑" panose="020B0503020204020204" pitchFamily="34" charset="-122"/>
-                <a:ea typeface="微软雅黑" panose="020B0503020204020204" pitchFamily="34" charset="-122"/>
-              </a:rPr>
-              <a:t>、</a:t>
-            </a:r>
-            <a:r>
-              <a:rPr lang="en-US" altLang="zh-CN" sz="1600">
-                <a:solidFill>
-                  <a:schemeClr val="tx1">
-                    <a:lumMod val="65000"/>
-                    <a:lumOff val="35000"/>
-                  </a:schemeClr>
-                </a:solidFill>
-                <a:latin typeface="微软雅黑" panose="020B0503020204020204" pitchFamily="34" charset="-122"/>
-                <a:ea typeface="微软雅黑" panose="020B0503020204020204" pitchFamily="34" charset="-122"/>
-              </a:rPr>
-              <a:t>Make Strings Read-Only</a:t>
-            </a:r>
-            <a:r>
-              <a:rPr lang="zh-CN" altLang="en-US" sz="1600">
-                <a:solidFill>
-                  <a:schemeClr val="tx1">
-                    <a:lumMod val="65000"/>
-                    <a:lumOff val="35000"/>
-                  </a:schemeClr>
-                </a:solidFill>
-                <a:latin typeface="微软雅黑" panose="020B0503020204020204" pitchFamily="34" charset="-122"/>
-                <a:ea typeface="微软雅黑" panose="020B0503020204020204" pitchFamily="34" charset="-122"/>
-              </a:rPr>
-              <a:t>、</a:t>
-            </a:r>
-            <a:r>
-              <a:rPr lang="en-US" altLang="zh-CN" sz="1600">
-                <a:solidFill>
-                  <a:schemeClr val="tx1">
-                    <a:lumMod val="65000"/>
-                    <a:lumOff val="35000"/>
-                  </a:schemeClr>
-                </a:solidFill>
-                <a:latin typeface="微软雅黑" panose="020B0503020204020204" pitchFamily="34" charset="-122"/>
-                <a:ea typeface="微软雅黑" panose="020B0503020204020204" pitchFamily="34" charset="-122"/>
-              </a:rPr>
-              <a:t>Symbols Hidden by Default</a:t>
-            </a:r>
-            <a:r>
-              <a:rPr lang="zh-CN" altLang="en-US" sz="1600">
-                <a:solidFill>
-                  <a:schemeClr val="tx1">
-                    <a:lumMod val="65000"/>
-                    <a:lumOff val="35000"/>
-                  </a:schemeClr>
-                </a:solidFill>
-                <a:latin typeface="微软雅黑" panose="020B0503020204020204" pitchFamily="34" charset="-122"/>
-                <a:ea typeface="微软雅黑" panose="020B0503020204020204" pitchFamily="34" charset="-122"/>
-              </a:rPr>
-              <a:t>设置为</a:t>
-            </a:r>
-            <a:r>
-              <a:rPr lang="en-US" altLang="zh-CN" sz="1600">
-                <a:solidFill>
-                  <a:schemeClr val="tx1">
-                    <a:lumMod val="65000"/>
-                    <a:lumOff val="35000"/>
-                  </a:schemeClr>
-                </a:solidFill>
-                <a:latin typeface="微软雅黑" panose="020B0503020204020204" pitchFamily="34" charset="-122"/>
-                <a:ea typeface="微软雅黑" panose="020B0503020204020204" pitchFamily="34" charset="-122"/>
-              </a:rPr>
-              <a:t>YES</a:t>
-            </a:r>
-            <a:endParaRPr lang="en-US" altLang="zh-CN" sz="1600">
-              <a:solidFill>
-                <a:schemeClr val="tx1">
-                  <a:lumMod val="65000"/>
-                  <a:lumOff val="35000"/>
-                </a:schemeClr>
-              </a:solidFill>
-              <a:latin typeface="微软雅黑" panose="020B0503020204020204" pitchFamily="34" charset="-122"/>
-              <a:ea typeface="微软雅黑" panose="020B0503020204020204" pitchFamily="34" charset="-122"/>
-            </a:endParaRPr>
-          </a:p>
-          <a:p>
-            <a:pPr marL="800100" lvl="1" indent="-342900">
-              <a:lnSpc>
-                <a:spcPts val="2200"/>
-              </a:lnSpc>
-              <a:buFont typeface="Wingdings" panose="05000000000000000000" pitchFamily="2" charset="2"/>
-              <a:buChar char="ü"/>
-            </a:pPr>
-            <a:r>
-              <a:rPr lang="zh-CN" altLang="en-US" sz="1600">
-                <a:solidFill>
-                  <a:schemeClr val="tx1">
-                    <a:lumMod val="65000"/>
-                    <a:lumOff val="35000"/>
-                  </a:schemeClr>
-                </a:solidFill>
-                <a:latin typeface="微软雅黑" panose="020B0503020204020204" pitchFamily="34" charset="-122"/>
-                <a:ea typeface="微软雅黑" panose="020B0503020204020204" pitchFamily="34" charset="-122"/>
-              </a:rPr>
-              <a:t>去掉异常支持，</a:t>
-            </a:r>
-            <a:r>
-              <a:rPr lang="en-US" altLang="zh-CN" sz="1600">
-                <a:solidFill>
-                  <a:schemeClr val="tx1">
-                    <a:lumMod val="65000"/>
-                    <a:lumOff val="35000"/>
-                  </a:schemeClr>
-                </a:solidFill>
-                <a:latin typeface="微软雅黑" panose="020B0503020204020204" pitchFamily="34" charset="-122"/>
-                <a:ea typeface="微软雅黑" panose="020B0503020204020204" pitchFamily="34" charset="-122"/>
-              </a:rPr>
-              <a:t>Enable C++ Exceptions</a:t>
-            </a:r>
-            <a:r>
-              <a:rPr lang="zh-CN" altLang="en-US" sz="1600">
-                <a:solidFill>
-                  <a:schemeClr val="tx1">
-                    <a:lumMod val="65000"/>
-                    <a:lumOff val="35000"/>
-                  </a:schemeClr>
-                </a:solidFill>
-                <a:latin typeface="微软雅黑" panose="020B0503020204020204" pitchFamily="34" charset="-122"/>
-                <a:ea typeface="微软雅黑" panose="020B0503020204020204" pitchFamily="34" charset="-122"/>
-              </a:rPr>
-              <a:t>、</a:t>
-            </a:r>
-            <a:r>
-              <a:rPr lang="en-US" altLang="zh-CN" sz="1600">
-                <a:solidFill>
-                  <a:schemeClr val="tx1">
-                    <a:lumMod val="65000"/>
-                    <a:lumOff val="35000"/>
-                  </a:schemeClr>
-                </a:solidFill>
-                <a:latin typeface="微软雅黑" panose="020B0503020204020204" pitchFamily="34" charset="-122"/>
-                <a:ea typeface="微软雅黑" panose="020B0503020204020204" pitchFamily="34" charset="-122"/>
-              </a:rPr>
-              <a:t>Enable Objective-C Exceptions</a:t>
-            </a:r>
-            <a:r>
-              <a:rPr lang="zh-CN" altLang="en-US" sz="1600">
-                <a:solidFill>
-                  <a:schemeClr val="tx1">
-                    <a:lumMod val="65000"/>
-                    <a:lumOff val="35000"/>
-                  </a:schemeClr>
-                </a:solidFill>
-                <a:latin typeface="微软雅黑" panose="020B0503020204020204" pitchFamily="34" charset="-122"/>
-                <a:ea typeface="微软雅黑" panose="020B0503020204020204" pitchFamily="34" charset="-122"/>
-              </a:rPr>
-              <a:t>设置为</a:t>
-            </a:r>
-            <a:r>
-              <a:rPr lang="en-US" altLang="zh-CN" sz="1600">
-                <a:solidFill>
-                  <a:schemeClr val="tx1">
-                    <a:lumMod val="65000"/>
-                    <a:lumOff val="35000"/>
-                  </a:schemeClr>
-                </a:solidFill>
-                <a:latin typeface="微软雅黑" panose="020B0503020204020204" pitchFamily="34" charset="-122"/>
-                <a:ea typeface="微软雅黑" panose="020B0503020204020204" pitchFamily="34" charset="-122"/>
-              </a:rPr>
-              <a:t>NO</a:t>
-            </a:r>
-            <a:r>
-              <a:rPr lang="zh-CN" altLang="en-US" sz="1600">
-                <a:solidFill>
-                  <a:schemeClr val="tx1">
-                    <a:lumMod val="65000"/>
-                    <a:lumOff val="35000"/>
-                  </a:schemeClr>
-                </a:solidFill>
-                <a:latin typeface="微软雅黑" panose="020B0503020204020204" pitchFamily="34" charset="-122"/>
-                <a:ea typeface="微软雅黑" panose="020B0503020204020204" pitchFamily="34" charset="-122"/>
-              </a:rPr>
-              <a:t>，</a:t>
-            </a:r>
-            <a:r>
-              <a:rPr lang="en-US" altLang="zh-CN" sz="1600">
-                <a:solidFill>
-                  <a:schemeClr val="tx1">
-                    <a:lumMod val="65000"/>
-                    <a:lumOff val="35000"/>
-                  </a:schemeClr>
-                </a:solidFill>
-                <a:latin typeface="微软雅黑" panose="020B0503020204020204" pitchFamily="34" charset="-122"/>
-                <a:ea typeface="微软雅黑" panose="020B0503020204020204" pitchFamily="34" charset="-122"/>
-              </a:rPr>
-              <a:t> Other C Flags</a:t>
-            </a:r>
-            <a:r>
-              <a:rPr lang="zh-CN" altLang="en-US" sz="1600">
-                <a:solidFill>
-                  <a:schemeClr val="tx1">
-                    <a:lumMod val="65000"/>
-                    <a:lumOff val="35000"/>
-                  </a:schemeClr>
-                </a:solidFill>
-                <a:latin typeface="微软雅黑" panose="020B0503020204020204" pitchFamily="34" charset="-122"/>
-                <a:ea typeface="微软雅黑" panose="020B0503020204020204" pitchFamily="34" charset="-122"/>
-              </a:rPr>
-              <a:t>添加</a:t>
-            </a:r>
-            <a:r>
-              <a:rPr lang="en-US" altLang="zh-CN" sz="1600">
-                <a:solidFill>
-                  <a:schemeClr val="tx1">
-                    <a:lumMod val="65000"/>
-                    <a:lumOff val="35000"/>
-                  </a:schemeClr>
-                </a:solidFill>
-                <a:latin typeface="微软雅黑" panose="020B0503020204020204" pitchFamily="34" charset="-122"/>
-                <a:ea typeface="微软雅黑" panose="020B0503020204020204" pitchFamily="34" charset="-122"/>
-              </a:rPr>
-              <a:t>-fno-exceptions</a:t>
-            </a:r>
-            <a:endParaRPr lang="en-US" altLang="zh-CN" sz="1600">
-              <a:solidFill>
-                <a:schemeClr val="tx1">
-                  <a:lumMod val="65000"/>
-                  <a:lumOff val="35000"/>
-                </a:schemeClr>
-              </a:solidFill>
-              <a:latin typeface="微软雅黑" panose="020B0503020204020204" pitchFamily="34" charset="-122"/>
-              <a:ea typeface="微软雅黑" panose="020B0503020204020204" pitchFamily="34" charset="-122"/>
-            </a:endParaRPr>
-          </a:p>
-          <a:p>
             <a:pPr marL="342900" indent="-342900">
               <a:lnSpc>
                 <a:spcPts val="2200"/>
               </a:lnSpc>
               <a:buFont typeface="Wingdings" panose="05000000000000000000" pitchFamily="2" charset="2"/>
-              <a:buChar char="ü"/>
+              <a:buChar char="n"/>
             </a:pPr>
             <a:endParaRPr lang="en-US" altLang="zh-CN" sz="1600">
               <a:solidFill>
@@ -14039,12 +13713,12 @@
             </a:endParaRPr>
           </a:p>
           <a:p>
-            <a:pPr marL="800100" lvl="1" indent="-342900">
+            <a:pPr marL="342900" indent="-342900">
               <a:lnSpc>
                 <a:spcPts val="2200"/>
               </a:lnSpc>
               <a:buFont typeface="Wingdings" panose="05000000000000000000" pitchFamily="2" charset="2"/>
-              <a:buChar char="p"/>
+              <a:buChar char="n"/>
             </a:pPr>
             <a:r>
               <a:rPr lang="zh-CN" altLang="en-US" sz="1600">
@@ -14057,177 +13731,7 @@
                 <a:latin typeface="微软雅黑" panose="020B0503020204020204" pitchFamily="34" charset="-122"/>
                 <a:ea typeface="微软雅黑" panose="020B0503020204020204" pitchFamily="34" charset="-122"/>
               </a:rPr>
-              <a:t>利用</a:t>
-            </a:r>
-            <a:r>
-              <a:rPr lang="en-US" altLang="zh-CN" sz="1600">
-                <a:solidFill>
-                  <a:schemeClr val="tx1">
-                    <a:lumMod val="65000"/>
-                    <a:lumOff val="35000"/>
-                  </a:schemeClr>
-                </a:solidFill>
-                <a:latin typeface="微软雅黑" panose="020B0503020204020204" pitchFamily="34" charset="-122"/>
-                <a:ea typeface="微软雅黑" panose="020B0503020204020204" pitchFamily="34" charset="-122"/>
-              </a:rPr>
-              <a:t>AppCode</a:t>
-            </a:r>
-            <a:r>
-              <a:rPr lang="zh-CN" altLang="en-US" sz="1600">
-                <a:solidFill>
-                  <a:schemeClr val="tx1">
-                    <a:lumMod val="65000"/>
-                    <a:lumOff val="35000"/>
-                  </a:schemeClr>
-                </a:solidFill>
-                <a:latin typeface="微软雅黑" panose="020B0503020204020204" pitchFamily="34" charset="-122"/>
-                <a:ea typeface="微软雅黑" panose="020B0503020204020204" pitchFamily="34" charset="-122"/>
-              </a:rPr>
-              <a:t>（</a:t>
-            </a:r>
-            <a:r>
-              <a:rPr lang="en-US" altLang="zh-CN" sz="1600">
-                <a:solidFill>
-                  <a:schemeClr val="tx1">
-                    <a:lumMod val="65000"/>
-                    <a:lumOff val="35000"/>
-                  </a:schemeClr>
-                </a:solidFill>
-                <a:latin typeface="微软雅黑" panose="020B0503020204020204" pitchFamily="34" charset="-122"/>
-                <a:ea typeface="微软雅黑" panose="020B0503020204020204" pitchFamily="34" charset="-122"/>
-                <a:hlinkClick r:id="rId1"/>
-              </a:rPr>
-              <a:t>https://www.jetbrains.com/objc/</a:t>
-            </a:r>
-            <a:r>
-              <a:rPr lang="zh-CN" altLang="en-US" sz="1600">
-                <a:solidFill>
-                  <a:schemeClr val="tx1">
-                    <a:lumMod val="65000"/>
-                    <a:lumOff val="35000"/>
-                  </a:schemeClr>
-                </a:solidFill>
-                <a:latin typeface="微软雅黑" panose="020B0503020204020204" pitchFamily="34" charset="-122"/>
-                <a:ea typeface="微软雅黑" panose="020B0503020204020204" pitchFamily="34" charset="-122"/>
-              </a:rPr>
-              <a:t>）检测未使用的代码：菜单栏 </a:t>
-            </a:r>
-            <a:r>
-              <a:rPr lang="en-US" altLang="zh-CN" sz="1600">
-                <a:solidFill>
-                  <a:schemeClr val="tx1">
-                    <a:lumMod val="65000"/>
-                    <a:lumOff val="35000"/>
-                  </a:schemeClr>
-                </a:solidFill>
-                <a:latin typeface="微软雅黑" panose="020B0503020204020204" pitchFamily="34" charset="-122"/>
-                <a:ea typeface="微软雅黑" panose="020B0503020204020204" pitchFamily="34" charset="-122"/>
-              </a:rPr>
-              <a:t>-&gt;</a:t>
-            </a:r>
-            <a:r>
-              <a:rPr lang="zh-CN" altLang="en-US" sz="1600">
-                <a:solidFill>
-                  <a:schemeClr val="tx1">
-                    <a:lumMod val="65000"/>
-                    <a:lumOff val="35000"/>
-                  </a:schemeClr>
-                </a:solidFill>
-                <a:latin typeface="微软雅黑" panose="020B0503020204020204" pitchFamily="34" charset="-122"/>
-                <a:ea typeface="微软雅黑" panose="020B0503020204020204" pitchFamily="34" charset="-122"/>
-              </a:rPr>
-              <a:t> </a:t>
-            </a:r>
-            <a:r>
-              <a:rPr lang="en-US" altLang="zh-CN" sz="1600">
-                <a:solidFill>
-                  <a:schemeClr val="tx1">
-                    <a:lumMod val="65000"/>
-                    <a:lumOff val="35000"/>
-                  </a:schemeClr>
-                </a:solidFill>
-                <a:latin typeface="微软雅黑" panose="020B0503020204020204" pitchFamily="34" charset="-122"/>
-                <a:ea typeface="微软雅黑" panose="020B0503020204020204" pitchFamily="34" charset="-122"/>
-              </a:rPr>
-              <a:t>Code</a:t>
-            </a:r>
-            <a:r>
-              <a:rPr lang="zh-CN" altLang="en-US" sz="1600">
-                <a:solidFill>
-                  <a:schemeClr val="tx1">
-                    <a:lumMod val="65000"/>
-                    <a:lumOff val="35000"/>
-                  </a:schemeClr>
-                </a:solidFill>
-                <a:latin typeface="微软雅黑" panose="020B0503020204020204" pitchFamily="34" charset="-122"/>
-                <a:ea typeface="微软雅黑" panose="020B0503020204020204" pitchFamily="34" charset="-122"/>
-              </a:rPr>
-              <a:t> </a:t>
-            </a:r>
-            <a:r>
-              <a:rPr lang="en-US" altLang="zh-CN" sz="1600">
-                <a:solidFill>
-                  <a:schemeClr val="tx1">
-                    <a:lumMod val="65000"/>
-                    <a:lumOff val="35000"/>
-                  </a:schemeClr>
-                </a:solidFill>
-                <a:latin typeface="微软雅黑" panose="020B0503020204020204" pitchFamily="34" charset="-122"/>
-                <a:ea typeface="微软雅黑" panose="020B0503020204020204" pitchFamily="34" charset="-122"/>
-              </a:rPr>
-              <a:t>-&gt;</a:t>
-            </a:r>
-            <a:r>
-              <a:rPr lang="zh-CN" altLang="en-US" sz="1600">
-                <a:solidFill>
-                  <a:schemeClr val="tx1">
-                    <a:lumMod val="65000"/>
-                    <a:lumOff val="35000"/>
-                  </a:schemeClr>
-                </a:solidFill>
-                <a:latin typeface="微软雅黑" panose="020B0503020204020204" pitchFamily="34" charset="-122"/>
-                <a:ea typeface="微软雅黑" panose="020B0503020204020204" pitchFamily="34" charset="-122"/>
-              </a:rPr>
-              <a:t> </a:t>
-            </a:r>
-            <a:r>
-              <a:rPr lang="en-US" altLang="zh-CN" sz="1600">
-                <a:solidFill>
-                  <a:schemeClr val="tx1">
-                    <a:lumMod val="65000"/>
-                    <a:lumOff val="35000"/>
-                  </a:schemeClr>
-                </a:solidFill>
-                <a:latin typeface="微软雅黑" panose="020B0503020204020204" pitchFamily="34" charset="-122"/>
-                <a:ea typeface="微软雅黑" panose="020B0503020204020204" pitchFamily="34" charset="-122"/>
-              </a:rPr>
-              <a:t>Inspect</a:t>
-            </a:r>
-            <a:r>
-              <a:rPr lang="zh-CN" altLang="en-US" sz="1600">
-                <a:solidFill>
-                  <a:schemeClr val="tx1">
-                    <a:lumMod val="65000"/>
-                    <a:lumOff val="35000"/>
-                  </a:schemeClr>
-                </a:solidFill>
-                <a:latin typeface="微软雅黑" panose="020B0503020204020204" pitchFamily="34" charset="-122"/>
-                <a:ea typeface="微软雅黑" panose="020B0503020204020204" pitchFamily="34" charset="-122"/>
-              </a:rPr>
-              <a:t> </a:t>
-            </a:r>
-            <a:r>
-              <a:rPr lang="en-US" altLang="zh-CN" sz="1600">
-                <a:solidFill>
-                  <a:schemeClr val="tx1">
-                    <a:lumMod val="65000"/>
-                    <a:lumOff val="35000"/>
-                  </a:schemeClr>
-                </a:solidFill>
-                <a:latin typeface="微软雅黑" panose="020B0503020204020204" pitchFamily="34" charset="-122"/>
-                <a:ea typeface="微软雅黑" panose="020B0503020204020204" pitchFamily="34" charset="-122"/>
-              </a:rPr>
-              <a:t>Code</a:t>
+              <a:t>资源（图片、音频、视频等）</a:t>
             </a:r>
             <a:endParaRPr lang="en-US" altLang="zh-CN" sz="1600">
               <a:solidFill>
@@ -14241,25 +13745,6 @@
             </a:endParaRPr>
           </a:p>
           <a:p>
-            <a:pPr marL="342900" indent="-342900">
-              <a:lnSpc>
-                <a:spcPts val="2200"/>
-              </a:lnSpc>
-              <a:buFont typeface="Wingdings" panose="05000000000000000000" pitchFamily="2" charset="2"/>
-              <a:buChar char="ü"/>
-            </a:pPr>
-            <a:endParaRPr lang="en-US" altLang="zh-CN" sz="1600">
-              <a:solidFill>
-                <a:schemeClr val="tx1">
-                  <a:lumMod val="65000"/>
-                  <a:lumOff val="35000"/>
-                </a:schemeClr>
-              </a:solidFill>
-              <a:latin typeface="微软雅黑" panose="020B0503020204020204" pitchFamily="34" charset="-122"/>
-              <a:ea typeface="微软雅黑" panose="020B0503020204020204" pitchFamily="34" charset="-122"/>
-            </a:endParaRPr>
-          </a:p>
-          <a:p>
             <a:pPr marL="800100" lvl="1" indent="-342900">
               <a:lnSpc>
                 <a:spcPts val="2200"/>
@@ -14278,33 +13763,7 @@
                 <a:latin typeface="微软雅黑" panose="020B0503020204020204" pitchFamily="34" charset="-122"/>
                 <a:ea typeface="微软雅黑" panose="020B0503020204020204" pitchFamily="34" charset="-122"/>
               </a:rPr>
-              <a:t>编写</a:t>
-            </a:r>
-            <a:r>
-              <a:rPr lang="en-US" altLang="zh-CN" sz="1600">
-                <a:solidFill>
-                  <a:schemeClr val="tx1">
-                    <a:lumMod val="65000"/>
-                    <a:lumOff val="35000"/>
-                  </a:schemeClr>
-                </a:solidFill>
-                <a:latin typeface="微软雅黑" panose="020B0503020204020204" pitchFamily="34" charset="-122"/>
-                <a:ea typeface="微软雅黑" panose="020B0503020204020204" pitchFamily="34" charset="-122"/>
-              </a:rPr>
-              <a:t>LLVM</a:t>
-            </a:r>
-            <a:r>
-              <a:rPr lang="zh-CN" altLang="en-US" sz="1600">
-                <a:solidFill>
-                  <a:schemeClr val="tx1">
-                    <a:lumMod val="65000"/>
-                    <a:lumOff val="35000"/>
-                  </a:schemeClr>
-                </a:solidFill>
-                <a:latin typeface="微软雅黑" panose="020B0503020204020204" pitchFamily="34" charset="-122"/>
-                <a:ea typeface="微软雅黑" panose="020B0503020204020204" pitchFamily="34" charset="-122"/>
-              </a:rPr>
-              <a:t>插件检测出重复代码、未被调用的代码</a:t>
+              <a:t>采取无损压缩：</a:t>
             </a:r>
             <a:endParaRPr lang="zh-CN" altLang="en-US" sz="1600">
               <a:solidFill>
@@ -14318,13 +13777,26 @@
             </a:endParaRPr>
           </a:p>
           <a:p>
-            <a:pPr marL="800100" lvl="1" indent="-342900">
+            <a:pPr marL="1257300" lvl="2" indent="-342900">
               <a:lnSpc>
                 <a:spcPts val="2200"/>
               </a:lnSpc>
               <a:buFont typeface="Wingdings" panose="05000000000000000000" pitchFamily="2" charset="2"/>
               <a:buChar char="p"/>
             </a:pPr>
+            <a:r>
+              <a:rPr lang="zh-CN" altLang="en-US" sz="1600">
+                <a:solidFill>
+                  <a:schemeClr val="tx1">
+                    <a:lumMod val="65000"/>
+                    <a:lumOff val="35000"/>
+                  </a:schemeClr>
+                </a:solidFill>
+                <a:latin typeface="微软雅黑" panose="020B0503020204020204" pitchFamily="34" charset="-122"/>
+                <a:ea typeface="微软雅黑" panose="020B0503020204020204" pitchFamily="34" charset="-122"/>
+              </a:rPr>
+              <a:t> ImageOptim、pngquant命令、tinypng ，</a:t>
+            </a:r>
             <a:endParaRPr lang="zh-CN" altLang="en-US" sz="1600">
               <a:solidFill>
                 <a:schemeClr val="tx1">
@@ -14337,6 +13809,199 @@
             </a:endParaRPr>
           </a:p>
           <a:p>
+            <a:pPr marL="1257300" lvl="2" indent="-342900">
+              <a:lnSpc>
+                <a:spcPts val="2200"/>
+              </a:lnSpc>
+              <a:buFont typeface="Wingdings" panose="05000000000000000000" pitchFamily="2" charset="2"/>
+              <a:buChar char="p"/>
+            </a:pPr>
+            <a:r>
+              <a:rPr lang="en-US" altLang="zh-CN" sz="1600">
+                <a:solidFill>
+                  <a:schemeClr val="tx1">
+                    <a:lumMod val="65000"/>
+                    <a:lumOff val="35000"/>
+                  </a:schemeClr>
+                </a:solidFill>
+                <a:latin typeface="微软雅黑" panose="020B0503020204020204" pitchFamily="34" charset="-122"/>
+                <a:ea typeface="微软雅黑" panose="020B0503020204020204" pitchFamily="34" charset="-122"/>
+              </a:rPr>
+              <a:t>webp</a:t>
+            </a:r>
+            <a:r>
+              <a:rPr lang="zh-CN" altLang="en-US" sz="1600">
+                <a:solidFill>
+                  <a:schemeClr val="tx1">
+                    <a:lumMod val="65000"/>
+                    <a:lumOff val="35000"/>
+                  </a:schemeClr>
+                </a:solidFill>
+                <a:latin typeface="微软雅黑" panose="020B0503020204020204" pitchFamily="34" charset="-122"/>
+                <a:ea typeface="微软雅黑" panose="020B0503020204020204" pitchFamily="34" charset="-122"/>
+              </a:rPr>
+              <a:t>也能减少</a:t>
+            </a:r>
+            <a:r>
+              <a:rPr lang="en-US" altLang="zh-CN" sz="1600">
+                <a:solidFill>
+                  <a:schemeClr val="tx1">
+                    <a:lumMod val="65000"/>
+                    <a:lumOff val="35000"/>
+                  </a:schemeClr>
+                </a:solidFill>
+                <a:latin typeface="微软雅黑" panose="020B0503020204020204" pitchFamily="34" charset="-122"/>
+                <a:ea typeface="微软雅黑" panose="020B0503020204020204" pitchFamily="34" charset="-122"/>
+              </a:rPr>
+              <a:t>25%</a:t>
+            </a:r>
+            <a:r>
+              <a:rPr lang="zh-CN" altLang="en-US" sz="1600">
+                <a:solidFill>
+                  <a:schemeClr val="tx1">
+                    <a:lumMod val="65000"/>
+                    <a:lumOff val="35000"/>
+                  </a:schemeClr>
+                </a:solidFill>
+                <a:latin typeface="微软雅黑" panose="020B0503020204020204" pitchFamily="34" charset="-122"/>
+                <a:ea typeface="微软雅黑" panose="020B0503020204020204" pitchFamily="34" charset="-122"/>
+              </a:rPr>
+              <a:t>，可以使用 cwebp 进行格式压缩转换</a:t>
+            </a:r>
+            <a:r>
+              <a:rPr lang="en-US" altLang="zh-CN" sz="1600">
+                <a:solidFill>
+                  <a:schemeClr val="tx1">
+                    <a:lumMod val="65000"/>
+                    <a:lumOff val="35000"/>
+                  </a:schemeClr>
+                </a:solidFill>
+                <a:latin typeface="微软雅黑" panose="020B0503020204020204" pitchFamily="34" charset="-122"/>
+                <a:ea typeface="微软雅黑" panose="020B0503020204020204" pitchFamily="34" charset="-122"/>
+              </a:rPr>
+              <a:t>“// 语法 cwebp [options] input_file -o output_file.webp  // 无损压缩 cwebp -lossless original.png -o new.webp”</a:t>
+            </a:r>
+            <a:r>
+              <a:rPr lang="zh-CN" altLang="en-US" sz="1600">
+                <a:solidFill>
+                  <a:schemeClr val="tx1">
+                    <a:lumMod val="65000"/>
+                    <a:lumOff val="35000"/>
+                  </a:schemeClr>
+                </a:solidFill>
+                <a:latin typeface="微软雅黑" panose="020B0503020204020204" pitchFamily="34" charset="-122"/>
+                <a:ea typeface="微软雅黑" panose="020B0503020204020204" pitchFamily="34" charset="-122"/>
+              </a:rPr>
+              <a:t>，还可以使用工具iSparta 进行批量转换；</a:t>
+            </a:r>
+            <a:endParaRPr lang="zh-CN" altLang="en-US" sz="1600">
+              <a:solidFill>
+                <a:schemeClr val="tx1">
+                  <a:lumMod val="65000"/>
+                  <a:lumOff val="35000"/>
+                </a:schemeClr>
+              </a:solidFill>
+              <a:latin typeface="微软雅黑" panose="020B0503020204020204" pitchFamily="34" charset="-122"/>
+              <a:ea typeface="微软雅黑" panose="020B0503020204020204" pitchFamily="34" charset="-122"/>
+            </a:endParaRPr>
+          </a:p>
+          <a:p>
+            <a:pPr marL="1257300" lvl="2" indent="-342900">
+              <a:lnSpc>
+                <a:spcPts val="2200"/>
+              </a:lnSpc>
+              <a:buFont typeface="Wingdings" panose="05000000000000000000" pitchFamily="2" charset="2"/>
+              <a:buChar char="p"/>
+            </a:pPr>
+            <a:r>
+              <a:rPr lang="zh-CN" altLang="en-US" sz="1600">
+                <a:solidFill>
+                  <a:schemeClr val="tx1">
+                    <a:lumMod val="65000"/>
+                    <a:lumOff val="35000"/>
+                  </a:schemeClr>
+                </a:solidFill>
+                <a:latin typeface="微软雅黑" panose="020B0503020204020204" pitchFamily="34" charset="-122"/>
+                <a:ea typeface="微软雅黑" panose="020B0503020204020204" pitchFamily="34" charset="-122"/>
+              </a:rPr>
+              <a:t>Xcode 本身也提供压缩图片的编译选项</a:t>
+            </a:r>
+            <a:endParaRPr lang="zh-CN" altLang="en-US" sz="1600">
+              <a:solidFill>
+                <a:schemeClr val="tx1">
+                  <a:lumMod val="65000"/>
+                  <a:lumOff val="35000"/>
+                </a:schemeClr>
+              </a:solidFill>
+              <a:latin typeface="微软雅黑" panose="020B0503020204020204" pitchFamily="34" charset="-122"/>
+              <a:ea typeface="微软雅黑" panose="020B0503020204020204" pitchFamily="34" charset="-122"/>
+            </a:endParaRPr>
+          </a:p>
+          <a:p>
+            <a:pPr marL="1714500" lvl="3" indent="-342900">
+              <a:lnSpc>
+                <a:spcPts val="2200"/>
+              </a:lnSpc>
+              <a:buFont typeface="Wingdings" panose="05000000000000000000" pitchFamily="2" charset="2"/>
+              <a:buChar char="p"/>
+            </a:pPr>
+            <a:r>
+              <a:rPr lang="zh-CN" altLang="en-US" sz="1600">
+                <a:solidFill>
+                  <a:schemeClr val="tx1">
+                    <a:lumMod val="65000"/>
+                    <a:lumOff val="35000"/>
+                  </a:schemeClr>
+                </a:solidFill>
+                <a:latin typeface="微软雅黑" panose="020B0503020204020204" pitchFamily="34" charset="-122"/>
+                <a:ea typeface="微软雅黑" panose="020B0503020204020204" pitchFamily="34" charset="-122"/>
+              </a:rPr>
+              <a:t>Compress PNG Files：打包的时候基于 pngcrush 工具自动对图片进行无损压缩，如果我们已自行对图片进行压缩，该选项最好关闭。</a:t>
+            </a:r>
+            <a:endParaRPr lang="zh-CN" altLang="en-US" sz="1600">
+              <a:solidFill>
+                <a:schemeClr val="tx1">
+                  <a:lumMod val="65000"/>
+                  <a:lumOff val="35000"/>
+                </a:schemeClr>
+              </a:solidFill>
+              <a:latin typeface="微软雅黑" panose="020B0503020204020204" pitchFamily="34" charset="-122"/>
+              <a:ea typeface="微软雅黑" panose="020B0503020204020204" pitchFamily="34" charset="-122"/>
+            </a:endParaRPr>
+          </a:p>
+          <a:p>
+            <a:pPr marL="1714500" lvl="3" indent="-342900">
+              <a:lnSpc>
+                <a:spcPts val="2200"/>
+              </a:lnSpc>
+              <a:buFont typeface="Wingdings" panose="05000000000000000000" pitchFamily="2" charset="2"/>
+              <a:buChar char="p"/>
+            </a:pPr>
+            <a:r>
+              <a:rPr lang="zh-CN" altLang="en-US" sz="1600">
+                <a:solidFill>
+                  <a:schemeClr val="tx1">
+                    <a:lumMod val="65000"/>
+                    <a:lumOff val="35000"/>
+                  </a:schemeClr>
+                </a:solidFill>
+                <a:latin typeface="微软雅黑" panose="020B0503020204020204" pitchFamily="34" charset="-122"/>
+                <a:ea typeface="微软雅黑" panose="020B0503020204020204" pitchFamily="34" charset="-122"/>
+              </a:rPr>
+              <a:t>Remove Text Medadata From PNG Files：移除 PNG 资源的文本字符，比如图像名称、作者、版权、创作时间、注释等信息。</a:t>
+            </a:r>
+            <a:endParaRPr lang="zh-CN" altLang="en-US" sz="1600">
+              <a:solidFill>
+                <a:schemeClr val="tx1">
+                  <a:lumMod val="65000"/>
+                  <a:lumOff val="35000"/>
+                </a:schemeClr>
+              </a:solidFill>
+              <a:latin typeface="微软雅黑" panose="020B0503020204020204" pitchFamily="34" charset="-122"/>
+              <a:ea typeface="微软雅黑" panose="020B0503020204020204" pitchFamily="34" charset="-122"/>
+            </a:endParaRPr>
+          </a:p>
+          <a:p>
             <a:pPr marL="800100" lvl="1" indent="-342900">
               <a:lnSpc>
                 <a:spcPts val="2200"/>
@@ -14345,6 +14010,19 @@
               <a:buChar char="p"/>
             </a:pPr>
             <a:r>
+              <a:rPr lang="zh-CN" altLang="en-US" sz="1600">
+                <a:solidFill>
+                  <a:schemeClr val="tx1">
+                    <a:lumMod val="65000"/>
+                    <a:lumOff val="35000"/>
+                  </a:schemeClr>
+                </a:solidFill>
+                <a:latin typeface="微软雅黑" panose="020B0503020204020204" pitchFamily="34" charset="-122"/>
+                <a:ea typeface="微软雅黑" panose="020B0503020204020204" pitchFamily="34" charset="-122"/>
+              </a:rPr>
+              <a:t>去除没有用到的资源：</a:t>
+            </a:r>
+            <a:r>
               <a:rPr lang="en-US" altLang="zh-CN" sz="1600">
                 <a:solidFill>
                   <a:schemeClr val="tx1">
@@ -14355,7 +14033,21 @@
                 <a:latin typeface="微软雅黑" panose="020B0503020204020204" pitchFamily="34" charset="-122"/>
                 <a:ea typeface="微软雅黑" panose="020B0503020204020204" pitchFamily="34" charset="-122"/>
               </a:rPr>
-              <a:t>LinkMap 结合 Mach-O: LinkMap 的 Symbols 中会列出所有方法、类、block及它们的大小，通过获取 LinkMap 即可以获得方法和类的全集；再通过 MachOView 获得使用过的方法和类，两者的差值就是我们要找寻的未使用代码。</a:t>
+              <a:t> </a:t>
+            </a:r>
+            <a:r>
+              <a:rPr lang="en-US" altLang="zh-CN" sz="1600">
+                <a:solidFill>
+                  <a:schemeClr val="tx1">
+                    <a:lumMod val="65000"/>
+                    <a:lumOff val="35000"/>
+                  </a:schemeClr>
+                </a:solidFill>
+                <a:latin typeface="微软雅黑" panose="020B0503020204020204" pitchFamily="34" charset="-122"/>
+                <a:ea typeface="微软雅黑" panose="020B0503020204020204" pitchFamily="34" charset="-122"/>
+                <a:hlinkClick r:id="rId1"/>
+              </a:rPr>
+              <a:t>https://github.com/tinymind/LSUnusedResources</a:t>
             </a:r>
             <a:endParaRPr lang="en-US" altLang="zh-CN" sz="1600">
               <a:solidFill>
@@ -14366,6 +14058,7 @@
               </a:solidFill>
               <a:latin typeface="微软雅黑" panose="020B0503020204020204" pitchFamily="34" charset="-122"/>
               <a:ea typeface="微软雅黑" panose="020B0503020204020204" pitchFamily="34" charset="-122"/>
+              <a:hlinkClick r:id="rId1"/>
             </a:endParaRPr>
           </a:p>
           <a:p>
@@ -14376,25 +14069,6 @@
               <a:buFont typeface="Wingdings" panose="05000000000000000000" pitchFamily="2" charset="2"/>
               <a:buChar char="p"/>
             </a:pPr>
-            <a:endParaRPr lang="en-US" altLang="zh-CN" sz="1600">
-              <a:solidFill>
-                <a:schemeClr val="tx1">
-                  <a:lumMod val="65000"/>
-                  <a:lumOff val="35000"/>
-                </a:schemeClr>
-              </a:solidFill>
-              <a:latin typeface="微软雅黑" panose="020B0503020204020204" pitchFamily="34" charset="-122"/>
-              <a:ea typeface="微软雅黑" panose="020B0503020204020204" pitchFamily="34" charset="-122"/>
-            </a:endParaRPr>
-          </a:p>
-          <a:p>
-            <a:pPr marL="342900" lvl="0" indent="-342900">
-              <a:lnSpc>
-                <a:spcPts val="2200"/>
-              </a:lnSpc>
-              <a:buFont typeface="Wingdings" panose="05000000000000000000" charset="0"/>
-              <a:buChar char=""/>
-            </a:pPr>
             <a:r>
               <a:rPr lang="en-US" altLang="zh-CN" sz="1600">
                 <a:solidFill>
@@ -14406,27 +14080,35 @@
                 <a:latin typeface="微软雅黑" panose="020B0503020204020204" pitchFamily="34" charset="-122"/>
                 <a:ea typeface="微软雅黑" panose="020B0503020204020204" pitchFamily="34" charset="-122"/>
               </a:rPr>
-              <a:t>App Thinning: 严格来说App Thinning不会让安装包变小，但用户安装应用时，苹果会根据用户的机型自动选择合适的资源和对应CPU架构的二进制执行文件（也就是说用户本地可执行文件不会同时存在 armv7 和 arm64），减少下载流量和安装占用空间。</a:t>
-            </a:r>
-            <a:endParaRPr lang="en-US" altLang="zh-CN" sz="1600">
-              <a:solidFill>
-                <a:schemeClr val="tx1">
-                  <a:lumMod val="65000"/>
-                  <a:lumOff val="35000"/>
-                </a:schemeClr>
-              </a:solidFill>
-              <a:latin typeface="微软雅黑" panose="020B0503020204020204" pitchFamily="34" charset="-122"/>
-              <a:ea typeface="微软雅黑" panose="020B0503020204020204" pitchFamily="34" charset="-122"/>
-            </a:endParaRPr>
-          </a:p>
-          <a:p>
-            <a:pPr marL="342900" lvl="0" indent="-342900">
-              <a:lnSpc>
-                <a:spcPts val="2200"/>
-              </a:lnSpc>
-              <a:buFont typeface="Wingdings" panose="05000000000000000000" charset="0"/>
-              <a:buChar char=""/>
-            </a:pPr>
+              <a:t>删除重复文件</a:t>
+            </a:r>
+            <a:r>
+              <a:rPr lang="zh-CN" altLang="en-US" sz="1600">
+                <a:solidFill>
+                  <a:schemeClr val="tx1">
+                    <a:lumMod val="65000"/>
+                    <a:lumOff val="35000"/>
+                  </a:schemeClr>
+                </a:solidFill>
+                <a:latin typeface="微软雅黑" panose="020B0503020204020204" pitchFamily="34" charset="-122"/>
+                <a:ea typeface="微软雅黑" panose="020B0503020204020204" pitchFamily="34" charset="-122"/>
+                <a:hlinkClick r:id="rId1"/>
+              </a:rPr>
+              <a:t>：</a:t>
+            </a:r>
+            <a:r>
+              <a:rPr lang="zh-CN" altLang="en-US" sz="1600">
+                <a:solidFill>
+                  <a:schemeClr val="tx1">
+                    <a:lumMod val="65000"/>
+                    <a:lumOff val="35000"/>
+                  </a:schemeClr>
+                </a:solidFill>
+                <a:latin typeface="微软雅黑" panose="020B0503020204020204" pitchFamily="34" charset="-122"/>
+                <a:ea typeface="微软雅黑" panose="020B0503020204020204" pitchFamily="34" charset="-122"/>
+              </a:rPr>
+              <a:t>通过校验所有资源的 MD5，筛选出项目中的重复资源，推荐使用 fdupes 工具进行重复文件扫描，fdupes 是 Linux 平台的一个开源工具，由 C 语言编写 ，文件比较顺序是大小对比 &gt; 部分 MD5 签名对比 &gt; 完整 MD5 签名对比 &gt; 逐字节对比。安装：</a:t>
+            </a:r>
             <a:r>
               <a:rPr lang="en-US" altLang="zh-CN" sz="1600">
                 <a:solidFill>
@@ -14438,27 +14120,8 @@
                 <a:latin typeface="微软雅黑" panose="020B0503020204020204" pitchFamily="34" charset="-122"/>
                 <a:ea typeface="微软雅黑" panose="020B0503020204020204" pitchFamily="34" charset="-122"/>
               </a:rPr>
-              <a:t>动态库替代静态库</a:t>
-            </a:r>
-            <a:endParaRPr lang="en-US" altLang="zh-CN" sz="1600">
-              <a:solidFill>
-                <a:schemeClr val="tx1">
-                  <a:lumMod val="65000"/>
-                  <a:lumOff val="35000"/>
-                </a:schemeClr>
-              </a:solidFill>
-              <a:latin typeface="微软雅黑" panose="020B0503020204020204" pitchFamily="34" charset="-122"/>
-              <a:ea typeface="微软雅黑" panose="020B0503020204020204" pitchFamily="34" charset="-122"/>
-            </a:endParaRPr>
-          </a:p>
-          <a:p>
-            <a:pPr marL="342900" lvl="0" indent="-342900">
-              <a:lnSpc>
-                <a:spcPts val="2200"/>
-              </a:lnSpc>
-              <a:buFont typeface="Wingdings" panose="05000000000000000000" charset="0"/>
-              <a:buChar char=""/>
-            </a:pPr>
+              <a:t>“brew install fdupes”</a:t>
+            </a:r>
             <a:r>
               <a:rPr lang="zh-CN" altLang="en-US" sz="1600">
                 <a:solidFill>
@@ -14470,27 +14133,21 @@
                 <a:latin typeface="微软雅黑" panose="020B0503020204020204" pitchFamily="34" charset="-122"/>
                 <a:ea typeface="微软雅黑" panose="020B0503020204020204" pitchFamily="34" charset="-122"/>
               </a:rPr>
-              <a:t>慎入重复的三方库或比较大的三方库</a:t>
-            </a:r>
-            <a:endParaRPr lang="en-US" altLang="zh-CN" sz="1600">
-              <a:solidFill>
-                <a:schemeClr val="tx1">
-                  <a:lumMod val="65000"/>
-                  <a:lumOff val="35000"/>
-                </a:schemeClr>
-              </a:solidFill>
-              <a:latin typeface="微软雅黑" panose="020B0503020204020204" pitchFamily="34" charset="-122"/>
-              <a:ea typeface="微软雅黑" panose="020B0503020204020204" pitchFamily="34" charset="-122"/>
-            </a:endParaRPr>
-          </a:p>
-          <a:p>
-            <a:pPr marL="342900" indent="-342900">
-              <a:lnSpc>
-                <a:spcPts val="2200"/>
-              </a:lnSpc>
-              <a:buFont typeface="Wingdings" panose="05000000000000000000" pitchFamily="2" charset="2"/>
-              <a:buChar char="p"/>
-            </a:pPr>
+              <a:t>，查找：</a:t>
+            </a:r>
+            <a:r>
+              <a:rPr lang="en-US" altLang="zh-CN" sz="1600">
+                <a:solidFill>
+                  <a:schemeClr val="tx1">
+                    <a:lumMod val="65000"/>
+                    <a:lumOff val="35000"/>
+                  </a:schemeClr>
+                </a:solidFill>
+                <a:latin typeface="微软雅黑" panose="020B0503020204020204" pitchFamily="34" charset="-122"/>
+                <a:ea typeface="微软雅黑" panose="020B0503020204020204" pitchFamily="34" charset="-122"/>
+              </a:rPr>
+              <a:t>“fdupes -Sr 文件夹 &gt; 输出地址.txt  // 将信息输出到txt文件中”</a:t>
+            </a:r>
             <a:endParaRPr lang="en-US" altLang="zh-CN" sz="1600">
               <a:solidFill>
                 <a:schemeClr val="tx1">
@@ -14606,7 +14263,7 @@
                                         <p:tgtEl>
                                           <p:spTgt spid="44">
                                             <p:txEl>
-                                              <p:pRg st="1" end="1"/>
+                                              <p:pRg st="2" end="2"/>
                                             </p:txEl>
                                           </p:spTgt>
                                         </p:tgtEl>
@@ -14624,7 +14281,7 @@
                                         <p:tgtEl>
                                           <p:spTgt spid="44">
                                             <p:txEl>
-                                              <p:pRg st="1" end="1"/>
+                                              <p:pRg st="2" end="2"/>
                                             </p:txEl>
                                           </p:spTgt>
                                         </p:tgtEl>
@@ -14667,7 +14324,7 @@
                                         <p:tgtEl>
                                           <p:spTgt spid="44">
                                             <p:txEl>
-                                              <p:pRg st="2" end="2"/>
+                                              <p:pRg st="3" end="3"/>
                                             </p:txEl>
                                           </p:spTgt>
                                         </p:tgtEl>
@@ -14685,7 +14342,7 @@
                                         <p:tgtEl>
                                           <p:spTgt spid="44">
                                             <p:txEl>
-                                              <p:pRg st="2" end="2"/>
+                                              <p:pRg st="3" end="3"/>
                                             </p:txEl>
                                           </p:spTgt>
                                         </p:tgtEl>
@@ -14728,7 +14385,7 @@
                                         <p:tgtEl>
                                           <p:spTgt spid="44">
                                             <p:txEl>
-                                              <p:pRg st="3" end="3"/>
+                                              <p:pRg st="4" end="4"/>
                                             </p:txEl>
                                           </p:spTgt>
                                         </p:tgtEl>
@@ -14746,7 +14403,7 @@
                                         <p:tgtEl>
                                           <p:spTgt spid="44">
                                             <p:txEl>
-                                              <p:pRg st="3" end="3"/>
+                                              <p:pRg st="4" end="4"/>
                                             </p:txEl>
                                           </p:spTgt>
                                         </p:tgtEl>
@@ -14850,7 +14507,7 @@
                                         <p:tgtEl>
                                           <p:spTgt spid="44">
                                             <p:txEl>
-                                              <p:pRg st="7" end="7"/>
+                                              <p:pRg st="6" end="6"/>
                                             </p:txEl>
                                           </p:spTgt>
                                         </p:tgtEl>
@@ -14868,7 +14525,7 @@
                                         <p:tgtEl>
                                           <p:spTgt spid="44">
                                             <p:txEl>
-                                              <p:pRg st="7" end="7"/>
+                                              <p:pRg st="6" end="6"/>
                                             </p:txEl>
                                           </p:spTgt>
                                         </p:tgtEl>
@@ -14911,7 +14568,7 @@
                                         <p:tgtEl>
                                           <p:spTgt spid="44">
                                             <p:txEl>
-                                              <p:pRg st="9" end="9"/>
+                                              <p:pRg st="7" end="7"/>
                                             </p:txEl>
                                           </p:spTgt>
                                         </p:tgtEl>
@@ -14929,7 +14586,7 @@
                                         <p:tgtEl>
                                           <p:spTgt spid="44">
                                             <p:txEl>
-                                              <p:pRg st="9" end="9"/>
+                                              <p:pRg st="7" end="7"/>
                                             </p:txEl>
                                           </p:spTgt>
                                         </p:tgtEl>
@@ -14972,7 +14629,7 @@
                                         <p:tgtEl>
                                           <p:spTgt spid="44">
                                             <p:txEl>
-                                              <p:pRg st="11" end="11"/>
+                                              <p:pRg st="8" end="8"/>
                                             </p:txEl>
                                           </p:spTgt>
                                         </p:tgtEl>
@@ -14990,7 +14647,7 @@
                                         <p:tgtEl>
                                           <p:spTgt spid="44">
                                             <p:txEl>
-                                              <p:pRg st="11" end="11"/>
+                                              <p:pRg st="8" end="8"/>
                                             </p:txEl>
                                           </p:spTgt>
                                         </p:tgtEl>
@@ -15033,7 +14690,7 @@
                                         <p:tgtEl>
                                           <p:spTgt spid="44">
                                             <p:txEl>
-                                              <p:pRg st="12" end="12"/>
+                                              <p:pRg st="9" end="9"/>
                                             </p:txEl>
                                           </p:spTgt>
                                         </p:tgtEl>
@@ -15051,7 +14708,7 @@
                                         <p:tgtEl>
                                           <p:spTgt spid="44">
                                             <p:txEl>
-                                              <p:pRg st="12" end="12"/>
+                                              <p:pRg st="9" end="9"/>
                                             </p:txEl>
                                           </p:spTgt>
                                         </p:tgtEl>
@@ -15094,7 +14751,7 @@
                                         <p:tgtEl>
                                           <p:spTgt spid="44">
                                             <p:txEl>
-                                              <p:pRg st="13" end="13"/>
+                                              <p:pRg st="10" end="10"/>
                                             </p:txEl>
                                           </p:spTgt>
                                         </p:tgtEl>
@@ -15112,7 +14769,7 @@
                                         <p:tgtEl>
                                           <p:spTgt spid="44">
                                             <p:txEl>
-                                              <p:pRg st="13" end="13"/>
+                                              <p:pRg st="10" end="10"/>
                                             </p:txEl>
                                           </p:spTgt>
                                         </p:tgtEl>
@@ -15192,54 +14849,176 @@
           </a:p>
         </p:txBody>
       </p:sp>
-      <p:pic>
-        <p:nvPicPr>
-          <p:cNvPr id="2" name="图片 1"/>
-          <p:cNvPicPr>
-            <a:picLocks noChangeAspect="1"/>
-          </p:cNvPicPr>
+      <p:sp>
+        <p:nvSpPr>
+          <p:cNvPr id="44" name="文本框 43"/>
+          <p:cNvSpPr txBox="1"/>
           <p:nvPr/>
-        </p:nvPicPr>
-        <p:blipFill>
-          <a:blip r:embed="rId1"/>
-          <a:stretch>
-            <a:fillRect/>
-          </a:stretch>
-        </p:blipFill>
+        </p:nvSpPr>
         <p:spPr>
           <a:xfrm>
-            <a:off x="5879465" y="3712210"/>
-            <a:ext cx="5984240" cy="2831465"/>
+            <a:off x="376692" y="1268491"/>
+            <a:ext cx="11501313" cy="5227312"/>
           </a:xfrm>
           <a:prstGeom prst="rect">
             <a:avLst/>
           </a:prstGeom>
+          <a:noFill/>
         </p:spPr>
-      </p:pic>
-      <p:pic>
-        <p:nvPicPr>
-          <p:cNvPr id="5" name="图片 4"/>
-          <p:cNvPicPr>
-            <a:picLocks noChangeAspect="1"/>
-          </p:cNvPicPr>
-          <p:nvPr/>
-        </p:nvPicPr>
-        <p:blipFill>
-          <a:blip r:embed="rId2"/>
-          <a:stretch>
-            <a:fillRect/>
-          </a:stretch>
-        </p:blipFill>
-        <p:spPr>
-          <a:xfrm>
-            <a:off x="702310" y="1183005"/>
-            <a:ext cx="6085205" cy="2917825"/>
-          </a:xfrm>
-          <a:prstGeom prst="rect">
-            <a:avLst/>
-          </a:prstGeom>
-        </p:spPr>
-      </p:pic>
+        <p:txBody>
+          <a:bodyPr wrap="square" rtlCol="0">
+            <a:noAutofit/>
+          </a:bodyPr>
+          <a:lstStyle/>
+          <a:p>
+            <a:pPr indent="0">
+              <a:lnSpc>
+                <a:spcPts val="2200"/>
+              </a:lnSpc>
+              <a:buFont typeface="Wingdings" panose="05000000000000000000" pitchFamily="2" charset="2"/>
+              <a:buNone/>
+            </a:pPr>
+            <a:endParaRPr lang="en-US" altLang="zh-CN" sz="1600">
+              <a:solidFill>
+                <a:schemeClr val="tx1">
+                  <a:lumMod val="65000"/>
+                  <a:lumOff val="35000"/>
+                </a:schemeClr>
+              </a:solidFill>
+              <a:latin typeface="微软雅黑" panose="020B0503020204020204" pitchFamily="34" charset="-122"/>
+              <a:ea typeface="微软雅黑" panose="020B0503020204020204" pitchFamily="34" charset="-122"/>
+            </a:endParaRPr>
+          </a:p>
+          <a:p>
+            <a:pPr marL="800100" lvl="1" indent="-342900">
+              <a:lnSpc>
+                <a:spcPts val="2200"/>
+              </a:lnSpc>
+              <a:buFont typeface="Wingdings" panose="05000000000000000000" pitchFamily="2" charset="2"/>
+              <a:buChar char="p"/>
+            </a:pPr>
+            <a:r>
+              <a:rPr lang="zh-CN" altLang="en-US" sz="1600">
+                <a:solidFill>
+                  <a:schemeClr val="tx1">
+                    <a:lumMod val="65000"/>
+                    <a:lumOff val="35000"/>
+                  </a:schemeClr>
+                </a:solidFill>
+                <a:latin typeface="微软雅黑" panose="020B0503020204020204" pitchFamily="34" charset="-122"/>
+                <a:ea typeface="微软雅黑" panose="020B0503020204020204" pitchFamily="34" charset="-122"/>
+              </a:rPr>
+              <a:t>图片资源放入.xcassets：</a:t>
+            </a:r>
+            <a:endParaRPr lang="zh-CN" altLang="en-US" sz="1600">
+              <a:solidFill>
+                <a:schemeClr val="tx1">
+                  <a:lumMod val="65000"/>
+                  <a:lumOff val="35000"/>
+                </a:schemeClr>
+              </a:solidFill>
+              <a:latin typeface="微软雅黑" panose="020B0503020204020204" pitchFamily="34" charset="-122"/>
+              <a:ea typeface="微软雅黑" panose="020B0503020204020204" pitchFamily="34" charset="-122"/>
+            </a:endParaRPr>
+          </a:p>
+          <a:p>
+            <a:pPr marL="1257300" lvl="2" indent="-342900">
+              <a:lnSpc>
+                <a:spcPts val="2200"/>
+              </a:lnSpc>
+              <a:buFont typeface="Wingdings" panose="05000000000000000000" pitchFamily="2" charset="2"/>
+              <a:buChar char="p"/>
+            </a:pPr>
+            <a:r>
+              <a:rPr lang="zh-CN" altLang="en-US" sz="1600">
+                <a:solidFill>
+                  <a:schemeClr val="tx1">
+                    <a:lumMod val="65000"/>
+                    <a:lumOff val="35000"/>
+                  </a:schemeClr>
+                </a:solidFill>
+                <a:latin typeface="微软雅黑" panose="020B0503020204020204" pitchFamily="34" charset="-122"/>
+                <a:ea typeface="微软雅黑" panose="020B0503020204020204" pitchFamily="34" charset="-122"/>
+              </a:rPr>
+              <a:t> 尽量将图片资源放入 Images.xcassets 中，包括 pod 库的图片。 Images.xcassets 中的图片加载后会有缓存，提升加载速度，并且在最终打包时会自动进行压缩（Compress PNG Files），再根据最终运行设备进行 2x 和 3x 分发。</a:t>
+            </a:r>
+            <a:endParaRPr lang="zh-CN" altLang="en-US" sz="1600">
+              <a:solidFill>
+                <a:schemeClr val="tx1">
+                  <a:lumMod val="65000"/>
+                  <a:lumOff val="35000"/>
+                </a:schemeClr>
+              </a:solidFill>
+              <a:latin typeface="微软雅黑" panose="020B0503020204020204" pitchFamily="34" charset="-122"/>
+              <a:ea typeface="微软雅黑" panose="020B0503020204020204" pitchFamily="34" charset="-122"/>
+            </a:endParaRPr>
+          </a:p>
+          <a:p>
+            <a:pPr marL="1257300" lvl="2" indent="-342900">
+              <a:lnSpc>
+                <a:spcPts val="2200"/>
+              </a:lnSpc>
+              <a:buFont typeface="Wingdings" panose="05000000000000000000" pitchFamily="2" charset="2"/>
+              <a:buChar char="p"/>
+            </a:pPr>
+            <a:r>
+              <a:rPr sz="1600">
+                <a:solidFill>
+                  <a:schemeClr val="tx1">
+                    <a:lumMod val="65000"/>
+                    <a:lumOff val="35000"/>
+                  </a:schemeClr>
+                </a:solidFill>
+                <a:latin typeface="微软雅黑" panose="020B0503020204020204" pitchFamily="34" charset="-122"/>
+                <a:ea typeface="微软雅黑" panose="020B0503020204020204" pitchFamily="34" charset="-122"/>
+              </a:rPr>
+              <a:t>对于内部 Pod 库中的资源文件，我们可以在 Pod 库里面的 Resources 目录下新建 Asset Catalog 文件，命名为 Images.xcassets，移入所有图片文件，接着手动修改该 SDK 的 podspec 文件指定使用该 Images.xcassets。</a:t>
+            </a:r>
+            <a:endParaRPr lang="zh-CN" altLang="en-US" sz="1600">
+              <a:solidFill>
+                <a:schemeClr val="tx1">
+                  <a:lumMod val="65000"/>
+                  <a:lumOff val="35000"/>
+                </a:schemeClr>
+              </a:solidFill>
+              <a:latin typeface="微软雅黑" panose="020B0503020204020204" pitchFamily="34" charset="-122"/>
+              <a:ea typeface="微软雅黑" panose="020B0503020204020204" pitchFamily="34" charset="-122"/>
+            </a:endParaRPr>
+          </a:p>
+          <a:p>
+            <a:pPr marL="800100" lvl="1" indent="-342900">
+              <a:lnSpc>
+                <a:spcPts val="2200"/>
+              </a:lnSpc>
+              <a:buFont typeface="Wingdings" panose="05000000000000000000" pitchFamily="2" charset="2"/>
+              <a:buChar char="p"/>
+            </a:pPr>
+            <a:r>
+              <a:rPr sz="1600">
+                <a:solidFill>
+                  <a:schemeClr val="tx1">
+                    <a:lumMod val="65000"/>
+                    <a:lumOff val="35000"/>
+                  </a:schemeClr>
+                </a:solidFill>
+                <a:latin typeface="微软雅黑" panose="020B0503020204020204" pitchFamily="34" charset="-122"/>
+                <a:ea typeface="微软雅黑" panose="020B0503020204020204" pitchFamily="34" charset="-122"/>
+              </a:rPr>
+              <a:t>部分大资源文件通过运行下载</a:t>
+            </a:r>
+            <a:endParaRPr lang="en-US" altLang="zh-CN" sz="1600">
+              <a:solidFill>
+                <a:schemeClr val="tx1">
+                  <a:lumMod val="65000"/>
+                  <a:lumOff val="35000"/>
+                </a:schemeClr>
+              </a:solidFill>
+              <a:latin typeface="微软雅黑" panose="020B0503020204020204" pitchFamily="34" charset="-122"/>
+              <a:ea typeface="微软雅黑" panose="020B0503020204020204" pitchFamily="34" charset="-122"/>
+            </a:endParaRPr>
+          </a:p>
+        </p:txBody>
+      </p:sp>
     </p:spTree>
   </p:cSld>
   <p:clrMapOvr>
@@ -15248,7 +15027,274 @@
   <p:timing>
     <p:tnLst>
       <p:par>
-        <p:cTn id="1" dur="indefinite" restart="never" nodeType="tmRoot"/>
+        <p:cTn id="1" dur="indefinite" restart="never" nodeType="tmRoot">
+          <p:childTnLst>
+            <p:seq concurrent="1" nextAc="seek">
+              <p:cTn id="2" dur="indefinite" nodeType="mainSeq">
+                <p:childTnLst>
+                  <p:par>
+                    <p:cTn id="3" fill="hold">
+                      <p:stCondLst>
+                        <p:cond delay="indefinite"/>
+                      </p:stCondLst>
+                      <p:childTnLst>
+                        <p:par>
+                          <p:cTn id="4" fill="hold">
+                            <p:stCondLst>
+                              <p:cond delay="0"/>
+                            </p:stCondLst>
+                            <p:childTnLst>
+                              <p:par>
+                                <p:cTn id="5" presetID="22" presetClass="entr" presetSubtype="8" fill="hold" nodeType="clickEffect">
+                                  <p:stCondLst>
+                                    <p:cond delay="0"/>
+                                  </p:stCondLst>
+                                  <p:childTnLst>
+                                    <p:set>
+                                      <p:cBhvr>
+                                        <p:cTn id="6" dur="1" fill="hold">
+                                          <p:stCondLst>
+                                            <p:cond delay="0"/>
+                                          </p:stCondLst>
+                                        </p:cTn>
+                                        <p:tgtEl>
+                                          <p:spTgt spid="44">
+                                            <p:txEl>
+                                              <p:pRg st="1" end="1"/>
+                                            </p:txEl>
+                                          </p:spTgt>
+                                        </p:tgtEl>
+                                        <p:attrNameLst>
+                                          <p:attrName>style.visibility</p:attrName>
+                                        </p:attrNameLst>
+                                      </p:cBhvr>
+                                      <p:to>
+                                        <p:strVal val="visible"/>
+                                      </p:to>
+                                    </p:set>
+                                    <p:animEffect transition="in" filter="wipe(left)">
+                                      <p:cBhvr>
+                                        <p:cTn id="7" dur="500"/>
+                                        <p:tgtEl>
+                                          <p:spTgt spid="44">
+                                            <p:txEl>
+                                              <p:pRg st="1" end="1"/>
+                                            </p:txEl>
+                                          </p:spTgt>
+                                        </p:tgtEl>
+                                      </p:cBhvr>
+                                    </p:animEffect>
+                                  </p:childTnLst>
+                                </p:cTn>
+                              </p:par>
+                            </p:childTnLst>
+                          </p:cTn>
+                        </p:par>
+                      </p:childTnLst>
+                    </p:cTn>
+                  </p:par>
+                  <p:par>
+                    <p:cTn id="8" fill="hold">
+                      <p:stCondLst>
+                        <p:cond delay="indefinite"/>
+                      </p:stCondLst>
+                      <p:childTnLst>
+                        <p:par>
+                          <p:cTn id="9" fill="hold">
+                            <p:stCondLst>
+                              <p:cond delay="0"/>
+                            </p:stCondLst>
+                            <p:childTnLst>
+                              <p:par>
+                                <p:cTn id="10" presetID="22" presetClass="entr" presetSubtype="8" fill="hold" nodeType="clickEffect">
+                                  <p:stCondLst>
+                                    <p:cond delay="0"/>
+                                  </p:stCondLst>
+                                  <p:childTnLst>
+                                    <p:set>
+                                      <p:cBhvr>
+                                        <p:cTn id="11" dur="1" fill="hold">
+                                          <p:stCondLst>
+                                            <p:cond delay="0"/>
+                                          </p:stCondLst>
+                                        </p:cTn>
+                                        <p:tgtEl>
+                                          <p:spTgt spid="44">
+                                            <p:txEl>
+                                              <p:pRg st="2" end="2"/>
+                                            </p:txEl>
+                                          </p:spTgt>
+                                        </p:tgtEl>
+                                        <p:attrNameLst>
+                                          <p:attrName>style.visibility</p:attrName>
+                                        </p:attrNameLst>
+                                      </p:cBhvr>
+                                      <p:to>
+                                        <p:strVal val="visible"/>
+                                      </p:to>
+                                    </p:set>
+                                    <p:animEffect transition="in" filter="wipe(left)">
+                                      <p:cBhvr>
+                                        <p:cTn id="12" dur="500"/>
+                                        <p:tgtEl>
+                                          <p:spTgt spid="44">
+                                            <p:txEl>
+                                              <p:pRg st="2" end="2"/>
+                                            </p:txEl>
+                                          </p:spTgt>
+                                        </p:tgtEl>
+                                      </p:cBhvr>
+                                    </p:animEffect>
+                                  </p:childTnLst>
+                                </p:cTn>
+                              </p:par>
+                            </p:childTnLst>
+                          </p:cTn>
+                        </p:par>
+                      </p:childTnLst>
+                    </p:cTn>
+                  </p:par>
+                  <p:par>
+                    <p:cTn id="13" fill="hold">
+                      <p:stCondLst>
+                        <p:cond delay="indefinite"/>
+                      </p:stCondLst>
+                      <p:childTnLst>
+                        <p:par>
+                          <p:cTn id="14" fill="hold">
+                            <p:stCondLst>
+                              <p:cond delay="0"/>
+                            </p:stCondLst>
+                            <p:childTnLst>
+                              <p:par>
+                                <p:cTn id="15" presetID="22" presetClass="entr" presetSubtype="8" fill="hold" nodeType="clickEffect">
+                                  <p:stCondLst>
+                                    <p:cond delay="0"/>
+                                  </p:stCondLst>
+                                  <p:childTnLst>
+                                    <p:set>
+                                      <p:cBhvr>
+                                        <p:cTn id="16" dur="1" fill="hold">
+                                          <p:stCondLst>
+                                            <p:cond delay="0"/>
+                                          </p:stCondLst>
+                                        </p:cTn>
+                                        <p:tgtEl>
+                                          <p:spTgt spid="44">
+                                            <p:txEl>
+                                              <p:pRg st="3" end="3"/>
+                                            </p:txEl>
+                                          </p:spTgt>
+                                        </p:tgtEl>
+                                        <p:attrNameLst>
+                                          <p:attrName>style.visibility</p:attrName>
+                                        </p:attrNameLst>
+                                      </p:cBhvr>
+                                      <p:to>
+                                        <p:strVal val="visible"/>
+                                      </p:to>
+                                    </p:set>
+                                    <p:animEffect transition="in" filter="wipe(left)">
+                                      <p:cBhvr>
+                                        <p:cTn id="17" dur="500"/>
+                                        <p:tgtEl>
+                                          <p:spTgt spid="44">
+                                            <p:txEl>
+                                              <p:pRg st="3" end="3"/>
+                                            </p:txEl>
+                                          </p:spTgt>
+                                        </p:tgtEl>
+                                      </p:cBhvr>
+                                    </p:animEffect>
+                                  </p:childTnLst>
+                                </p:cTn>
+                              </p:par>
+                            </p:childTnLst>
+                          </p:cTn>
+                        </p:par>
+                      </p:childTnLst>
+                    </p:cTn>
+                  </p:par>
+                  <p:par>
+                    <p:cTn id="18" fill="hold">
+                      <p:stCondLst>
+                        <p:cond delay="indefinite"/>
+                      </p:stCondLst>
+                      <p:childTnLst>
+                        <p:par>
+                          <p:cTn id="19" fill="hold">
+                            <p:stCondLst>
+                              <p:cond delay="0"/>
+                            </p:stCondLst>
+                            <p:childTnLst>
+                              <p:par>
+                                <p:cTn id="20" presetID="22" presetClass="entr" presetSubtype="8" fill="hold" nodeType="clickEffect">
+                                  <p:stCondLst>
+                                    <p:cond delay="0"/>
+                                  </p:stCondLst>
+                                  <p:childTnLst>
+                                    <p:set>
+                                      <p:cBhvr>
+                                        <p:cTn id="21" dur="1" fill="hold">
+                                          <p:stCondLst>
+                                            <p:cond delay="0"/>
+                                          </p:stCondLst>
+                                        </p:cTn>
+                                        <p:tgtEl>
+                                          <p:spTgt spid="44">
+                                            <p:txEl>
+                                              <p:pRg st="4" end="4"/>
+                                            </p:txEl>
+                                          </p:spTgt>
+                                        </p:tgtEl>
+                                        <p:attrNameLst>
+                                          <p:attrName>style.visibility</p:attrName>
+                                        </p:attrNameLst>
+                                      </p:cBhvr>
+                                      <p:to>
+                                        <p:strVal val="visible"/>
+                                      </p:to>
+                                    </p:set>
+                                    <p:animEffect transition="in" filter="wipe(left)">
+                                      <p:cBhvr>
+                                        <p:cTn id="22" dur="500"/>
+                                        <p:tgtEl>
+                                          <p:spTgt spid="44">
+                                            <p:txEl>
+                                              <p:pRg st="4" end="4"/>
+                                            </p:txEl>
+                                          </p:spTgt>
+                                        </p:tgtEl>
+                                      </p:cBhvr>
+                                    </p:animEffect>
+                                  </p:childTnLst>
+                                </p:cTn>
+                              </p:par>
+                            </p:childTnLst>
+                          </p:cTn>
+                        </p:par>
+                      </p:childTnLst>
+                    </p:cTn>
+                  </p:par>
+                </p:childTnLst>
+              </p:cTn>
+              <p:prevCondLst>
+                <p:cond evt="onPrev" delay="0">
+                  <p:tgtEl>
+                    <p:sldTgt/>
+                  </p:tgtEl>
+                </p:cond>
+              </p:prevCondLst>
+              <p:nextCondLst>
+                <p:cond evt="onNext" delay="0">
+                  <p:tgtEl>
+                    <p:sldTgt/>
+                  </p:tgtEl>
+                </p:cond>
+              </p:nextCondLst>
+            </p:seq>
+          </p:childTnLst>
+        </p:cTn>
       </p:par>
     </p:tnLst>
   </p:timing>
@@ -15288,8 +15334,8 @@
           <a:lstStyle/>
           <a:p>
             <a:r>
-              <a:rPr lang="en-US" altLang="zh-CN"/>
-              <a:t>LinkMap</a:t>
+              <a:rPr lang="zh-CN" altLang="en-US"/>
+              <a:t>安装包瘦身</a:t>
             </a:r>
             <a:endParaRPr lang="zh-CN" altLang="en-US"/>
           </a:p>
@@ -15303,8 +15349,8 @@
         </p:nvSpPr>
         <p:spPr>
           <a:xfrm>
-            <a:off x="376692" y="1220991"/>
-            <a:ext cx="11501313" cy="465306"/>
+            <a:off x="376692" y="1268491"/>
+            <a:ext cx="11501313" cy="5227312"/>
           </a:xfrm>
           <a:prstGeom prst="rect">
             <a:avLst/>
@@ -15317,12 +15363,12 @@
           </a:bodyPr>
           <a:lstStyle/>
           <a:p>
-            <a:pPr marL="342900" indent="-342900">
+            <a:pPr marL="285750" indent="-285750">
               <a:lnSpc>
                 <a:spcPts val="2200"/>
               </a:lnSpc>
-              <a:buFont typeface="Wingdings" panose="05000000000000000000" pitchFamily="2" charset="2"/>
-              <a:buChar char="n"/>
+              <a:buFont typeface="Wingdings" panose="05000000000000000000" charset="0"/>
+              <a:buChar char=""/>
             </a:pPr>
             <a:r>
               <a:rPr lang="zh-CN" altLang="en-US" sz="1600">
@@ -15335,33 +15381,7 @@
                 <a:latin typeface="微软雅黑" panose="020B0503020204020204" pitchFamily="34" charset="-122"/>
                 <a:ea typeface="微软雅黑" panose="020B0503020204020204" pitchFamily="34" charset="-122"/>
               </a:rPr>
-              <a:t>生成</a:t>
-            </a:r>
-            <a:r>
-              <a:rPr lang="en-US" altLang="zh-CN" sz="1600">
-                <a:solidFill>
-                  <a:schemeClr val="tx1">
-                    <a:lumMod val="65000"/>
-                    <a:lumOff val="35000"/>
-                  </a:schemeClr>
-                </a:solidFill>
-                <a:latin typeface="微软雅黑" panose="020B0503020204020204" pitchFamily="34" charset="-122"/>
-                <a:ea typeface="微软雅黑" panose="020B0503020204020204" pitchFamily="34" charset="-122"/>
-              </a:rPr>
-              <a:t>LinkMap</a:t>
-            </a:r>
-            <a:r>
-              <a:rPr lang="zh-CN" altLang="en-US" sz="1600">
-                <a:solidFill>
-                  <a:schemeClr val="tx1">
-                    <a:lumMod val="65000"/>
-                    <a:lumOff val="35000"/>
-                  </a:schemeClr>
-                </a:solidFill>
-                <a:latin typeface="微软雅黑" panose="020B0503020204020204" pitchFamily="34" charset="-122"/>
-                <a:ea typeface="微软雅黑" panose="020B0503020204020204" pitchFamily="34" charset="-122"/>
-              </a:rPr>
-              <a:t>文件，可以查看可执行文件的具体组成</a:t>
+              <a:t>可执行文件瘦身</a:t>
             </a:r>
             <a:endParaRPr lang="en-US" altLang="zh-CN" sz="1600">
               <a:solidFill>
@@ -15374,66 +15394,324 @@
               <a:ea typeface="微软雅黑" panose="020B0503020204020204" pitchFamily="34" charset="-122"/>
             </a:endParaRPr>
           </a:p>
-        </p:txBody>
-      </p:sp>
-      <p:pic>
-        <p:nvPicPr>
-          <p:cNvPr id="2" name="图片 1"/>
-          <p:cNvPicPr>
-            <a:picLocks noChangeAspect="1"/>
-          </p:cNvPicPr>
-          <p:nvPr/>
-        </p:nvPicPr>
-        <p:blipFill>
-          <a:blip r:embed="rId1"/>
-          <a:stretch>
-            <a:fillRect/>
-          </a:stretch>
-        </p:blipFill>
-        <p:spPr>
-          <a:xfrm>
-            <a:off x="496536" y="1733797"/>
-            <a:ext cx="8420100" cy="2159000"/>
-          </a:xfrm>
-          <a:prstGeom prst="rect">
-            <a:avLst/>
-          </a:prstGeom>
-          <a:ln>
-            <a:solidFill>
-              <a:schemeClr val="tx1"/>
-            </a:solidFill>
-          </a:ln>
-        </p:spPr>
-      </p:pic>
-      <p:sp>
-        <p:nvSpPr>
-          <p:cNvPr id="5" name="文本框 4"/>
-          <p:cNvSpPr txBox="1"/>
-          <p:nvPr/>
-        </p:nvSpPr>
-        <p:spPr>
-          <a:xfrm>
-            <a:off x="376691" y="4247219"/>
-            <a:ext cx="11501313" cy="465306"/>
-          </a:xfrm>
-          <a:prstGeom prst="rect">
-            <a:avLst/>
-          </a:prstGeom>
-          <a:noFill/>
-        </p:spPr>
-        <p:txBody>
-          <a:bodyPr wrap="square" rtlCol="0">
-            <a:noAutofit/>
-          </a:bodyPr>
-          <a:lstStyle/>
+          <a:p>
+            <a:pPr marL="800100" lvl="1" indent="-342900">
+              <a:lnSpc>
+                <a:spcPts val="2200"/>
+              </a:lnSpc>
+              <a:buFont typeface="Wingdings" panose="05000000000000000000" pitchFamily="2" charset="2"/>
+              <a:buChar char="p"/>
+            </a:pPr>
+            <a:r>
+              <a:rPr lang="zh-CN" altLang="en-US" sz="1600">
+                <a:solidFill>
+                  <a:schemeClr val="tx1">
+                    <a:lumMod val="65000"/>
+                    <a:lumOff val="35000"/>
+                  </a:schemeClr>
+                </a:solidFill>
+                <a:latin typeface="微软雅黑" panose="020B0503020204020204" pitchFamily="34" charset="-122"/>
+                <a:ea typeface="微软雅黑" panose="020B0503020204020204" pitchFamily="34" charset="-122"/>
+              </a:rPr>
+              <a:t>编译器优化</a:t>
+            </a:r>
+            <a:endParaRPr lang="en-US" altLang="zh-CN" sz="1600">
+              <a:solidFill>
+                <a:schemeClr val="tx1">
+                  <a:lumMod val="65000"/>
+                  <a:lumOff val="35000"/>
+                </a:schemeClr>
+              </a:solidFill>
+              <a:latin typeface="微软雅黑" panose="020B0503020204020204" pitchFamily="34" charset="-122"/>
+              <a:ea typeface="微软雅黑" panose="020B0503020204020204" pitchFamily="34" charset="-122"/>
+            </a:endParaRPr>
+          </a:p>
+          <a:p>
+            <a:pPr marL="800100" lvl="1" indent="-342900">
+              <a:lnSpc>
+                <a:spcPts val="2200"/>
+              </a:lnSpc>
+              <a:buFont typeface="Wingdings" panose="05000000000000000000" pitchFamily="2" charset="2"/>
+              <a:buChar char="ü"/>
+            </a:pPr>
+            <a:r>
+              <a:rPr lang="en-US" altLang="zh-CN" sz="1600">
+                <a:solidFill>
+                  <a:schemeClr val="tx1">
+                    <a:lumMod val="65000"/>
+                    <a:lumOff val="35000"/>
+                  </a:schemeClr>
+                </a:solidFill>
+                <a:latin typeface="微软雅黑" panose="020B0503020204020204" pitchFamily="34" charset="-122"/>
+                <a:ea typeface="微软雅黑" panose="020B0503020204020204" pitchFamily="34" charset="-122"/>
+              </a:rPr>
+              <a:t>Strip Linked Product</a:t>
+            </a:r>
+            <a:r>
+              <a:rPr lang="zh-CN" altLang="en-US" sz="1600">
+                <a:solidFill>
+                  <a:schemeClr val="tx1">
+                    <a:lumMod val="65000"/>
+                    <a:lumOff val="35000"/>
+                  </a:schemeClr>
+                </a:solidFill>
+                <a:latin typeface="微软雅黑" panose="020B0503020204020204" pitchFamily="34" charset="-122"/>
+                <a:ea typeface="微软雅黑" panose="020B0503020204020204" pitchFamily="34" charset="-122"/>
+              </a:rPr>
+              <a:t>、</a:t>
+            </a:r>
+            <a:r>
+              <a:rPr lang="en-US" altLang="zh-CN" sz="1600">
+                <a:solidFill>
+                  <a:schemeClr val="tx1">
+                    <a:lumMod val="65000"/>
+                    <a:lumOff val="35000"/>
+                  </a:schemeClr>
+                </a:solidFill>
+                <a:latin typeface="微软雅黑" panose="020B0503020204020204" pitchFamily="34" charset="-122"/>
+                <a:ea typeface="微软雅黑" panose="020B0503020204020204" pitchFamily="34" charset="-122"/>
+              </a:rPr>
+              <a:t>Make Strings Read-Only</a:t>
+            </a:r>
+            <a:r>
+              <a:rPr lang="zh-CN" altLang="en-US" sz="1600">
+                <a:solidFill>
+                  <a:schemeClr val="tx1">
+                    <a:lumMod val="65000"/>
+                    <a:lumOff val="35000"/>
+                  </a:schemeClr>
+                </a:solidFill>
+                <a:latin typeface="微软雅黑" panose="020B0503020204020204" pitchFamily="34" charset="-122"/>
+                <a:ea typeface="微软雅黑" panose="020B0503020204020204" pitchFamily="34" charset="-122"/>
+              </a:rPr>
+              <a:t>、</a:t>
+            </a:r>
+            <a:r>
+              <a:rPr lang="en-US" altLang="zh-CN" sz="1600">
+                <a:solidFill>
+                  <a:schemeClr val="tx1">
+                    <a:lumMod val="65000"/>
+                    <a:lumOff val="35000"/>
+                  </a:schemeClr>
+                </a:solidFill>
+                <a:latin typeface="微软雅黑" panose="020B0503020204020204" pitchFamily="34" charset="-122"/>
+                <a:ea typeface="微软雅黑" panose="020B0503020204020204" pitchFamily="34" charset="-122"/>
+              </a:rPr>
+              <a:t>Symbols Hidden by Default</a:t>
+            </a:r>
+            <a:r>
+              <a:rPr lang="zh-CN" altLang="en-US" sz="1600">
+                <a:solidFill>
+                  <a:schemeClr val="tx1">
+                    <a:lumMod val="65000"/>
+                    <a:lumOff val="35000"/>
+                  </a:schemeClr>
+                </a:solidFill>
+                <a:latin typeface="微软雅黑" panose="020B0503020204020204" pitchFamily="34" charset="-122"/>
+                <a:ea typeface="微软雅黑" panose="020B0503020204020204" pitchFamily="34" charset="-122"/>
+              </a:rPr>
+              <a:t>设置为</a:t>
+            </a:r>
+            <a:r>
+              <a:rPr lang="en-US" altLang="zh-CN" sz="1600">
+                <a:solidFill>
+                  <a:schemeClr val="tx1">
+                    <a:lumMod val="65000"/>
+                    <a:lumOff val="35000"/>
+                  </a:schemeClr>
+                </a:solidFill>
+                <a:latin typeface="微软雅黑" panose="020B0503020204020204" pitchFamily="34" charset="-122"/>
+                <a:ea typeface="微软雅黑" panose="020B0503020204020204" pitchFamily="34" charset="-122"/>
+              </a:rPr>
+              <a:t>YES</a:t>
+            </a:r>
+            <a:endParaRPr lang="en-US" altLang="zh-CN" sz="1600">
+              <a:solidFill>
+                <a:schemeClr val="tx1">
+                  <a:lumMod val="65000"/>
+                  <a:lumOff val="35000"/>
+                </a:schemeClr>
+              </a:solidFill>
+              <a:latin typeface="微软雅黑" panose="020B0503020204020204" pitchFamily="34" charset="-122"/>
+              <a:ea typeface="微软雅黑" panose="020B0503020204020204" pitchFamily="34" charset="-122"/>
+            </a:endParaRPr>
+          </a:p>
+          <a:p>
+            <a:pPr marL="800100" lvl="1" indent="-342900">
+              <a:lnSpc>
+                <a:spcPts val="2200"/>
+              </a:lnSpc>
+              <a:buFont typeface="Wingdings" panose="05000000000000000000" pitchFamily="2" charset="2"/>
+              <a:buChar char="ü"/>
+            </a:pPr>
+            <a:r>
+              <a:rPr lang="zh-CN" altLang="en-US" sz="1600">
+                <a:solidFill>
+                  <a:schemeClr val="tx1">
+                    <a:lumMod val="65000"/>
+                    <a:lumOff val="35000"/>
+                  </a:schemeClr>
+                </a:solidFill>
+                <a:latin typeface="微软雅黑" panose="020B0503020204020204" pitchFamily="34" charset="-122"/>
+                <a:ea typeface="微软雅黑" panose="020B0503020204020204" pitchFamily="34" charset="-122"/>
+              </a:rPr>
+              <a:t>去掉异常支持，</a:t>
+            </a:r>
+            <a:r>
+              <a:rPr lang="en-US" altLang="zh-CN" sz="1600">
+                <a:solidFill>
+                  <a:schemeClr val="tx1">
+                    <a:lumMod val="65000"/>
+                    <a:lumOff val="35000"/>
+                  </a:schemeClr>
+                </a:solidFill>
+                <a:latin typeface="微软雅黑" panose="020B0503020204020204" pitchFamily="34" charset="-122"/>
+                <a:ea typeface="微软雅黑" panose="020B0503020204020204" pitchFamily="34" charset="-122"/>
+              </a:rPr>
+              <a:t>Enable C++ Exceptions</a:t>
+            </a:r>
+            <a:r>
+              <a:rPr lang="zh-CN" altLang="en-US" sz="1600">
+                <a:solidFill>
+                  <a:schemeClr val="tx1">
+                    <a:lumMod val="65000"/>
+                    <a:lumOff val="35000"/>
+                  </a:schemeClr>
+                </a:solidFill>
+                <a:latin typeface="微软雅黑" panose="020B0503020204020204" pitchFamily="34" charset="-122"/>
+                <a:ea typeface="微软雅黑" panose="020B0503020204020204" pitchFamily="34" charset="-122"/>
+              </a:rPr>
+              <a:t>、</a:t>
+            </a:r>
+            <a:r>
+              <a:rPr lang="en-US" altLang="zh-CN" sz="1600">
+                <a:solidFill>
+                  <a:schemeClr val="tx1">
+                    <a:lumMod val="65000"/>
+                    <a:lumOff val="35000"/>
+                  </a:schemeClr>
+                </a:solidFill>
+                <a:latin typeface="微软雅黑" panose="020B0503020204020204" pitchFamily="34" charset="-122"/>
+                <a:ea typeface="微软雅黑" panose="020B0503020204020204" pitchFamily="34" charset="-122"/>
+              </a:rPr>
+              <a:t>Enable Objective-C Exceptions</a:t>
+            </a:r>
+            <a:r>
+              <a:rPr lang="zh-CN" altLang="en-US" sz="1600">
+                <a:solidFill>
+                  <a:schemeClr val="tx1">
+                    <a:lumMod val="65000"/>
+                    <a:lumOff val="35000"/>
+                  </a:schemeClr>
+                </a:solidFill>
+                <a:latin typeface="微软雅黑" panose="020B0503020204020204" pitchFamily="34" charset="-122"/>
+                <a:ea typeface="微软雅黑" panose="020B0503020204020204" pitchFamily="34" charset="-122"/>
+              </a:rPr>
+              <a:t>设置为</a:t>
+            </a:r>
+            <a:r>
+              <a:rPr lang="en-US" altLang="zh-CN" sz="1600">
+                <a:solidFill>
+                  <a:schemeClr val="tx1">
+                    <a:lumMod val="65000"/>
+                    <a:lumOff val="35000"/>
+                  </a:schemeClr>
+                </a:solidFill>
+                <a:latin typeface="微软雅黑" panose="020B0503020204020204" pitchFamily="34" charset="-122"/>
+                <a:ea typeface="微软雅黑" panose="020B0503020204020204" pitchFamily="34" charset="-122"/>
+              </a:rPr>
+              <a:t>NO</a:t>
+            </a:r>
+            <a:r>
+              <a:rPr lang="zh-CN" altLang="en-US" sz="1600">
+                <a:solidFill>
+                  <a:schemeClr val="tx1">
+                    <a:lumMod val="65000"/>
+                    <a:lumOff val="35000"/>
+                  </a:schemeClr>
+                </a:solidFill>
+                <a:latin typeface="微软雅黑" panose="020B0503020204020204" pitchFamily="34" charset="-122"/>
+                <a:ea typeface="微软雅黑" panose="020B0503020204020204" pitchFamily="34" charset="-122"/>
+              </a:rPr>
+              <a:t>，</a:t>
+            </a:r>
+            <a:r>
+              <a:rPr lang="en-US" altLang="zh-CN" sz="1600">
+                <a:solidFill>
+                  <a:schemeClr val="tx1">
+                    <a:lumMod val="65000"/>
+                    <a:lumOff val="35000"/>
+                  </a:schemeClr>
+                </a:solidFill>
+                <a:latin typeface="微软雅黑" panose="020B0503020204020204" pitchFamily="34" charset="-122"/>
+                <a:ea typeface="微软雅黑" panose="020B0503020204020204" pitchFamily="34" charset="-122"/>
+              </a:rPr>
+              <a:t> Other C Flags</a:t>
+            </a:r>
+            <a:r>
+              <a:rPr lang="zh-CN" altLang="en-US" sz="1600">
+                <a:solidFill>
+                  <a:schemeClr val="tx1">
+                    <a:lumMod val="65000"/>
+                    <a:lumOff val="35000"/>
+                  </a:schemeClr>
+                </a:solidFill>
+                <a:latin typeface="微软雅黑" panose="020B0503020204020204" pitchFamily="34" charset="-122"/>
+                <a:ea typeface="微软雅黑" panose="020B0503020204020204" pitchFamily="34" charset="-122"/>
+              </a:rPr>
+              <a:t>添加</a:t>
+            </a:r>
+            <a:r>
+              <a:rPr lang="en-US" altLang="zh-CN" sz="1600">
+                <a:solidFill>
+                  <a:schemeClr val="tx1">
+                    <a:lumMod val="65000"/>
+                    <a:lumOff val="35000"/>
+                  </a:schemeClr>
+                </a:solidFill>
+                <a:latin typeface="微软雅黑" panose="020B0503020204020204" pitchFamily="34" charset="-122"/>
+                <a:ea typeface="微软雅黑" panose="020B0503020204020204" pitchFamily="34" charset="-122"/>
+              </a:rPr>
+              <a:t>-fno-exceptions</a:t>
+            </a:r>
+            <a:endParaRPr lang="en-US" altLang="zh-CN" sz="1600">
+              <a:solidFill>
+                <a:schemeClr val="tx1">
+                  <a:lumMod val="65000"/>
+                  <a:lumOff val="35000"/>
+                </a:schemeClr>
+              </a:solidFill>
+              <a:latin typeface="微软雅黑" panose="020B0503020204020204" pitchFamily="34" charset="-122"/>
+              <a:ea typeface="微软雅黑" panose="020B0503020204020204" pitchFamily="34" charset="-122"/>
+            </a:endParaRPr>
+          </a:p>
           <a:p>
             <a:pPr marL="342900" indent="-342900">
               <a:lnSpc>
                 <a:spcPts val="2200"/>
               </a:lnSpc>
               <a:buFont typeface="Wingdings" panose="05000000000000000000" pitchFamily="2" charset="2"/>
-              <a:buChar char="n"/>
+              <a:buChar char="ü"/>
             </a:pPr>
+            <a:endParaRPr lang="en-US" altLang="zh-CN" sz="1600">
+              <a:solidFill>
+                <a:schemeClr val="tx1">
+                  <a:lumMod val="65000"/>
+                  <a:lumOff val="35000"/>
+                </a:schemeClr>
+              </a:solidFill>
+              <a:latin typeface="微软雅黑" panose="020B0503020204020204" pitchFamily="34" charset="-122"/>
+              <a:ea typeface="微软雅黑" panose="020B0503020204020204" pitchFamily="34" charset="-122"/>
+            </a:endParaRPr>
+          </a:p>
+          <a:p>
+            <a:pPr marL="800100" lvl="1" indent="-342900">
+              <a:lnSpc>
+                <a:spcPts val="2200"/>
+              </a:lnSpc>
+              <a:buFont typeface="Wingdings" panose="05000000000000000000" pitchFamily="2" charset="2"/>
+              <a:buChar char="p"/>
+            </a:pPr>
             <a:r>
               <a:rPr lang="zh-CN" altLang="en-US" sz="1600">
                 <a:solidFill>
@@ -15445,7 +15723,7 @@
                 <a:latin typeface="微软雅黑" panose="020B0503020204020204" pitchFamily="34" charset="-122"/>
                 <a:ea typeface="微软雅黑" panose="020B0503020204020204" pitchFamily="34" charset="-122"/>
               </a:rPr>
-              <a:t>可借助第三方工具解析</a:t>
+              <a:t>利用</a:t>
             </a:r>
             <a:r>
               <a:rPr lang="en-US" altLang="zh-CN" sz="1600">
@@ -15458,7 +15736,7 @@
                 <a:latin typeface="微软雅黑" panose="020B0503020204020204" pitchFamily="34" charset="-122"/>
                 <a:ea typeface="微软雅黑" panose="020B0503020204020204" pitchFamily="34" charset="-122"/>
               </a:rPr>
-              <a:t>LinkMap</a:t>
+              <a:t>AppCode</a:t>
             </a:r>
             <a:r>
               <a:rPr lang="zh-CN" altLang="en-US" sz="1600">
@@ -15471,7 +15749,7 @@
                 <a:latin typeface="微软雅黑" panose="020B0503020204020204" pitchFamily="34" charset="-122"/>
                 <a:ea typeface="微软雅黑" panose="020B0503020204020204" pitchFamily="34" charset="-122"/>
               </a:rPr>
-              <a:t>文件：</a:t>
+              <a:t>（</a:t>
             </a:r>
             <a:r>
               <a:rPr lang="en-US" altLang="zh-CN" sz="1600">
@@ -15483,6 +15761,46 @@
                 </a:solidFill>
                 <a:latin typeface="微软雅黑" panose="020B0503020204020204" pitchFamily="34" charset="-122"/>
                 <a:ea typeface="微软雅黑" panose="020B0503020204020204" pitchFamily="34" charset="-122"/>
+                <a:hlinkClick r:id="rId1"/>
+              </a:rPr>
+              <a:t>https://www.jetbrains.com/objc/</a:t>
+            </a:r>
+            <a:r>
+              <a:rPr lang="zh-CN" altLang="en-US" sz="1600">
+                <a:solidFill>
+                  <a:schemeClr val="tx1">
+                    <a:lumMod val="65000"/>
+                    <a:lumOff val="35000"/>
+                  </a:schemeClr>
+                </a:solidFill>
+                <a:latin typeface="微软雅黑" panose="020B0503020204020204" pitchFamily="34" charset="-122"/>
+                <a:ea typeface="微软雅黑" panose="020B0503020204020204" pitchFamily="34" charset="-122"/>
+              </a:rPr>
+              <a:t>）检测未使用的代码：菜单栏 </a:t>
+            </a:r>
+            <a:r>
+              <a:rPr lang="en-US" altLang="zh-CN" sz="1600">
+                <a:solidFill>
+                  <a:schemeClr val="tx1">
+                    <a:lumMod val="65000"/>
+                    <a:lumOff val="35000"/>
+                  </a:schemeClr>
+                </a:solidFill>
+                <a:latin typeface="微软雅黑" panose="020B0503020204020204" pitchFamily="34" charset="-122"/>
+                <a:ea typeface="微软雅黑" panose="020B0503020204020204" pitchFamily="34" charset="-122"/>
+              </a:rPr>
+              <a:t>-&gt;</a:t>
+            </a:r>
+            <a:r>
+              <a:rPr lang="zh-CN" altLang="en-US" sz="1600">
+                <a:solidFill>
+                  <a:schemeClr val="tx1">
+                    <a:lumMod val="65000"/>
+                    <a:lumOff val="35000"/>
+                  </a:schemeClr>
+                </a:solidFill>
+                <a:latin typeface="微软雅黑" panose="020B0503020204020204" pitchFamily="34" charset="-122"/>
+                <a:ea typeface="微软雅黑" panose="020B0503020204020204" pitchFamily="34" charset="-122"/>
               </a:rPr>
               <a:t> </a:t>
             </a:r>
@@ -15496,10 +15814,349 @@
                 </a:solidFill>
                 <a:latin typeface="微软雅黑" panose="020B0503020204020204" pitchFamily="34" charset="-122"/>
                 <a:ea typeface="微软雅黑" panose="020B0503020204020204" pitchFamily="34" charset="-122"/>
-                <a:hlinkClick r:id="rId2"/>
-              </a:rPr>
-              <a:t>https://github.com/huanxsd/LinkMap</a:t>
-            </a:r>
+              </a:rPr>
+              <a:t>Code</a:t>
+            </a:r>
+            <a:r>
+              <a:rPr lang="zh-CN" altLang="en-US" sz="1600">
+                <a:solidFill>
+                  <a:schemeClr val="tx1">
+                    <a:lumMod val="65000"/>
+                    <a:lumOff val="35000"/>
+                  </a:schemeClr>
+                </a:solidFill>
+                <a:latin typeface="微软雅黑" panose="020B0503020204020204" pitchFamily="34" charset="-122"/>
+                <a:ea typeface="微软雅黑" panose="020B0503020204020204" pitchFamily="34" charset="-122"/>
+              </a:rPr>
+              <a:t> </a:t>
+            </a:r>
+            <a:r>
+              <a:rPr lang="en-US" altLang="zh-CN" sz="1600">
+                <a:solidFill>
+                  <a:schemeClr val="tx1">
+                    <a:lumMod val="65000"/>
+                    <a:lumOff val="35000"/>
+                  </a:schemeClr>
+                </a:solidFill>
+                <a:latin typeface="微软雅黑" panose="020B0503020204020204" pitchFamily="34" charset="-122"/>
+                <a:ea typeface="微软雅黑" panose="020B0503020204020204" pitchFamily="34" charset="-122"/>
+              </a:rPr>
+              <a:t>-&gt;</a:t>
+            </a:r>
+            <a:r>
+              <a:rPr lang="zh-CN" altLang="en-US" sz="1600">
+                <a:solidFill>
+                  <a:schemeClr val="tx1">
+                    <a:lumMod val="65000"/>
+                    <a:lumOff val="35000"/>
+                  </a:schemeClr>
+                </a:solidFill>
+                <a:latin typeface="微软雅黑" panose="020B0503020204020204" pitchFamily="34" charset="-122"/>
+                <a:ea typeface="微软雅黑" panose="020B0503020204020204" pitchFamily="34" charset="-122"/>
+              </a:rPr>
+              <a:t> </a:t>
+            </a:r>
+            <a:r>
+              <a:rPr lang="en-US" altLang="zh-CN" sz="1600">
+                <a:solidFill>
+                  <a:schemeClr val="tx1">
+                    <a:lumMod val="65000"/>
+                    <a:lumOff val="35000"/>
+                  </a:schemeClr>
+                </a:solidFill>
+                <a:latin typeface="微软雅黑" panose="020B0503020204020204" pitchFamily="34" charset="-122"/>
+                <a:ea typeface="微软雅黑" panose="020B0503020204020204" pitchFamily="34" charset="-122"/>
+              </a:rPr>
+              <a:t>Inspect</a:t>
+            </a:r>
+            <a:r>
+              <a:rPr lang="zh-CN" altLang="en-US" sz="1600">
+                <a:solidFill>
+                  <a:schemeClr val="tx1">
+                    <a:lumMod val="65000"/>
+                    <a:lumOff val="35000"/>
+                  </a:schemeClr>
+                </a:solidFill>
+                <a:latin typeface="微软雅黑" panose="020B0503020204020204" pitchFamily="34" charset="-122"/>
+                <a:ea typeface="微软雅黑" panose="020B0503020204020204" pitchFamily="34" charset="-122"/>
+              </a:rPr>
+              <a:t> </a:t>
+            </a:r>
+            <a:r>
+              <a:rPr lang="en-US" altLang="zh-CN" sz="1600">
+                <a:solidFill>
+                  <a:schemeClr val="tx1">
+                    <a:lumMod val="65000"/>
+                    <a:lumOff val="35000"/>
+                  </a:schemeClr>
+                </a:solidFill>
+                <a:latin typeface="微软雅黑" panose="020B0503020204020204" pitchFamily="34" charset="-122"/>
+                <a:ea typeface="微软雅黑" panose="020B0503020204020204" pitchFamily="34" charset="-122"/>
+              </a:rPr>
+              <a:t>Code</a:t>
+            </a:r>
+            <a:endParaRPr lang="en-US" altLang="zh-CN" sz="1600">
+              <a:solidFill>
+                <a:schemeClr val="tx1">
+                  <a:lumMod val="65000"/>
+                  <a:lumOff val="35000"/>
+                </a:schemeClr>
+              </a:solidFill>
+              <a:latin typeface="微软雅黑" panose="020B0503020204020204" pitchFamily="34" charset="-122"/>
+              <a:ea typeface="微软雅黑" panose="020B0503020204020204" pitchFamily="34" charset="-122"/>
+            </a:endParaRPr>
+          </a:p>
+          <a:p>
+            <a:pPr marL="342900" indent="-342900">
+              <a:lnSpc>
+                <a:spcPts val="2200"/>
+              </a:lnSpc>
+              <a:buFont typeface="Wingdings" panose="05000000000000000000" pitchFamily="2" charset="2"/>
+              <a:buChar char="ü"/>
+            </a:pPr>
+            <a:endParaRPr lang="en-US" altLang="zh-CN" sz="1600">
+              <a:solidFill>
+                <a:schemeClr val="tx1">
+                  <a:lumMod val="65000"/>
+                  <a:lumOff val="35000"/>
+                </a:schemeClr>
+              </a:solidFill>
+              <a:latin typeface="微软雅黑" panose="020B0503020204020204" pitchFamily="34" charset="-122"/>
+              <a:ea typeface="微软雅黑" panose="020B0503020204020204" pitchFamily="34" charset="-122"/>
+            </a:endParaRPr>
+          </a:p>
+          <a:p>
+            <a:pPr marL="800100" lvl="1" indent="-342900">
+              <a:lnSpc>
+                <a:spcPts val="2200"/>
+              </a:lnSpc>
+              <a:buFont typeface="Wingdings" panose="05000000000000000000" pitchFamily="2" charset="2"/>
+              <a:buChar char="p"/>
+            </a:pPr>
+            <a:r>
+              <a:rPr lang="zh-CN" altLang="en-US" sz="1600">
+                <a:solidFill>
+                  <a:schemeClr val="tx1">
+                    <a:lumMod val="65000"/>
+                    <a:lumOff val="35000"/>
+                  </a:schemeClr>
+                </a:solidFill>
+                <a:latin typeface="微软雅黑" panose="020B0503020204020204" pitchFamily="34" charset="-122"/>
+                <a:ea typeface="微软雅黑" panose="020B0503020204020204" pitchFamily="34" charset="-122"/>
+              </a:rPr>
+              <a:t>编写</a:t>
+            </a:r>
+            <a:r>
+              <a:rPr lang="en-US" altLang="zh-CN" sz="1600">
+                <a:solidFill>
+                  <a:schemeClr val="tx1">
+                    <a:lumMod val="65000"/>
+                    <a:lumOff val="35000"/>
+                  </a:schemeClr>
+                </a:solidFill>
+                <a:latin typeface="微软雅黑" panose="020B0503020204020204" pitchFamily="34" charset="-122"/>
+                <a:ea typeface="微软雅黑" panose="020B0503020204020204" pitchFamily="34" charset="-122"/>
+              </a:rPr>
+              <a:t>LLVM</a:t>
+            </a:r>
+            <a:r>
+              <a:rPr lang="zh-CN" altLang="en-US" sz="1600">
+                <a:solidFill>
+                  <a:schemeClr val="tx1">
+                    <a:lumMod val="65000"/>
+                    <a:lumOff val="35000"/>
+                  </a:schemeClr>
+                </a:solidFill>
+                <a:latin typeface="微软雅黑" panose="020B0503020204020204" pitchFamily="34" charset="-122"/>
+                <a:ea typeface="微软雅黑" panose="020B0503020204020204" pitchFamily="34" charset="-122"/>
+              </a:rPr>
+              <a:t>插件检测出重复代码、未被调用的代码</a:t>
+            </a:r>
+            <a:endParaRPr lang="zh-CN" altLang="en-US" sz="1600">
+              <a:solidFill>
+                <a:schemeClr val="tx1">
+                  <a:lumMod val="65000"/>
+                  <a:lumOff val="35000"/>
+                </a:schemeClr>
+              </a:solidFill>
+              <a:latin typeface="微软雅黑" panose="020B0503020204020204" pitchFamily="34" charset="-122"/>
+              <a:ea typeface="微软雅黑" panose="020B0503020204020204" pitchFamily="34" charset="-122"/>
+            </a:endParaRPr>
+          </a:p>
+          <a:p>
+            <a:pPr marL="800100" lvl="1" indent="-342900">
+              <a:lnSpc>
+                <a:spcPts val="2200"/>
+              </a:lnSpc>
+              <a:buFont typeface="Wingdings" panose="05000000000000000000" pitchFamily="2" charset="2"/>
+              <a:buChar char="p"/>
+            </a:pPr>
+            <a:endParaRPr lang="zh-CN" altLang="en-US" sz="1600">
+              <a:solidFill>
+                <a:schemeClr val="tx1">
+                  <a:lumMod val="65000"/>
+                  <a:lumOff val="35000"/>
+                </a:schemeClr>
+              </a:solidFill>
+              <a:latin typeface="微软雅黑" panose="020B0503020204020204" pitchFamily="34" charset="-122"/>
+              <a:ea typeface="微软雅黑" panose="020B0503020204020204" pitchFamily="34" charset="-122"/>
+            </a:endParaRPr>
+          </a:p>
+          <a:p>
+            <a:pPr marL="800100" lvl="1" indent="-342900">
+              <a:lnSpc>
+                <a:spcPts val="2200"/>
+              </a:lnSpc>
+              <a:buFont typeface="Wingdings" panose="05000000000000000000" pitchFamily="2" charset="2"/>
+              <a:buChar char="p"/>
+            </a:pPr>
+            <a:r>
+              <a:rPr lang="en-US" altLang="zh-CN" sz="1600">
+                <a:solidFill>
+                  <a:schemeClr val="tx1">
+                    <a:lumMod val="65000"/>
+                    <a:lumOff val="35000"/>
+                  </a:schemeClr>
+                </a:solidFill>
+                <a:latin typeface="微软雅黑" panose="020B0503020204020204" pitchFamily="34" charset="-122"/>
+                <a:ea typeface="微软雅黑" panose="020B0503020204020204" pitchFamily="34" charset="-122"/>
+              </a:rPr>
+              <a:t>LinkMap 结合 Mach-O: LinkMap 的 Symbols 中会列出所有方法、类、block及它们的大小，通过获取 LinkMap 即可以获得方法和类的全集；再通过 MachOView 获得使用过的方法和类，两者的差值就是我们要找寻的未使用代码。</a:t>
+            </a:r>
+            <a:endParaRPr lang="en-US" altLang="zh-CN" sz="1600">
+              <a:solidFill>
+                <a:schemeClr val="tx1">
+                  <a:lumMod val="65000"/>
+                  <a:lumOff val="35000"/>
+                </a:schemeClr>
+              </a:solidFill>
+              <a:latin typeface="微软雅黑" panose="020B0503020204020204" pitchFamily="34" charset="-122"/>
+              <a:ea typeface="微软雅黑" panose="020B0503020204020204" pitchFamily="34" charset="-122"/>
+            </a:endParaRPr>
+          </a:p>
+          <a:p>
+            <a:pPr marL="800100" lvl="1" indent="-342900">
+              <a:lnSpc>
+                <a:spcPts val="2200"/>
+              </a:lnSpc>
+              <a:buFont typeface="Wingdings" panose="05000000000000000000" pitchFamily="2" charset="2"/>
+              <a:buChar char="p"/>
+            </a:pPr>
+            <a:endParaRPr lang="en-US" altLang="zh-CN" sz="1600">
+              <a:solidFill>
+                <a:schemeClr val="tx1">
+                  <a:lumMod val="65000"/>
+                  <a:lumOff val="35000"/>
+                </a:schemeClr>
+              </a:solidFill>
+              <a:latin typeface="微软雅黑" panose="020B0503020204020204" pitchFamily="34" charset="-122"/>
+              <a:ea typeface="微软雅黑" panose="020B0503020204020204" pitchFamily="34" charset="-122"/>
+            </a:endParaRPr>
+          </a:p>
+          <a:p>
+            <a:pPr marL="342900" lvl="0" indent="-342900">
+              <a:lnSpc>
+                <a:spcPts val="2200"/>
+              </a:lnSpc>
+              <a:buFont typeface="Wingdings" panose="05000000000000000000" charset="0"/>
+              <a:buChar char=""/>
+            </a:pPr>
+            <a:r>
+              <a:rPr lang="en-US" altLang="zh-CN" sz="1600">
+                <a:solidFill>
+                  <a:schemeClr val="tx1">
+                    <a:lumMod val="65000"/>
+                    <a:lumOff val="35000"/>
+                  </a:schemeClr>
+                </a:solidFill>
+                <a:latin typeface="微软雅黑" panose="020B0503020204020204" pitchFamily="34" charset="-122"/>
+                <a:ea typeface="微软雅黑" panose="020B0503020204020204" pitchFamily="34" charset="-122"/>
+              </a:rPr>
+              <a:t>App Thinning: 严格来说App Thinning不会让安装包变小，但用户安装应用时，苹果会根据用户的机型自动选择合适的资源和对应CPU架构的二进制执行文件（也就是说用户本地可执行文件不会同时存在 armv7 和 arm64），减少下载流量和安装占用空间。</a:t>
+            </a:r>
+            <a:endParaRPr lang="en-US" altLang="zh-CN" sz="1600">
+              <a:solidFill>
+                <a:schemeClr val="tx1">
+                  <a:lumMod val="65000"/>
+                  <a:lumOff val="35000"/>
+                </a:schemeClr>
+              </a:solidFill>
+              <a:latin typeface="微软雅黑" panose="020B0503020204020204" pitchFamily="34" charset="-122"/>
+              <a:ea typeface="微软雅黑" panose="020B0503020204020204" pitchFamily="34" charset="-122"/>
+            </a:endParaRPr>
+          </a:p>
+          <a:p>
+            <a:pPr marL="342900" lvl="0" indent="-342900">
+              <a:lnSpc>
+                <a:spcPts val="2200"/>
+              </a:lnSpc>
+              <a:buFont typeface="Wingdings" panose="05000000000000000000" charset="0"/>
+              <a:buChar char=""/>
+            </a:pPr>
+            <a:r>
+              <a:rPr lang="en-US" altLang="zh-CN" sz="1600">
+                <a:solidFill>
+                  <a:schemeClr val="tx1">
+                    <a:lumMod val="65000"/>
+                    <a:lumOff val="35000"/>
+                  </a:schemeClr>
+                </a:solidFill>
+                <a:latin typeface="微软雅黑" panose="020B0503020204020204" pitchFamily="34" charset="-122"/>
+                <a:ea typeface="微软雅黑" panose="020B0503020204020204" pitchFamily="34" charset="-122"/>
+              </a:rPr>
+              <a:t>动态库替代静态库</a:t>
+            </a:r>
+            <a:endParaRPr lang="en-US" altLang="zh-CN" sz="1600">
+              <a:solidFill>
+                <a:schemeClr val="tx1">
+                  <a:lumMod val="65000"/>
+                  <a:lumOff val="35000"/>
+                </a:schemeClr>
+              </a:solidFill>
+              <a:latin typeface="微软雅黑" panose="020B0503020204020204" pitchFamily="34" charset="-122"/>
+              <a:ea typeface="微软雅黑" panose="020B0503020204020204" pitchFamily="34" charset="-122"/>
+            </a:endParaRPr>
+          </a:p>
+          <a:p>
+            <a:pPr marL="342900" lvl="0" indent="-342900">
+              <a:lnSpc>
+                <a:spcPts val="2200"/>
+              </a:lnSpc>
+              <a:buFont typeface="Wingdings" panose="05000000000000000000" charset="0"/>
+              <a:buChar char=""/>
+            </a:pPr>
+            <a:r>
+              <a:rPr lang="zh-CN" altLang="en-US" sz="1600">
+                <a:solidFill>
+                  <a:schemeClr val="tx1">
+                    <a:lumMod val="65000"/>
+                    <a:lumOff val="35000"/>
+                  </a:schemeClr>
+                </a:solidFill>
+                <a:latin typeface="微软雅黑" panose="020B0503020204020204" pitchFamily="34" charset="-122"/>
+                <a:ea typeface="微软雅黑" panose="020B0503020204020204" pitchFamily="34" charset="-122"/>
+              </a:rPr>
+              <a:t>慎入重复的三方库或比较大的三方库</a:t>
+            </a:r>
+            <a:endParaRPr lang="en-US" altLang="zh-CN" sz="1600">
+              <a:solidFill>
+                <a:schemeClr val="tx1">
+                  <a:lumMod val="65000"/>
+                  <a:lumOff val="35000"/>
+                </a:schemeClr>
+              </a:solidFill>
+              <a:latin typeface="微软雅黑" panose="020B0503020204020204" pitchFamily="34" charset="-122"/>
+              <a:ea typeface="微软雅黑" panose="020B0503020204020204" pitchFamily="34" charset="-122"/>
+            </a:endParaRPr>
+          </a:p>
+          <a:p>
+            <a:pPr marL="342900" indent="-342900">
+              <a:lnSpc>
+                <a:spcPts val="2200"/>
+              </a:lnSpc>
+              <a:buFont typeface="Wingdings" panose="05000000000000000000" pitchFamily="2" charset="2"/>
+              <a:buChar char="p"/>
+            </a:pPr>
             <a:endParaRPr lang="en-US" altLang="zh-CN" sz="1600">
               <a:solidFill>
                 <a:schemeClr val="tx1">
@@ -15600,7 +16257,7 @@
                             </p:stCondLst>
                             <p:childTnLst>
                               <p:par>
-                                <p:cTn id="10" presetID="1" presetClass="entr" presetSubtype="0" fill="hold" nodeType="clickEffect">
+                                <p:cTn id="10" presetID="22" presetClass="entr" presetSubtype="8" fill="hold" nodeType="clickEffect">
                                   <p:stCondLst>
                                     <p:cond delay="0"/>
                                   </p:stCondLst>
@@ -15613,7 +16270,11 @@
                                           </p:stCondLst>
                                         </p:cTn>
                                         <p:tgtEl>
-                                          <p:spTgt spid="2"/>
+                                          <p:spTgt spid="44">
+                                            <p:txEl>
+                                              <p:pRg st="1" end="1"/>
+                                            </p:txEl>
+                                          </p:spTgt>
                                         </p:tgtEl>
                                         <p:attrNameLst>
                                           <p:attrName>style.visibility</p:attrName>
@@ -15623,6 +16284,18 @@
                                         <p:strVal val="visible"/>
                                       </p:to>
                                     </p:set>
+                                    <p:animEffect transition="in" filter="wipe(left)">
+                                      <p:cBhvr>
+                                        <p:cTn id="12" dur="500"/>
+                                        <p:tgtEl>
+                                          <p:spTgt spid="44">
+                                            <p:txEl>
+                                              <p:pRg st="1" end="1"/>
+                                            </p:txEl>
+                                          </p:spTgt>
+                                        </p:tgtEl>
+                                      </p:cBhvr>
+                                    </p:animEffect>
                                   </p:childTnLst>
                                 </p:cTn>
                               </p:par>
@@ -15633,34 +16306,34 @@
                     </p:cTn>
                   </p:par>
                   <p:par>
-                    <p:cTn id="12" fill="hold">
+                    <p:cTn id="13" fill="hold">
                       <p:stCondLst>
                         <p:cond delay="indefinite"/>
                       </p:stCondLst>
                       <p:childTnLst>
                         <p:par>
-                          <p:cTn id="13" fill="hold">
+                          <p:cTn id="14" fill="hold">
                             <p:stCondLst>
                               <p:cond delay="0"/>
                             </p:stCondLst>
                             <p:childTnLst>
                               <p:par>
-                                <p:cTn id="14" presetID="22" presetClass="entr" presetSubtype="8" fill="hold" nodeType="clickEffect">
+                                <p:cTn id="15" presetID="22" presetClass="entr" presetSubtype="8" fill="hold" nodeType="clickEffect">
                                   <p:stCondLst>
                                     <p:cond delay="0"/>
                                   </p:stCondLst>
                                   <p:childTnLst>
                                     <p:set>
                                       <p:cBhvr>
-                                        <p:cTn id="15" dur="1" fill="hold">
+                                        <p:cTn id="16" dur="1" fill="hold">
                                           <p:stCondLst>
                                             <p:cond delay="0"/>
                                           </p:stCondLst>
                                         </p:cTn>
                                         <p:tgtEl>
-                                          <p:spTgt spid="5">
-                                            <p:txEl>
-                                              <p:pRg st="0" end="0"/>
+                                          <p:spTgt spid="44">
+                                            <p:txEl>
+                                              <p:pRg st="2" end="2"/>
                                             </p:txEl>
                                           </p:spTgt>
                                         </p:tgtEl>
@@ -15674,11 +16347,438 @@
                                     </p:set>
                                     <p:animEffect transition="in" filter="wipe(left)">
                                       <p:cBhvr>
-                                        <p:cTn id="16" dur="500"/>
-                                        <p:tgtEl>
-                                          <p:spTgt spid="5">
-                                            <p:txEl>
-                                              <p:pRg st="0" end="0"/>
+                                        <p:cTn id="17" dur="500"/>
+                                        <p:tgtEl>
+                                          <p:spTgt spid="44">
+                                            <p:txEl>
+                                              <p:pRg st="2" end="2"/>
+                                            </p:txEl>
+                                          </p:spTgt>
+                                        </p:tgtEl>
+                                      </p:cBhvr>
+                                    </p:animEffect>
+                                  </p:childTnLst>
+                                </p:cTn>
+                              </p:par>
+                            </p:childTnLst>
+                          </p:cTn>
+                        </p:par>
+                      </p:childTnLst>
+                    </p:cTn>
+                  </p:par>
+                  <p:par>
+                    <p:cTn id="18" fill="hold">
+                      <p:stCondLst>
+                        <p:cond delay="indefinite"/>
+                      </p:stCondLst>
+                      <p:childTnLst>
+                        <p:par>
+                          <p:cTn id="19" fill="hold">
+                            <p:stCondLst>
+                              <p:cond delay="0"/>
+                            </p:stCondLst>
+                            <p:childTnLst>
+                              <p:par>
+                                <p:cTn id="20" presetID="22" presetClass="entr" presetSubtype="8" fill="hold" nodeType="clickEffect">
+                                  <p:stCondLst>
+                                    <p:cond delay="0"/>
+                                  </p:stCondLst>
+                                  <p:childTnLst>
+                                    <p:set>
+                                      <p:cBhvr>
+                                        <p:cTn id="21" dur="1" fill="hold">
+                                          <p:stCondLst>
+                                            <p:cond delay="0"/>
+                                          </p:stCondLst>
+                                        </p:cTn>
+                                        <p:tgtEl>
+                                          <p:spTgt spid="44">
+                                            <p:txEl>
+                                              <p:pRg st="3" end="3"/>
+                                            </p:txEl>
+                                          </p:spTgt>
+                                        </p:tgtEl>
+                                        <p:attrNameLst>
+                                          <p:attrName>style.visibility</p:attrName>
+                                        </p:attrNameLst>
+                                      </p:cBhvr>
+                                      <p:to>
+                                        <p:strVal val="visible"/>
+                                      </p:to>
+                                    </p:set>
+                                    <p:animEffect transition="in" filter="wipe(left)">
+                                      <p:cBhvr>
+                                        <p:cTn id="22" dur="500"/>
+                                        <p:tgtEl>
+                                          <p:spTgt spid="44">
+                                            <p:txEl>
+                                              <p:pRg st="3" end="3"/>
+                                            </p:txEl>
+                                          </p:spTgt>
+                                        </p:tgtEl>
+                                      </p:cBhvr>
+                                    </p:animEffect>
+                                  </p:childTnLst>
+                                </p:cTn>
+                              </p:par>
+                            </p:childTnLst>
+                          </p:cTn>
+                        </p:par>
+                      </p:childTnLst>
+                    </p:cTn>
+                  </p:par>
+                  <p:par>
+                    <p:cTn id="23" fill="hold">
+                      <p:stCondLst>
+                        <p:cond delay="indefinite"/>
+                      </p:stCondLst>
+                      <p:childTnLst>
+                        <p:par>
+                          <p:cTn id="24" fill="hold">
+                            <p:stCondLst>
+                              <p:cond delay="0"/>
+                            </p:stCondLst>
+                            <p:childTnLst>
+                              <p:par>
+                                <p:cTn id="25" presetID="22" presetClass="entr" presetSubtype="8" fill="hold" nodeType="clickEffect">
+                                  <p:stCondLst>
+                                    <p:cond delay="0"/>
+                                  </p:stCondLst>
+                                  <p:childTnLst>
+                                    <p:set>
+                                      <p:cBhvr>
+                                        <p:cTn id="26" dur="1" fill="hold">
+                                          <p:stCondLst>
+                                            <p:cond delay="0"/>
+                                          </p:stCondLst>
+                                        </p:cTn>
+                                        <p:tgtEl>
+                                          <p:spTgt spid="44">
+                                            <p:txEl>
+                                              <p:pRg st="5" end="5"/>
+                                            </p:txEl>
+                                          </p:spTgt>
+                                        </p:tgtEl>
+                                        <p:attrNameLst>
+                                          <p:attrName>style.visibility</p:attrName>
+                                        </p:attrNameLst>
+                                      </p:cBhvr>
+                                      <p:to>
+                                        <p:strVal val="visible"/>
+                                      </p:to>
+                                    </p:set>
+                                    <p:animEffect transition="in" filter="wipe(left)">
+                                      <p:cBhvr>
+                                        <p:cTn id="27" dur="500"/>
+                                        <p:tgtEl>
+                                          <p:spTgt spid="44">
+                                            <p:txEl>
+                                              <p:pRg st="5" end="5"/>
+                                            </p:txEl>
+                                          </p:spTgt>
+                                        </p:tgtEl>
+                                      </p:cBhvr>
+                                    </p:animEffect>
+                                  </p:childTnLst>
+                                </p:cTn>
+                              </p:par>
+                            </p:childTnLst>
+                          </p:cTn>
+                        </p:par>
+                      </p:childTnLst>
+                    </p:cTn>
+                  </p:par>
+                  <p:par>
+                    <p:cTn id="28" fill="hold">
+                      <p:stCondLst>
+                        <p:cond delay="indefinite"/>
+                      </p:stCondLst>
+                      <p:childTnLst>
+                        <p:par>
+                          <p:cTn id="29" fill="hold">
+                            <p:stCondLst>
+                              <p:cond delay="0"/>
+                            </p:stCondLst>
+                            <p:childTnLst>
+                              <p:par>
+                                <p:cTn id="30" presetID="22" presetClass="entr" presetSubtype="8" fill="hold" nodeType="clickEffect">
+                                  <p:stCondLst>
+                                    <p:cond delay="0"/>
+                                  </p:stCondLst>
+                                  <p:childTnLst>
+                                    <p:set>
+                                      <p:cBhvr>
+                                        <p:cTn id="31" dur="1" fill="hold">
+                                          <p:stCondLst>
+                                            <p:cond delay="0"/>
+                                          </p:stCondLst>
+                                        </p:cTn>
+                                        <p:tgtEl>
+                                          <p:spTgt spid="44">
+                                            <p:txEl>
+                                              <p:pRg st="7" end="7"/>
+                                            </p:txEl>
+                                          </p:spTgt>
+                                        </p:tgtEl>
+                                        <p:attrNameLst>
+                                          <p:attrName>style.visibility</p:attrName>
+                                        </p:attrNameLst>
+                                      </p:cBhvr>
+                                      <p:to>
+                                        <p:strVal val="visible"/>
+                                      </p:to>
+                                    </p:set>
+                                    <p:animEffect transition="in" filter="wipe(left)">
+                                      <p:cBhvr>
+                                        <p:cTn id="32" dur="500"/>
+                                        <p:tgtEl>
+                                          <p:spTgt spid="44">
+                                            <p:txEl>
+                                              <p:pRg st="7" end="7"/>
+                                            </p:txEl>
+                                          </p:spTgt>
+                                        </p:tgtEl>
+                                      </p:cBhvr>
+                                    </p:animEffect>
+                                  </p:childTnLst>
+                                </p:cTn>
+                              </p:par>
+                            </p:childTnLst>
+                          </p:cTn>
+                        </p:par>
+                      </p:childTnLst>
+                    </p:cTn>
+                  </p:par>
+                  <p:par>
+                    <p:cTn id="33" fill="hold">
+                      <p:stCondLst>
+                        <p:cond delay="indefinite"/>
+                      </p:stCondLst>
+                      <p:childTnLst>
+                        <p:par>
+                          <p:cTn id="34" fill="hold">
+                            <p:stCondLst>
+                              <p:cond delay="0"/>
+                            </p:stCondLst>
+                            <p:childTnLst>
+                              <p:par>
+                                <p:cTn id="35" presetID="22" presetClass="entr" presetSubtype="8" fill="hold" nodeType="clickEffect">
+                                  <p:stCondLst>
+                                    <p:cond delay="0"/>
+                                  </p:stCondLst>
+                                  <p:childTnLst>
+                                    <p:set>
+                                      <p:cBhvr>
+                                        <p:cTn id="36" dur="1" fill="hold">
+                                          <p:stCondLst>
+                                            <p:cond delay="0"/>
+                                          </p:stCondLst>
+                                        </p:cTn>
+                                        <p:tgtEl>
+                                          <p:spTgt spid="44">
+                                            <p:txEl>
+                                              <p:pRg st="9" end="9"/>
+                                            </p:txEl>
+                                          </p:spTgt>
+                                        </p:tgtEl>
+                                        <p:attrNameLst>
+                                          <p:attrName>style.visibility</p:attrName>
+                                        </p:attrNameLst>
+                                      </p:cBhvr>
+                                      <p:to>
+                                        <p:strVal val="visible"/>
+                                      </p:to>
+                                    </p:set>
+                                    <p:animEffect transition="in" filter="wipe(left)">
+                                      <p:cBhvr>
+                                        <p:cTn id="37" dur="500"/>
+                                        <p:tgtEl>
+                                          <p:spTgt spid="44">
+                                            <p:txEl>
+                                              <p:pRg st="9" end="9"/>
+                                            </p:txEl>
+                                          </p:spTgt>
+                                        </p:tgtEl>
+                                      </p:cBhvr>
+                                    </p:animEffect>
+                                  </p:childTnLst>
+                                </p:cTn>
+                              </p:par>
+                            </p:childTnLst>
+                          </p:cTn>
+                        </p:par>
+                      </p:childTnLst>
+                    </p:cTn>
+                  </p:par>
+                  <p:par>
+                    <p:cTn id="38" fill="hold">
+                      <p:stCondLst>
+                        <p:cond delay="indefinite"/>
+                      </p:stCondLst>
+                      <p:childTnLst>
+                        <p:par>
+                          <p:cTn id="39" fill="hold">
+                            <p:stCondLst>
+                              <p:cond delay="0"/>
+                            </p:stCondLst>
+                            <p:childTnLst>
+                              <p:par>
+                                <p:cTn id="40" presetID="22" presetClass="entr" presetSubtype="8" fill="hold" nodeType="clickEffect">
+                                  <p:stCondLst>
+                                    <p:cond delay="0"/>
+                                  </p:stCondLst>
+                                  <p:childTnLst>
+                                    <p:set>
+                                      <p:cBhvr>
+                                        <p:cTn id="41" dur="1" fill="hold">
+                                          <p:stCondLst>
+                                            <p:cond delay="0"/>
+                                          </p:stCondLst>
+                                        </p:cTn>
+                                        <p:tgtEl>
+                                          <p:spTgt spid="44">
+                                            <p:txEl>
+                                              <p:pRg st="11" end="11"/>
+                                            </p:txEl>
+                                          </p:spTgt>
+                                        </p:tgtEl>
+                                        <p:attrNameLst>
+                                          <p:attrName>style.visibility</p:attrName>
+                                        </p:attrNameLst>
+                                      </p:cBhvr>
+                                      <p:to>
+                                        <p:strVal val="visible"/>
+                                      </p:to>
+                                    </p:set>
+                                    <p:animEffect transition="in" filter="wipe(left)">
+                                      <p:cBhvr>
+                                        <p:cTn id="42" dur="500"/>
+                                        <p:tgtEl>
+                                          <p:spTgt spid="44">
+                                            <p:txEl>
+                                              <p:pRg st="11" end="11"/>
+                                            </p:txEl>
+                                          </p:spTgt>
+                                        </p:tgtEl>
+                                      </p:cBhvr>
+                                    </p:animEffect>
+                                  </p:childTnLst>
+                                </p:cTn>
+                              </p:par>
+                            </p:childTnLst>
+                          </p:cTn>
+                        </p:par>
+                      </p:childTnLst>
+                    </p:cTn>
+                  </p:par>
+                  <p:par>
+                    <p:cTn id="43" fill="hold">
+                      <p:stCondLst>
+                        <p:cond delay="indefinite"/>
+                      </p:stCondLst>
+                      <p:childTnLst>
+                        <p:par>
+                          <p:cTn id="44" fill="hold">
+                            <p:stCondLst>
+                              <p:cond delay="0"/>
+                            </p:stCondLst>
+                            <p:childTnLst>
+                              <p:par>
+                                <p:cTn id="45" presetID="22" presetClass="entr" presetSubtype="8" fill="hold" nodeType="clickEffect">
+                                  <p:stCondLst>
+                                    <p:cond delay="0"/>
+                                  </p:stCondLst>
+                                  <p:childTnLst>
+                                    <p:set>
+                                      <p:cBhvr>
+                                        <p:cTn id="46" dur="1" fill="hold">
+                                          <p:stCondLst>
+                                            <p:cond delay="0"/>
+                                          </p:stCondLst>
+                                        </p:cTn>
+                                        <p:tgtEl>
+                                          <p:spTgt spid="44">
+                                            <p:txEl>
+                                              <p:pRg st="12" end="12"/>
+                                            </p:txEl>
+                                          </p:spTgt>
+                                        </p:tgtEl>
+                                        <p:attrNameLst>
+                                          <p:attrName>style.visibility</p:attrName>
+                                        </p:attrNameLst>
+                                      </p:cBhvr>
+                                      <p:to>
+                                        <p:strVal val="visible"/>
+                                      </p:to>
+                                    </p:set>
+                                    <p:animEffect transition="in" filter="wipe(left)">
+                                      <p:cBhvr>
+                                        <p:cTn id="47" dur="500"/>
+                                        <p:tgtEl>
+                                          <p:spTgt spid="44">
+                                            <p:txEl>
+                                              <p:pRg st="12" end="12"/>
+                                            </p:txEl>
+                                          </p:spTgt>
+                                        </p:tgtEl>
+                                      </p:cBhvr>
+                                    </p:animEffect>
+                                  </p:childTnLst>
+                                </p:cTn>
+                              </p:par>
+                            </p:childTnLst>
+                          </p:cTn>
+                        </p:par>
+                      </p:childTnLst>
+                    </p:cTn>
+                  </p:par>
+                  <p:par>
+                    <p:cTn id="48" fill="hold">
+                      <p:stCondLst>
+                        <p:cond delay="indefinite"/>
+                      </p:stCondLst>
+                      <p:childTnLst>
+                        <p:par>
+                          <p:cTn id="49" fill="hold">
+                            <p:stCondLst>
+                              <p:cond delay="0"/>
+                            </p:stCondLst>
+                            <p:childTnLst>
+                              <p:par>
+                                <p:cTn id="50" presetID="22" presetClass="entr" presetSubtype="8" fill="hold" nodeType="clickEffect">
+                                  <p:stCondLst>
+                                    <p:cond delay="0"/>
+                                  </p:stCondLst>
+                                  <p:childTnLst>
+                                    <p:set>
+                                      <p:cBhvr>
+                                        <p:cTn id="51" dur="1" fill="hold">
+                                          <p:stCondLst>
+                                            <p:cond delay="0"/>
+                                          </p:stCondLst>
+                                        </p:cTn>
+                                        <p:tgtEl>
+                                          <p:spTgt spid="44">
+                                            <p:txEl>
+                                              <p:pRg st="13" end="13"/>
+                                            </p:txEl>
+                                          </p:spTgt>
+                                        </p:tgtEl>
+                                        <p:attrNameLst>
+                                          <p:attrName>style.visibility</p:attrName>
+                                        </p:attrNameLst>
+                                      </p:cBhvr>
+                                      <p:to>
+                                        <p:strVal val="visible"/>
+                                      </p:to>
+                                    </p:set>
+                                    <p:animEffect transition="in" filter="wipe(left)">
+                                      <p:cBhvr>
+                                        <p:cTn id="52" dur="500"/>
+                                        <p:tgtEl>
+                                          <p:spTgt spid="44">
+                                            <p:txEl>
+                                              <p:pRg st="13" end="13"/>
                                             </p:txEl>
                                           </p:spTgt>
                                         </p:tgtEl>
@@ -15752,7 +16852,110 @@
           <a:p>
             <a:r>
               <a:rPr lang="zh-CN" altLang="en-US"/>
-              <a:t>野指针</a:t>
+              <a:t>安装包瘦身</a:t>
+            </a:r>
+            <a:endParaRPr lang="zh-CN" altLang="en-US"/>
+          </a:p>
+        </p:txBody>
+      </p:sp>
+      <p:pic>
+        <p:nvPicPr>
+          <p:cNvPr id="2" name="图片 1"/>
+          <p:cNvPicPr>
+            <a:picLocks noChangeAspect="1"/>
+          </p:cNvPicPr>
+          <p:nvPr/>
+        </p:nvPicPr>
+        <p:blipFill>
+          <a:blip r:embed="rId1"/>
+          <a:stretch>
+            <a:fillRect/>
+          </a:stretch>
+        </p:blipFill>
+        <p:spPr>
+          <a:xfrm>
+            <a:off x="5879465" y="3712210"/>
+            <a:ext cx="5984240" cy="2831465"/>
+          </a:xfrm>
+          <a:prstGeom prst="rect">
+            <a:avLst/>
+          </a:prstGeom>
+        </p:spPr>
+      </p:pic>
+      <p:pic>
+        <p:nvPicPr>
+          <p:cNvPr id="5" name="图片 4"/>
+          <p:cNvPicPr>
+            <a:picLocks noChangeAspect="1"/>
+          </p:cNvPicPr>
+          <p:nvPr/>
+        </p:nvPicPr>
+        <p:blipFill>
+          <a:blip r:embed="rId2"/>
+          <a:stretch>
+            <a:fillRect/>
+          </a:stretch>
+        </p:blipFill>
+        <p:spPr>
+          <a:xfrm>
+            <a:off x="702310" y="1183005"/>
+            <a:ext cx="6085205" cy="2917825"/>
+          </a:xfrm>
+          <a:prstGeom prst="rect">
+            <a:avLst/>
+          </a:prstGeom>
+        </p:spPr>
+      </p:pic>
+    </p:spTree>
+  </p:cSld>
+  <p:clrMapOvr>
+    <a:masterClrMapping/>
+  </p:clrMapOvr>
+  <p:timing>
+    <p:tnLst>
+      <p:par>
+        <p:cTn id="1" dur="indefinite" restart="never" nodeType="tmRoot"/>
+      </p:par>
+    </p:tnLst>
+  </p:timing>
+</p:sld>
+</file>
+
+<file path=ppt/slides/slide25.xml><?xml version="1.0" encoding="utf-8"?>
+<p:sld xmlns:a="http://schemas.openxmlformats.org/drawingml/2006/main" xmlns:r="http://schemas.openxmlformats.org/officeDocument/2006/relationships" xmlns:p="http://schemas.openxmlformats.org/presentationml/2006/main">
+  <p:cSld>
+    <p:spTree>
+      <p:nvGrpSpPr>
+        <p:cNvPr id="1" name=""/>
+        <p:cNvGrpSpPr/>
+        <p:nvPr/>
+      </p:nvGrpSpPr>
+      <p:grpSpPr>
+        <a:xfrm>
+          <a:off x="0" y="0"/>
+          <a:ext cx="0" cy="0"/>
+          <a:chOff x="0" y="0"/>
+          <a:chExt cx="0" cy="0"/>
+        </a:xfrm>
+      </p:grpSpPr>
+      <p:sp>
+        <p:nvSpPr>
+          <p:cNvPr id="4" name="标题 3"/>
+          <p:cNvSpPr>
+            <a:spLocks noGrp="1"/>
+          </p:cNvSpPr>
+          <p:nvPr>
+            <p:ph type="title"/>
+          </p:nvPr>
+        </p:nvSpPr>
+        <p:spPr/>
+        <p:txBody>
+          <a:bodyPr/>
+          <a:lstStyle/>
+          <a:p>
+            <a:r>
+              <a:rPr lang="en-US" altLang="zh-CN"/>
+              <a:t>LinkMap</a:t>
             </a:r>
             <a:endParaRPr lang="zh-CN" altLang="en-US"/>
           </a:p>
@@ -15766,8 +16969,8 @@
         </p:nvSpPr>
         <p:spPr>
           <a:xfrm>
-            <a:off x="376555" y="1068705"/>
-            <a:ext cx="11501755" cy="5643245"/>
+            <a:off x="376692" y="1220991"/>
+            <a:ext cx="11501313" cy="465306"/>
           </a:xfrm>
           <a:prstGeom prst="rect">
             <a:avLst/>
@@ -15798,9 +17001,35 @@
                 <a:latin typeface="微软雅黑" panose="020B0503020204020204" pitchFamily="34" charset="-122"/>
                 <a:ea typeface="微软雅黑" panose="020B0503020204020204" pitchFamily="34" charset="-122"/>
               </a:rPr>
-              <a:t>什么是野指针？</a:t>
-            </a:r>
-            <a:endParaRPr lang="zh-CN" altLang="en-US" sz="1600">
+              <a:t>生成</a:t>
+            </a:r>
+            <a:r>
+              <a:rPr lang="en-US" altLang="zh-CN" sz="1600">
+                <a:solidFill>
+                  <a:schemeClr val="tx1">
+                    <a:lumMod val="65000"/>
+                    <a:lumOff val="35000"/>
+                  </a:schemeClr>
+                </a:solidFill>
+                <a:latin typeface="微软雅黑" panose="020B0503020204020204" pitchFamily="34" charset="-122"/>
+                <a:ea typeface="微软雅黑" panose="020B0503020204020204" pitchFamily="34" charset="-122"/>
+              </a:rPr>
+              <a:t>LinkMap</a:t>
+            </a:r>
+            <a:r>
+              <a:rPr lang="zh-CN" altLang="en-US" sz="1600">
+                <a:solidFill>
+                  <a:schemeClr val="tx1">
+                    <a:lumMod val="65000"/>
+                    <a:lumOff val="35000"/>
+                  </a:schemeClr>
+                </a:solidFill>
+                <a:latin typeface="微软雅黑" panose="020B0503020204020204" pitchFamily="34" charset="-122"/>
+                <a:ea typeface="微软雅黑" panose="020B0503020204020204" pitchFamily="34" charset="-122"/>
+              </a:rPr>
+              <a:t>文件，可以查看可执行文件的具体组成</a:t>
+            </a:r>
+            <a:endParaRPr lang="en-US" altLang="zh-CN" sz="1600">
               <a:solidFill>
                 <a:schemeClr val="tx1">
                   <a:lumMod val="65000"/>
@@ -15811,8 +17040,60 @@
               <a:ea typeface="微软雅黑" panose="020B0503020204020204" pitchFamily="34" charset="-122"/>
             </a:endParaRPr>
           </a:p>
-          <a:p>
-            <a:pPr marL="800100" lvl="1" indent="-342900">
+        </p:txBody>
+      </p:sp>
+      <p:pic>
+        <p:nvPicPr>
+          <p:cNvPr id="2" name="图片 1"/>
+          <p:cNvPicPr>
+            <a:picLocks noChangeAspect="1"/>
+          </p:cNvPicPr>
+          <p:nvPr/>
+        </p:nvPicPr>
+        <p:blipFill>
+          <a:blip r:embed="rId1"/>
+          <a:stretch>
+            <a:fillRect/>
+          </a:stretch>
+        </p:blipFill>
+        <p:spPr>
+          <a:xfrm>
+            <a:off x="496536" y="1733797"/>
+            <a:ext cx="8420100" cy="2159000"/>
+          </a:xfrm>
+          <a:prstGeom prst="rect">
+            <a:avLst/>
+          </a:prstGeom>
+          <a:ln>
+            <a:solidFill>
+              <a:schemeClr val="tx1"/>
+            </a:solidFill>
+          </a:ln>
+        </p:spPr>
+      </p:pic>
+      <p:sp>
+        <p:nvSpPr>
+          <p:cNvPr id="5" name="文本框 4"/>
+          <p:cNvSpPr txBox="1"/>
+          <p:nvPr/>
+        </p:nvSpPr>
+        <p:spPr>
+          <a:xfrm>
+            <a:off x="376691" y="4247219"/>
+            <a:ext cx="11501313" cy="465306"/>
+          </a:xfrm>
+          <a:prstGeom prst="rect">
+            <a:avLst/>
+          </a:prstGeom>
+          <a:noFill/>
+        </p:spPr>
+        <p:txBody>
+          <a:bodyPr wrap="square" rtlCol="0">
+            <a:noAutofit/>
+          </a:bodyPr>
+          <a:lstStyle/>
+          <a:p>
+            <a:pPr marL="342900" indent="-342900">
               <a:lnSpc>
                 <a:spcPts val="2200"/>
               </a:lnSpc>
@@ -15830,27 +17111,21 @@
                 <a:latin typeface="微软雅黑" panose="020B0503020204020204" pitchFamily="34" charset="-122"/>
                 <a:ea typeface="微软雅黑" panose="020B0503020204020204" pitchFamily="34" charset="-122"/>
               </a:rPr>
-              <a:t>指向一个已经删除的对象或未申请访问受限内存区域的指针。而这里的野指针主要是指对象释放后，指针未置空导致的野指针。该类Crash发生比较随机，找出来比较费劲，比较常见的做法是在开发阶段就提高这类Crash的复现率，尽可能的将其发现并解决。</a:t>
-            </a:r>
-            <a:endParaRPr lang="zh-CN" altLang="en-US" sz="1600">
-              <a:solidFill>
-                <a:schemeClr val="tx1">
-                  <a:lumMod val="65000"/>
-                  <a:lumOff val="35000"/>
-                </a:schemeClr>
-              </a:solidFill>
-              <a:latin typeface="微软雅黑" panose="020B0503020204020204" pitchFamily="34" charset="-122"/>
-              <a:ea typeface="微软雅黑" panose="020B0503020204020204" pitchFamily="34" charset="-122"/>
-            </a:endParaRPr>
-          </a:p>
-          <a:p>
-            <a:pPr marL="800100" lvl="1" indent="-342900">
-              <a:lnSpc>
-                <a:spcPts val="2200"/>
-              </a:lnSpc>
-              <a:buFont typeface="Wingdings" panose="05000000000000000000" pitchFamily="2" charset="2"/>
-              <a:buChar char="n"/>
-            </a:pPr>
+              <a:t>可借助第三方工具解析</a:t>
+            </a:r>
+            <a:r>
+              <a:rPr lang="en-US" altLang="zh-CN" sz="1600">
+                <a:solidFill>
+                  <a:schemeClr val="tx1">
+                    <a:lumMod val="65000"/>
+                    <a:lumOff val="35000"/>
+                  </a:schemeClr>
+                </a:solidFill>
+                <a:latin typeface="微软雅黑" panose="020B0503020204020204" pitchFamily="34" charset="-122"/>
+                <a:ea typeface="微软雅黑" panose="020B0503020204020204" pitchFamily="34" charset="-122"/>
+              </a:rPr>
+              <a:t>LinkMap</a:t>
+            </a:r>
             <a:r>
               <a:rPr lang="zh-CN" altLang="en-US" sz="1600">
                 <a:solidFill>
@@ -15862,218 +17137,34 @@
                 <a:latin typeface="微软雅黑" panose="020B0503020204020204" pitchFamily="34" charset="-122"/>
                 <a:ea typeface="微软雅黑" panose="020B0503020204020204" pitchFamily="34" charset="-122"/>
               </a:rPr>
-              <a:t>向OC对象发出release消息，只是标记对象占用的那块内存可以被释放，系统并没有立即收回内存；如果此时还向该对象发送其他消息，可能会发生Crash,也可能没有问题。</a:t>
-            </a:r>
-            <a:endParaRPr lang="zh-CN" altLang="en-US" sz="1600">
-              <a:solidFill>
-                <a:schemeClr val="tx1">
-                  <a:lumMod val="65000"/>
-                  <a:lumOff val="35000"/>
-                </a:schemeClr>
-              </a:solidFill>
-              <a:latin typeface="微软雅黑" panose="020B0503020204020204" pitchFamily="34" charset="-122"/>
-              <a:ea typeface="微软雅黑" panose="020B0503020204020204" pitchFamily="34" charset="-122"/>
-            </a:endParaRPr>
-          </a:p>
-          <a:p>
-            <a:pPr marL="800100" lvl="1" indent="-342900">
-              <a:lnSpc>
-                <a:spcPts val="2200"/>
-              </a:lnSpc>
-              <a:buFont typeface="Wingdings" panose="05000000000000000000" pitchFamily="2" charset="2"/>
-              <a:buChar char="n"/>
-            </a:pPr>
-            <a:r>
-              <a:rPr lang="zh-CN" altLang="en-US" sz="1600">
-                <a:solidFill>
-                  <a:schemeClr val="tx1">
-                    <a:lumMod val="65000"/>
-                    <a:lumOff val="35000"/>
-                  </a:schemeClr>
-                </a:solidFill>
-                <a:latin typeface="微软雅黑" panose="020B0503020204020204" pitchFamily="34" charset="-122"/>
-                <a:ea typeface="微软雅黑" panose="020B0503020204020204" pitchFamily="34" charset="-122"/>
-              </a:rPr>
-              <a:t>野指针造成的Crash随机性比较大，但是被随机填入的数据是不可访问的情况下，Crash是必现的。</a:t>
-            </a:r>
-            <a:endParaRPr lang="zh-CN" altLang="en-US" sz="1600">
-              <a:solidFill>
-                <a:schemeClr val="tx1">
-                  <a:lumMod val="65000"/>
-                  <a:lumOff val="35000"/>
-                </a:schemeClr>
-              </a:solidFill>
-              <a:latin typeface="微软雅黑" panose="020B0503020204020204" pitchFamily="34" charset="-122"/>
-              <a:ea typeface="微软雅黑" panose="020B0503020204020204" pitchFamily="34" charset="-122"/>
-            </a:endParaRPr>
-          </a:p>
-          <a:p>
-            <a:pPr marL="800100" lvl="1" indent="-342900">
-              <a:lnSpc>
-                <a:spcPts val="2200"/>
-              </a:lnSpc>
-              <a:buFont typeface="Wingdings" panose="05000000000000000000" pitchFamily="2" charset="2"/>
-              <a:buChar char="n"/>
-            </a:pPr>
-            <a:r>
-              <a:rPr lang="zh-CN" altLang="en-US" sz="1600">
-                <a:solidFill>
-                  <a:schemeClr val="tx1">
-                    <a:lumMod val="65000"/>
-                    <a:lumOff val="35000"/>
-                  </a:schemeClr>
-                </a:solidFill>
-                <a:latin typeface="微软雅黑" panose="020B0503020204020204" pitchFamily="34" charset="-122"/>
-                <a:ea typeface="微软雅黑" panose="020B0503020204020204" pitchFamily="34" charset="-122"/>
-              </a:rPr>
-              <a:t>解决思路是：想办法给野指针指向的内存填写不可访问的数据，让随机的Crash变成必现的Crash。</a:t>
-            </a:r>
-            <a:endParaRPr lang="zh-CN" altLang="en-US" sz="1600">
-              <a:solidFill>
-                <a:schemeClr val="tx1">
-                  <a:lumMod val="65000"/>
-                  <a:lumOff val="35000"/>
-                </a:schemeClr>
-              </a:solidFill>
-              <a:latin typeface="微软雅黑" panose="020B0503020204020204" pitchFamily="34" charset="-122"/>
-              <a:ea typeface="微软雅黑" panose="020B0503020204020204" pitchFamily="34" charset="-122"/>
-            </a:endParaRPr>
-          </a:p>
-          <a:p>
-            <a:pPr marL="800100" lvl="1" indent="-342900">
-              <a:lnSpc>
-                <a:spcPts val="2200"/>
-              </a:lnSpc>
-              <a:buFont typeface="Wingdings" panose="05000000000000000000" pitchFamily="2" charset="2"/>
-              <a:buChar char="n"/>
-            </a:pPr>
-            <a:endParaRPr lang="zh-CN" altLang="en-US" sz="1600">
-              <a:solidFill>
-                <a:schemeClr val="tx1">
-                  <a:lumMod val="65000"/>
-                  <a:lumOff val="35000"/>
-                </a:schemeClr>
-              </a:solidFill>
-              <a:latin typeface="微软雅黑" panose="020B0503020204020204" pitchFamily="34" charset="-122"/>
-              <a:ea typeface="微软雅黑" panose="020B0503020204020204" pitchFamily="34" charset="-122"/>
-            </a:endParaRPr>
-          </a:p>
-          <a:p>
-            <a:pPr marL="342900" lvl="0" indent="-342900">
-              <a:lnSpc>
-                <a:spcPts val="2200"/>
-              </a:lnSpc>
-              <a:buFont typeface="Wingdings" panose="05000000000000000000" pitchFamily="2" charset="2"/>
-              <a:buChar char="n"/>
-            </a:pPr>
-            <a:r>
-              <a:rPr lang="zh-CN" altLang="en-US" sz="1600">
-                <a:solidFill>
-                  <a:schemeClr val="tx1">
-                    <a:lumMod val="65000"/>
-                    <a:lumOff val="35000"/>
-                  </a:schemeClr>
-                </a:solidFill>
-                <a:latin typeface="微软雅黑" panose="020B0503020204020204" pitchFamily="34" charset="-122"/>
-                <a:ea typeface="微软雅黑" panose="020B0503020204020204" pitchFamily="34" charset="-122"/>
-              </a:rPr>
-              <a:t>定位野指针</a:t>
-            </a:r>
-            <a:endParaRPr lang="zh-CN" altLang="en-US" sz="1600">
-              <a:solidFill>
-                <a:schemeClr val="tx1">
-                  <a:lumMod val="65000"/>
-                  <a:lumOff val="35000"/>
-                </a:schemeClr>
-              </a:solidFill>
-              <a:latin typeface="微软雅黑" panose="020B0503020204020204" pitchFamily="34" charset="-122"/>
-              <a:ea typeface="微软雅黑" panose="020B0503020204020204" pitchFamily="34" charset="-122"/>
-            </a:endParaRPr>
-          </a:p>
-          <a:p>
-            <a:pPr marL="800100" lvl="1" indent="-342900">
-              <a:lnSpc>
-                <a:spcPts val="2200"/>
-              </a:lnSpc>
-              <a:buFont typeface="Wingdings" panose="05000000000000000000" pitchFamily="2" charset="2"/>
-              <a:buChar char="n"/>
-            </a:pPr>
-            <a:r>
-              <a:rPr lang="zh-CN" altLang="en-US" sz="1600">
-                <a:solidFill>
-                  <a:schemeClr val="tx1">
-                    <a:lumMod val="65000"/>
-                    <a:lumOff val="35000"/>
-                  </a:schemeClr>
-                </a:solidFill>
-                <a:latin typeface="微软雅黑" panose="020B0503020204020204" pitchFamily="34" charset="-122"/>
-                <a:ea typeface="微软雅黑" panose="020B0503020204020204" pitchFamily="34" charset="-122"/>
-              </a:rPr>
-              <a:t>内存涂鸦（Malloc Scribble）：Xcode提供的Malloc Scribble，可以将对象释放后在内存上填上不可访问的数据，将随机发生变成不随机发生的事情，选中Product-&gt;Scheme-&gt;Edit Scheme -&gt;Diagnostics – &gt;勾选 Malloc Scribble项；设置了Enable Scribble，在对象申请内存后在申请的内存上填0xaa，内存释放后在释放的内存上填0x55；如果内存未被初始化就被访问，或者释放后被访问，Crash必现。</a:t>
-            </a:r>
-            <a:endParaRPr lang="zh-CN" altLang="en-US" sz="1600">
-              <a:solidFill>
-                <a:schemeClr val="tx1">
-                  <a:lumMod val="65000"/>
-                  <a:lumOff val="35000"/>
-                </a:schemeClr>
-              </a:solidFill>
-              <a:latin typeface="微软雅黑" panose="020B0503020204020204" pitchFamily="34" charset="-122"/>
-              <a:ea typeface="微软雅黑" panose="020B0503020204020204" pitchFamily="34" charset="-122"/>
-            </a:endParaRPr>
-          </a:p>
-          <a:p>
-            <a:pPr marL="1257300" lvl="2" indent="-342900">
-              <a:lnSpc>
-                <a:spcPts val="2200"/>
-              </a:lnSpc>
-              <a:buFont typeface="Wingdings" panose="05000000000000000000" pitchFamily="2" charset="2"/>
-              <a:buChar char="n"/>
-            </a:pPr>
-            <a:r>
-              <a:rPr lang="zh-CN" altLang="en-US" sz="1600">
-                <a:solidFill>
-                  <a:schemeClr val="tx1">
-                    <a:lumMod val="65000"/>
-                    <a:lumOff val="35000"/>
-                  </a:schemeClr>
-                </a:solidFill>
-                <a:latin typeface="微软雅黑" panose="020B0503020204020204" pitchFamily="34" charset="-122"/>
-                <a:ea typeface="微软雅黑" panose="020B0503020204020204" pitchFamily="34" charset="-122"/>
-              </a:rPr>
-              <a:t>Warning：该方法必须连接Xcode运行代码才能发现，并不适合测试人员使用。</a:t>
-            </a:r>
-            <a:endParaRPr lang="zh-CN" altLang="en-US" sz="1600">
-              <a:solidFill>
-                <a:schemeClr val="tx1">
-                  <a:lumMod val="65000"/>
-                  <a:lumOff val="35000"/>
-                </a:schemeClr>
-              </a:solidFill>
-              <a:latin typeface="微软雅黑" panose="020B0503020204020204" pitchFamily="34" charset="-122"/>
-              <a:ea typeface="微软雅黑" panose="020B0503020204020204" pitchFamily="34" charset="-122"/>
-            </a:endParaRPr>
-          </a:p>
-          <a:p>
-            <a:pPr marL="800100" lvl="1" indent="-342900">
-              <a:lnSpc>
-                <a:spcPts val="2200"/>
-              </a:lnSpc>
-              <a:buFont typeface="Wingdings" panose="05000000000000000000" pitchFamily="2" charset="2"/>
-              <a:buChar char="n"/>
-            </a:pPr>
-            <a:r>
-              <a:rPr lang="zh-CN" altLang="en-US" sz="1600">
-                <a:solidFill>
-                  <a:schemeClr val="tx1">
-                    <a:lumMod val="65000"/>
-                    <a:lumOff val="35000"/>
-                  </a:schemeClr>
-                </a:solidFill>
-                <a:latin typeface="微软雅黑" panose="020B0503020204020204" pitchFamily="34" charset="-122"/>
-                <a:ea typeface="微软雅黑" panose="020B0503020204020204" pitchFamily="34" charset="-122"/>
-              </a:rPr>
-              <a:t>僵尸对象（NSZombieEnabled）：Xcode提供的NSZombieEnabled，通过生成僵尸对象来替换dealloc的实现，当对象引用计数为0 的时候，将需要dealloc的对象转化为僵尸对象。如果之后再给这个僵尸对象发消息则抛异常。先选中Product -&gt; Scheme -&gt; Edit Scheme -&gt; Diagnostics -&gt; 勾选Zombie Objects 项；然后在Product -&gt; Scheme -&gt; Edit Scheme -&gt; Arguments设置NSZombieEnabled、MallocStackLoggingNoCompact两个变量，且值均为YES。</a:t>
+              <a:t>文件：</a:t>
+            </a:r>
+            <a:r>
+              <a:rPr lang="en-US" altLang="zh-CN" sz="1600">
+                <a:solidFill>
+                  <a:schemeClr val="tx1">
+                    <a:lumMod val="65000"/>
+                    <a:lumOff val="35000"/>
+                  </a:schemeClr>
+                </a:solidFill>
+                <a:latin typeface="微软雅黑" panose="020B0503020204020204" pitchFamily="34" charset="-122"/>
+                <a:ea typeface="微软雅黑" panose="020B0503020204020204" pitchFamily="34" charset="-122"/>
+              </a:rPr>
+              <a:t> </a:t>
+            </a:r>
+            <a:r>
+              <a:rPr lang="en-US" altLang="zh-CN" sz="1600">
+                <a:solidFill>
+                  <a:schemeClr val="tx1">
+                    <a:lumMod val="65000"/>
+                    <a:lumOff val="35000"/>
+                  </a:schemeClr>
+                </a:solidFill>
+                <a:latin typeface="微软雅黑" panose="020B0503020204020204" pitchFamily="34" charset="-122"/>
+                <a:ea typeface="微软雅黑" panose="020B0503020204020204" pitchFamily="34" charset="-122"/>
+                <a:hlinkClick r:id="rId2"/>
+              </a:rPr>
+              <a:t>https://github.com/huanxsd/LinkMap</a:t>
             </a:r>
             <a:endParaRPr lang="en-US" altLang="zh-CN" sz="1600">
               <a:solidFill>
@@ -16175,7 +17266,7 @@
                             </p:stCondLst>
                             <p:childTnLst>
                               <p:par>
-                                <p:cTn id="10" presetID="22" presetClass="entr" presetSubtype="8" fill="hold" nodeType="clickEffect">
+                                <p:cTn id="10" presetID="1" presetClass="entr" presetSubtype="0" fill="hold" nodeType="clickEffect">
                                   <p:stCondLst>
                                     <p:cond delay="0"/>
                                   </p:stCondLst>
@@ -16188,11 +17279,7 @@
                                           </p:stCondLst>
                                         </p:cTn>
                                         <p:tgtEl>
-                                          <p:spTgt spid="44">
-                                            <p:txEl>
-                                              <p:pRg st="1" end="1"/>
-                                            </p:txEl>
-                                          </p:spTgt>
+                                          <p:spTgt spid="2"/>
                                         </p:tgtEl>
                                         <p:attrNameLst>
                                           <p:attrName>style.visibility</p:attrName>
@@ -16202,18 +17289,6 @@
                                         <p:strVal val="visible"/>
                                       </p:to>
                                     </p:set>
-                                    <p:animEffect transition="in" filter="wipe(left)">
-                                      <p:cBhvr>
-                                        <p:cTn id="12" dur="500"/>
-                                        <p:tgtEl>
-                                          <p:spTgt spid="44">
-                                            <p:txEl>
-                                              <p:pRg st="1" end="1"/>
-                                            </p:txEl>
-                                          </p:spTgt>
-                                        </p:tgtEl>
-                                      </p:cBhvr>
-                                    </p:animEffect>
                                   </p:childTnLst>
                                 </p:cTn>
                               </p:par>
@@ -16224,34 +17299,34 @@
                     </p:cTn>
                   </p:par>
                   <p:par>
-                    <p:cTn id="13" fill="hold">
+                    <p:cTn id="12" fill="hold">
                       <p:stCondLst>
                         <p:cond delay="indefinite"/>
                       </p:stCondLst>
                       <p:childTnLst>
                         <p:par>
-                          <p:cTn id="14" fill="hold">
+                          <p:cTn id="13" fill="hold">
                             <p:stCondLst>
                               <p:cond delay="0"/>
                             </p:stCondLst>
                             <p:childTnLst>
                               <p:par>
-                                <p:cTn id="15" presetID="22" presetClass="entr" presetSubtype="8" fill="hold" nodeType="clickEffect">
+                                <p:cTn id="14" presetID="22" presetClass="entr" presetSubtype="8" fill="hold" nodeType="clickEffect">
                                   <p:stCondLst>
                                     <p:cond delay="0"/>
                                   </p:stCondLst>
                                   <p:childTnLst>
                                     <p:set>
                                       <p:cBhvr>
-                                        <p:cTn id="16" dur="1" fill="hold">
+                                        <p:cTn id="15" dur="1" fill="hold">
                                           <p:stCondLst>
                                             <p:cond delay="0"/>
                                           </p:stCondLst>
                                         </p:cTn>
                                         <p:tgtEl>
-                                          <p:spTgt spid="44">
-                                            <p:txEl>
-                                              <p:pRg st="2" end="2"/>
+                                          <p:spTgt spid="5">
+                                            <p:txEl>
+                                              <p:pRg st="0" end="0"/>
                                             </p:txEl>
                                           </p:spTgt>
                                         </p:tgtEl>
@@ -16265,377 +17340,11 @@
                                     </p:set>
                                     <p:animEffect transition="in" filter="wipe(left)">
                                       <p:cBhvr>
-                                        <p:cTn id="17" dur="500"/>
-                                        <p:tgtEl>
-                                          <p:spTgt spid="44">
-                                            <p:txEl>
-                                              <p:pRg st="2" end="2"/>
-                                            </p:txEl>
-                                          </p:spTgt>
-                                        </p:tgtEl>
-                                      </p:cBhvr>
-                                    </p:animEffect>
-                                  </p:childTnLst>
-                                </p:cTn>
-                              </p:par>
-                            </p:childTnLst>
-                          </p:cTn>
-                        </p:par>
-                      </p:childTnLst>
-                    </p:cTn>
-                  </p:par>
-                  <p:par>
-                    <p:cTn id="18" fill="hold">
-                      <p:stCondLst>
-                        <p:cond delay="indefinite"/>
-                      </p:stCondLst>
-                      <p:childTnLst>
-                        <p:par>
-                          <p:cTn id="19" fill="hold">
-                            <p:stCondLst>
-                              <p:cond delay="0"/>
-                            </p:stCondLst>
-                            <p:childTnLst>
-                              <p:par>
-                                <p:cTn id="20" presetID="22" presetClass="entr" presetSubtype="8" fill="hold" nodeType="clickEffect">
-                                  <p:stCondLst>
-                                    <p:cond delay="0"/>
-                                  </p:stCondLst>
-                                  <p:childTnLst>
-                                    <p:set>
-                                      <p:cBhvr>
-                                        <p:cTn id="21" dur="1" fill="hold">
-                                          <p:stCondLst>
-                                            <p:cond delay="0"/>
-                                          </p:stCondLst>
-                                        </p:cTn>
-                                        <p:tgtEl>
-                                          <p:spTgt spid="44">
-                                            <p:txEl>
-                                              <p:pRg st="3" end="3"/>
-                                            </p:txEl>
-                                          </p:spTgt>
-                                        </p:tgtEl>
-                                        <p:attrNameLst>
-                                          <p:attrName>style.visibility</p:attrName>
-                                        </p:attrNameLst>
-                                      </p:cBhvr>
-                                      <p:to>
-                                        <p:strVal val="visible"/>
-                                      </p:to>
-                                    </p:set>
-                                    <p:animEffect transition="in" filter="wipe(left)">
-                                      <p:cBhvr>
-                                        <p:cTn id="22" dur="500"/>
-                                        <p:tgtEl>
-                                          <p:spTgt spid="44">
-                                            <p:txEl>
-                                              <p:pRg st="3" end="3"/>
-                                            </p:txEl>
-                                          </p:spTgt>
-                                        </p:tgtEl>
-                                      </p:cBhvr>
-                                    </p:animEffect>
-                                  </p:childTnLst>
-                                </p:cTn>
-                              </p:par>
-                            </p:childTnLst>
-                          </p:cTn>
-                        </p:par>
-                      </p:childTnLst>
-                    </p:cTn>
-                  </p:par>
-                  <p:par>
-                    <p:cTn id="23" fill="hold">
-                      <p:stCondLst>
-                        <p:cond delay="indefinite"/>
-                      </p:stCondLst>
-                      <p:childTnLst>
-                        <p:par>
-                          <p:cTn id="24" fill="hold">
-                            <p:stCondLst>
-                              <p:cond delay="0"/>
-                            </p:stCondLst>
-                            <p:childTnLst>
-                              <p:par>
-                                <p:cTn id="25" presetID="22" presetClass="entr" presetSubtype="8" fill="hold" nodeType="clickEffect">
-                                  <p:stCondLst>
-                                    <p:cond delay="0"/>
-                                  </p:stCondLst>
-                                  <p:childTnLst>
-                                    <p:set>
-                                      <p:cBhvr>
-                                        <p:cTn id="26" dur="1" fill="hold">
-                                          <p:stCondLst>
-                                            <p:cond delay="0"/>
-                                          </p:stCondLst>
-                                        </p:cTn>
-                                        <p:tgtEl>
-                                          <p:spTgt spid="44">
-                                            <p:txEl>
-                                              <p:pRg st="4" end="4"/>
-                                            </p:txEl>
-                                          </p:spTgt>
-                                        </p:tgtEl>
-                                        <p:attrNameLst>
-                                          <p:attrName>style.visibility</p:attrName>
-                                        </p:attrNameLst>
-                                      </p:cBhvr>
-                                      <p:to>
-                                        <p:strVal val="visible"/>
-                                      </p:to>
-                                    </p:set>
-                                    <p:animEffect transition="in" filter="wipe(left)">
-                                      <p:cBhvr>
-                                        <p:cTn id="27" dur="500"/>
-                                        <p:tgtEl>
-                                          <p:spTgt spid="44">
-                                            <p:txEl>
-                                              <p:pRg st="4" end="4"/>
-                                            </p:txEl>
-                                          </p:spTgt>
-                                        </p:tgtEl>
-                                      </p:cBhvr>
-                                    </p:animEffect>
-                                  </p:childTnLst>
-                                </p:cTn>
-                              </p:par>
-                            </p:childTnLst>
-                          </p:cTn>
-                        </p:par>
-                      </p:childTnLst>
-                    </p:cTn>
-                  </p:par>
-                  <p:par>
-                    <p:cTn id="28" fill="hold">
-                      <p:stCondLst>
-                        <p:cond delay="indefinite"/>
-                      </p:stCondLst>
-                      <p:childTnLst>
-                        <p:par>
-                          <p:cTn id="29" fill="hold">
-                            <p:stCondLst>
-                              <p:cond delay="0"/>
-                            </p:stCondLst>
-                            <p:childTnLst>
-                              <p:par>
-                                <p:cTn id="30" presetID="22" presetClass="entr" presetSubtype="8" fill="hold" nodeType="clickEffect">
-                                  <p:stCondLst>
-                                    <p:cond delay="0"/>
-                                  </p:stCondLst>
-                                  <p:childTnLst>
-                                    <p:set>
-                                      <p:cBhvr>
-                                        <p:cTn id="31" dur="1" fill="hold">
-                                          <p:stCondLst>
-                                            <p:cond delay="0"/>
-                                          </p:stCondLst>
-                                        </p:cTn>
-                                        <p:tgtEl>
-                                          <p:spTgt spid="44">
-                                            <p:txEl>
-                                              <p:pRg st="6" end="6"/>
-                                            </p:txEl>
-                                          </p:spTgt>
-                                        </p:tgtEl>
-                                        <p:attrNameLst>
-                                          <p:attrName>style.visibility</p:attrName>
-                                        </p:attrNameLst>
-                                      </p:cBhvr>
-                                      <p:to>
-                                        <p:strVal val="visible"/>
-                                      </p:to>
-                                    </p:set>
-                                    <p:animEffect transition="in" filter="wipe(left)">
-                                      <p:cBhvr>
-                                        <p:cTn id="32" dur="500"/>
-                                        <p:tgtEl>
-                                          <p:spTgt spid="44">
-                                            <p:txEl>
-                                              <p:pRg st="6" end="6"/>
-                                            </p:txEl>
-                                          </p:spTgt>
-                                        </p:tgtEl>
-                                      </p:cBhvr>
-                                    </p:animEffect>
-                                  </p:childTnLst>
-                                </p:cTn>
-                              </p:par>
-                            </p:childTnLst>
-                          </p:cTn>
-                        </p:par>
-                      </p:childTnLst>
-                    </p:cTn>
-                  </p:par>
-                  <p:par>
-                    <p:cTn id="33" fill="hold">
-                      <p:stCondLst>
-                        <p:cond delay="indefinite"/>
-                      </p:stCondLst>
-                      <p:childTnLst>
-                        <p:par>
-                          <p:cTn id="34" fill="hold">
-                            <p:stCondLst>
-                              <p:cond delay="0"/>
-                            </p:stCondLst>
-                            <p:childTnLst>
-                              <p:par>
-                                <p:cTn id="35" presetID="22" presetClass="entr" presetSubtype="8" fill="hold" nodeType="clickEffect">
-                                  <p:stCondLst>
-                                    <p:cond delay="0"/>
-                                  </p:stCondLst>
-                                  <p:childTnLst>
-                                    <p:set>
-                                      <p:cBhvr>
-                                        <p:cTn id="36" dur="1" fill="hold">
-                                          <p:stCondLst>
-                                            <p:cond delay="0"/>
-                                          </p:stCondLst>
-                                        </p:cTn>
-                                        <p:tgtEl>
-                                          <p:spTgt spid="44">
-                                            <p:txEl>
-                                              <p:pRg st="7" end="7"/>
-                                            </p:txEl>
-                                          </p:spTgt>
-                                        </p:tgtEl>
-                                        <p:attrNameLst>
-                                          <p:attrName>style.visibility</p:attrName>
-                                        </p:attrNameLst>
-                                      </p:cBhvr>
-                                      <p:to>
-                                        <p:strVal val="visible"/>
-                                      </p:to>
-                                    </p:set>
-                                    <p:animEffect transition="in" filter="wipe(left)">
-                                      <p:cBhvr>
-                                        <p:cTn id="37" dur="500"/>
-                                        <p:tgtEl>
-                                          <p:spTgt spid="44">
-                                            <p:txEl>
-                                              <p:pRg st="7" end="7"/>
-                                            </p:txEl>
-                                          </p:spTgt>
-                                        </p:tgtEl>
-                                      </p:cBhvr>
-                                    </p:animEffect>
-                                  </p:childTnLst>
-                                </p:cTn>
-                              </p:par>
-                            </p:childTnLst>
-                          </p:cTn>
-                        </p:par>
-                      </p:childTnLst>
-                    </p:cTn>
-                  </p:par>
-                  <p:par>
-                    <p:cTn id="38" fill="hold">
-                      <p:stCondLst>
-                        <p:cond delay="indefinite"/>
-                      </p:stCondLst>
-                      <p:childTnLst>
-                        <p:par>
-                          <p:cTn id="39" fill="hold">
-                            <p:stCondLst>
-                              <p:cond delay="0"/>
-                            </p:stCondLst>
-                            <p:childTnLst>
-                              <p:par>
-                                <p:cTn id="40" presetID="22" presetClass="entr" presetSubtype="8" fill="hold" nodeType="clickEffect">
-                                  <p:stCondLst>
-                                    <p:cond delay="0"/>
-                                  </p:stCondLst>
-                                  <p:childTnLst>
-                                    <p:set>
-                                      <p:cBhvr>
-                                        <p:cTn id="41" dur="1" fill="hold">
-                                          <p:stCondLst>
-                                            <p:cond delay="0"/>
-                                          </p:stCondLst>
-                                        </p:cTn>
-                                        <p:tgtEl>
-                                          <p:spTgt spid="44">
-                                            <p:txEl>
-                                              <p:pRg st="8" end="8"/>
-                                            </p:txEl>
-                                          </p:spTgt>
-                                        </p:tgtEl>
-                                        <p:attrNameLst>
-                                          <p:attrName>style.visibility</p:attrName>
-                                        </p:attrNameLst>
-                                      </p:cBhvr>
-                                      <p:to>
-                                        <p:strVal val="visible"/>
-                                      </p:to>
-                                    </p:set>
-                                    <p:animEffect transition="in" filter="wipe(left)">
-                                      <p:cBhvr>
-                                        <p:cTn id="42" dur="500"/>
-                                        <p:tgtEl>
-                                          <p:spTgt spid="44">
-                                            <p:txEl>
-                                              <p:pRg st="8" end="8"/>
-                                            </p:txEl>
-                                          </p:spTgt>
-                                        </p:tgtEl>
-                                      </p:cBhvr>
-                                    </p:animEffect>
-                                  </p:childTnLst>
-                                </p:cTn>
-                              </p:par>
-                            </p:childTnLst>
-                          </p:cTn>
-                        </p:par>
-                      </p:childTnLst>
-                    </p:cTn>
-                  </p:par>
-                  <p:par>
-                    <p:cTn id="43" fill="hold">
-                      <p:stCondLst>
-                        <p:cond delay="indefinite"/>
-                      </p:stCondLst>
-                      <p:childTnLst>
-                        <p:par>
-                          <p:cTn id="44" fill="hold">
-                            <p:stCondLst>
-                              <p:cond delay="0"/>
-                            </p:stCondLst>
-                            <p:childTnLst>
-                              <p:par>
-                                <p:cTn id="45" presetID="22" presetClass="entr" presetSubtype="8" fill="hold" nodeType="clickEffect">
-                                  <p:stCondLst>
-                                    <p:cond delay="0"/>
-                                  </p:stCondLst>
-                                  <p:childTnLst>
-                                    <p:set>
-                                      <p:cBhvr>
-                                        <p:cTn id="46" dur="1" fill="hold">
-                                          <p:stCondLst>
-                                            <p:cond delay="0"/>
-                                          </p:stCondLst>
-                                        </p:cTn>
-                                        <p:tgtEl>
-                                          <p:spTgt spid="44">
-                                            <p:txEl>
-                                              <p:pRg st="9" end="9"/>
-                                            </p:txEl>
-                                          </p:spTgt>
-                                        </p:tgtEl>
-                                        <p:attrNameLst>
-                                          <p:attrName>style.visibility</p:attrName>
-                                        </p:attrNameLst>
-                                      </p:cBhvr>
-                                      <p:to>
-                                        <p:strVal val="visible"/>
-                                      </p:to>
-                                    </p:set>
-                                    <p:animEffect transition="in" filter="wipe(left)">
-                                      <p:cBhvr>
-                                        <p:cTn id="47" dur="500"/>
-                                        <p:tgtEl>
-                                          <p:spTgt spid="44">
-                                            <p:txEl>
-                                              <p:pRg st="9" end="9"/>
+                                        <p:cTn id="16" dur="500"/>
+                                        <p:tgtEl>
+                                          <p:spTgt spid="5">
+                                            <p:txEl>
+                                              <p:pRg st="0" end="0"/>
                                             </p:txEl>
                                           </p:spTgt>
                                         </p:tgtEl>
@@ -16675,7 +17384,1234 @@
 </p:sld>
 </file>
 
-<file path=ppt/slides/slide25.xml><?xml version="1.0" encoding="utf-8"?>
+<file path=ppt/slides/slide26.xml><?xml version="1.0" encoding="utf-8"?>
+<p:sld xmlns:a="http://schemas.openxmlformats.org/drawingml/2006/main" xmlns:r="http://schemas.openxmlformats.org/officeDocument/2006/relationships" xmlns:p="http://schemas.openxmlformats.org/presentationml/2006/main">
+  <p:cSld>
+    <p:spTree>
+      <p:nvGrpSpPr>
+        <p:cNvPr id="1" name=""/>
+        <p:cNvGrpSpPr/>
+        <p:nvPr/>
+      </p:nvGrpSpPr>
+      <p:grpSpPr>
+        <a:xfrm>
+          <a:off x="0" y="0"/>
+          <a:ext cx="0" cy="0"/>
+          <a:chOff x="0" y="0"/>
+          <a:chExt cx="0" cy="0"/>
+        </a:xfrm>
+      </p:grpSpPr>
+      <p:sp>
+        <p:nvSpPr>
+          <p:cNvPr id="4" name="标题 3"/>
+          <p:cNvSpPr>
+            <a:spLocks noGrp="1"/>
+          </p:cNvSpPr>
+          <p:nvPr>
+            <p:ph type="title"/>
+          </p:nvPr>
+        </p:nvSpPr>
+        <p:spPr/>
+        <p:txBody>
+          <a:bodyPr/>
+          <a:lstStyle/>
+          <a:p>
+            <a:r>
+              <a:rPr lang="zh-CN" altLang="en-US"/>
+              <a:t>安装包瘦身</a:t>
+            </a:r>
+            <a:endParaRPr lang="zh-CN" altLang="en-US"/>
+          </a:p>
+        </p:txBody>
+      </p:sp>
+      <p:sp>
+        <p:nvSpPr>
+          <p:cNvPr id="44" name="文本框 43"/>
+          <p:cNvSpPr txBox="1"/>
+          <p:nvPr/>
+        </p:nvSpPr>
+        <p:spPr>
+          <a:xfrm>
+            <a:off x="376692" y="1268491"/>
+            <a:ext cx="11501313" cy="5227312"/>
+          </a:xfrm>
+          <a:prstGeom prst="rect">
+            <a:avLst/>
+          </a:prstGeom>
+          <a:noFill/>
+        </p:spPr>
+        <p:txBody>
+          <a:bodyPr wrap="square" rtlCol="0">
+            <a:noAutofit/>
+          </a:bodyPr>
+          <a:lstStyle/>
+          <a:p>
+            <a:pPr indent="0">
+              <a:lnSpc>
+                <a:spcPts val="2200"/>
+              </a:lnSpc>
+              <a:buFont typeface="Wingdings" panose="05000000000000000000" pitchFamily="2" charset="2"/>
+              <a:buNone/>
+            </a:pPr>
+            <a:r>
+              <a:rPr lang="en-US" altLang="zh-CN" sz="1600">
+                <a:solidFill>
+                  <a:schemeClr val="tx1">
+                    <a:lumMod val="65000"/>
+                    <a:lumOff val="35000"/>
+                  </a:schemeClr>
+                </a:solidFill>
+                <a:latin typeface="微软雅黑" panose="020B0503020204020204" pitchFamily="34" charset="-122"/>
+                <a:ea typeface="微软雅黑" panose="020B0503020204020204" pitchFamily="34" charset="-122"/>
+              </a:rPr>
+              <a:t>抖音工程师：iOS 安装包大小优化实践篇</a:t>
+            </a:r>
+            <a:endParaRPr lang="en-US" altLang="zh-CN" sz="1600">
+              <a:solidFill>
+                <a:schemeClr val="tx1">
+                  <a:lumMod val="65000"/>
+                  <a:lumOff val="35000"/>
+                </a:schemeClr>
+              </a:solidFill>
+              <a:latin typeface="微软雅黑" panose="020B0503020204020204" pitchFamily="34" charset="-122"/>
+              <a:ea typeface="微软雅黑" panose="020B0503020204020204" pitchFamily="34" charset="-122"/>
+            </a:endParaRPr>
+          </a:p>
+          <a:p>
+            <a:pPr indent="0">
+              <a:lnSpc>
+                <a:spcPts val="2200"/>
+              </a:lnSpc>
+              <a:buFont typeface="Wingdings" panose="05000000000000000000" pitchFamily="2" charset="2"/>
+              <a:buNone/>
+            </a:pPr>
+            <a:r>
+              <a:rPr lang="en-US" altLang="zh-CN" sz="1600">
+                <a:solidFill>
+                  <a:schemeClr val="tx1">
+                    <a:lumMod val="65000"/>
+                    <a:lumOff val="35000"/>
+                  </a:schemeClr>
+                </a:solidFill>
+                <a:latin typeface="微软雅黑" panose="020B0503020204020204" pitchFamily="34" charset="-122"/>
+                <a:ea typeface="微软雅黑" panose="020B0503020204020204" pitchFamily="34" charset="-122"/>
+              </a:rPr>
+              <a:t>	https://mp.weixin.qq.com/s/gjRJq2s4LdklksiVArfN1Q</a:t>
+            </a:r>
+            <a:endParaRPr lang="en-US" altLang="zh-CN" sz="1600">
+              <a:solidFill>
+                <a:schemeClr val="tx1">
+                  <a:lumMod val="65000"/>
+                  <a:lumOff val="35000"/>
+                </a:schemeClr>
+              </a:solidFill>
+              <a:latin typeface="微软雅黑" panose="020B0503020204020204" pitchFamily="34" charset="-122"/>
+              <a:ea typeface="微软雅黑" panose="020B0503020204020204" pitchFamily="34" charset="-122"/>
+            </a:endParaRPr>
+          </a:p>
+          <a:p>
+            <a:pPr indent="0">
+              <a:lnSpc>
+                <a:spcPts val="2200"/>
+              </a:lnSpc>
+              <a:buFont typeface="Wingdings" panose="05000000000000000000" pitchFamily="2" charset="2"/>
+              <a:buNone/>
+            </a:pPr>
+            <a:r>
+              <a:rPr lang="en-US" altLang="zh-CN" sz="1600">
+                <a:solidFill>
+                  <a:schemeClr val="tx1">
+                    <a:lumMod val="65000"/>
+                    <a:lumOff val="35000"/>
+                  </a:schemeClr>
+                </a:solidFill>
+                <a:latin typeface="微软雅黑" panose="020B0503020204020204" pitchFamily="34" charset="-122"/>
+                <a:ea typeface="微软雅黑" panose="020B0503020204020204" pitchFamily="34" charset="-122"/>
+              </a:rPr>
+              <a:t>今日头条优化实践： iOS 包大小二进制优化，一行代码减少 60 MB 下载大小</a:t>
+            </a:r>
+            <a:endParaRPr lang="en-US" altLang="zh-CN" sz="1600">
+              <a:solidFill>
+                <a:schemeClr val="tx1">
+                  <a:lumMod val="65000"/>
+                  <a:lumOff val="35000"/>
+                </a:schemeClr>
+              </a:solidFill>
+              <a:latin typeface="微软雅黑" panose="020B0503020204020204" pitchFamily="34" charset="-122"/>
+              <a:ea typeface="微软雅黑" panose="020B0503020204020204" pitchFamily="34" charset="-122"/>
+            </a:endParaRPr>
+          </a:p>
+          <a:p>
+            <a:pPr indent="0">
+              <a:lnSpc>
+                <a:spcPts val="2200"/>
+              </a:lnSpc>
+              <a:buFont typeface="Wingdings" panose="05000000000000000000" pitchFamily="2" charset="2"/>
+              <a:buNone/>
+            </a:pPr>
+            <a:r>
+              <a:rPr lang="en-US" altLang="zh-CN" sz="1600">
+                <a:solidFill>
+                  <a:schemeClr val="tx1">
+                    <a:lumMod val="65000"/>
+                    <a:lumOff val="35000"/>
+                  </a:schemeClr>
+                </a:solidFill>
+                <a:latin typeface="微软雅黑" panose="020B0503020204020204" pitchFamily="34" charset="-122"/>
+                <a:ea typeface="微软雅黑" panose="020B0503020204020204" pitchFamily="34" charset="-122"/>
+              </a:rPr>
+              <a:t>	https://mp.weixin.qq.com/s/TnqAqpmuXsGFfpcSUqZ9GQ</a:t>
+            </a:r>
+            <a:endParaRPr lang="en-US" altLang="zh-CN" sz="1600">
+              <a:solidFill>
+                <a:schemeClr val="tx1">
+                  <a:lumMod val="65000"/>
+                  <a:lumOff val="35000"/>
+                </a:schemeClr>
+              </a:solidFill>
+              <a:latin typeface="微软雅黑" panose="020B0503020204020204" pitchFamily="34" charset="-122"/>
+              <a:ea typeface="微软雅黑" panose="020B0503020204020204" pitchFamily="34" charset="-122"/>
+            </a:endParaRPr>
+          </a:p>
+          <a:p>
+            <a:pPr indent="0">
+              <a:lnSpc>
+                <a:spcPts val="2200"/>
+              </a:lnSpc>
+              <a:buFont typeface="Wingdings" panose="05000000000000000000" pitchFamily="2" charset="2"/>
+              <a:buNone/>
+            </a:pPr>
+            <a:r>
+              <a:rPr lang="en-US" altLang="zh-CN" sz="1600">
+                <a:solidFill>
+                  <a:schemeClr val="tx1">
+                    <a:lumMod val="65000"/>
+                    <a:lumOff val="35000"/>
+                  </a:schemeClr>
+                </a:solidFill>
+                <a:latin typeface="微软雅黑" panose="020B0503020204020204" pitchFamily="34" charset="-122"/>
+                <a:ea typeface="微软雅黑" panose="020B0503020204020204" pitchFamily="34" charset="-122"/>
+              </a:rPr>
+              <a:t>抖音品质建设 - iOS 安装包大小优化实践篇</a:t>
+            </a:r>
+            <a:endParaRPr lang="en-US" altLang="zh-CN" sz="1600">
+              <a:solidFill>
+                <a:schemeClr val="tx1">
+                  <a:lumMod val="65000"/>
+                  <a:lumOff val="35000"/>
+                </a:schemeClr>
+              </a:solidFill>
+              <a:latin typeface="微软雅黑" panose="020B0503020204020204" pitchFamily="34" charset="-122"/>
+              <a:ea typeface="微软雅黑" panose="020B0503020204020204" pitchFamily="34" charset="-122"/>
+            </a:endParaRPr>
+          </a:p>
+          <a:p>
+            <a:pPr indent="0">
+              <a:lnSpc>
+                <a:spcPts val="2200"/>
+              </a:lnSpc>
+              <a:buFont typeface="Wingdings" panose="05000000000000000000" pitchFamily="2" charset="2"/>
+              <a:buNone/>
+            </a:pPr>
+            <a:r>
+              <a:rPr lang="en-US" altLang="zh-CN" sz="1600">
+                <a:solidFill>
+                  <a:schemeClr val="tx1">
+                    <a:lumMod val="65000"/>
+                    <a:lumOff val="35000"/>
+                  </a:schemeClr>
+                </a:solidFill>
+                <a:latin typeface="微软雅黑" panose="020B0503020204020204" pitchFamily="34" charset="-122"/>
+                <a:ea typeface="微软雅黑" panose="020B0503020204020204" pitchFamily="34" charset="-122"/>
+              </a:rPr>
+              <a:t>	https://mp.weixin.qq.com/s/LSP8kC09zjb-sDjgZaikbg</a:t>
+            </a:r>
+            <a:endParaRPr lang="en-US" altLang="zh-CN" sz="1600">
+              <a:solidFill>
+                <a:schemeClr val="tx1">
+                  <a:lumMod val="65000"/>
+                  <a:lumOff val="35000"/>
+                </a:schemeClr>
+              </a:solidFill>
+              <a:latin typeface="微软雅黑" panose="020B0503020204020204" pitchFamily="34" charset="-122"/>
+              <a:ea typeface="微软雅黑" panose="020B0503020204020204" pitchFamily="34" charset="-122"/>
+            </a:endParaRPr>
+          </a:p>
+        </p:txBody>
+      </p:sp>
+    </p:spTree>
+  </p:cSld>
+  <p:clrMapOvr>
+    <a:masterClrMapping/>
+  </p:clrMapOvr>
+  <p:timing>
+    <p:tnLst>
+      <p:par>
+        <p:cTn id="1" dur="indefinite" restart="never" nodeType="tmRoot"/>
+      </p:par>
+    </p:tnLst>
+  </p:timing>
+</p:sld>
+</file>
+
+<file path=ppt/slides/slide27.xml><?xml version="1.0" encoding="utf-8"?>
+<p:sld xmlns:a="http://schemas.openxmlformats.org/drawingml/2006/main" xmlns:r="http://schemas.openxmlformats.org/officeDocument/2006/relationships" xmlns:p="http://schemas.openxmlformats.org/presentationml/2006/main">
+  <p:cSld>
+    <p:spTree>
+      <p:nvGrpSpPr>
+        <p:cNvPr id="1" name=""/>
+        <p:cNvGrpSpPr/>
+        <p:nvPr/>
+      </p:nvGrpSpPr>
+      <p:grpSpPr>
+        <a:xfrm>
+          <a:off x="0" y="0"/>
+          <a:ext cx="0" cy="0"/>
+          <a:chOff x="0" y="0"/>
+          <a:chExt cx="0" cy="0"/>
+        </a:xfrm>
+      </p:grpSpPr>
+      <p:sp>
+        <p:nvSpPr>
+          <p:cNvPr id="4" name="标题 3"/>
+          <p:cNvSpPr>
+            <a:spLocks noGrp="1"/>
+          </p:cNvSpPr>
+          <p:nvPr>
+            <p:ph type="title"/>
+          </p:nvPr>
+        </p:nvSpPr>
+        <p:spPr/>
+        <p:txBody>
+          <a:bodyPr/>
+          <a:lstStyle/>
+          <a:p>
+            <a:r>
+              <a:rPr lang="zh-CN" altLang="en-US"/>
+              <a:t>野指针</a:t>
+            </a:r>
+            <a:endParaRPr lang="zh-CN" altLang="en-US"/>
+          </a:p>
+        </p:txBody>
+      </p:sp>
+      <p:sp>
+        <p:nvSpPr>
+          <p:cNvPr id="44" name="文本框 43"/>
+          <p:cNvSpPr txBox="1"/>
+          <p:nvPr/>
+        </p:nvSpPr>
+        <p:spPr>
+          <a:xfrm>
+            <a:off x="376555" y="1068705"/>
+            <a:ext cx="11501755" cy="5643245"/>
+          </a:xfrm>
+          <a:prstGeom prst="rect">
+            <a:avLst/>
+          </a:prstGeom>
+          <a:noFill/>
+        </p:spPr>
+        <p:txBody>
+          <a:bodyPr wrap="square" rtlCol="0">
+            <a:noAutofit/>
+          </a:bodyPr>
+          <a:lstStyle/>
+          <a:p>
+            <a:pPr marL="342900" indent="-342900">
+              <a:lnSpc>
+                <a:spcPts val="2200"/>
+              </a:lnSpc>
+              <a:buFont typeface="Wingdings" panose="05000000000000000000" pitchFamily="2" charset="2"/>
+              <a:buChar char="n"/>
+            </a:pPr>
+            <a:r>
+              <a:rPr lang="zh-CN" altLang="en-US" sz="1600">
+                <a:solidFill>
+                  <a:schemeClr val="tx1">
+                    <a:lumMod val="65000"/>
+                    <a:lumOff val="35000"/>
+                  </a:schemeClr>
+                </a:solidFill>
+                <a:latin typeface="微软雅黑" panose="020B0503020204020204" pitchFamily="34" charset="-122"/>
+                <a:ea typeface="微软雅黑" panose="020B0503020204020204" pitchFamily="34" charset="-122"/>
+              </a:rPr>
+              <a:t>什么是野指针？</a:t>
+            </a:r>
+            <a:endParaRPr lang="zh-CN" altLang="en-US" sz="1600">
+              <a:solidFill>
+                <a:schemeClr val="tx1">
+                  <a:lumMod val="65000"/>
+                  <a:lumOff val="35000"/>
+                </a:schemeClr>
+              </a:solidFill>
+              <a:latin typeface="微软雅黑" panose="020B0503020204020204" pitchFamily="34" charset="-122"/>
+              <a:ea typeface="微软雅黑" panose="020B0503020204020204" pitchFamily="34" charset="-122"/>
+            </a:endParaRPr>
+          </a:p>
+          <a:p>
+            <a:pPr marL="800100" lvl="1" indent="-342900">
+              <a:lnSpc>
+                <a:spcPts val="2200"/>
+              </a:lnSpc>
+              <a:buFont typeface="Wingdings" panose="05000000000000000000" pitchFamily="2" charset="2"/>
+              <a:buChar char="n"/>
+            </a:pPr>
+            <a:r>
+              <a:rPr lang="zh-CN" altLang="en-US" sz="1600">
+                <a:solidFill>
+                  <a:schemeClr val="tx1">
+                    <a:lumMod val="65000"/>
+                    <a:lumOff val="35000"/>
+                  </a:schemeClr>
+                </a:solidFill>
+                <a:latin typeface="微软雅黑" panose="020B0503020204020204" pitchFamily="34" charset="-122"/>
+                <a:ea typeface="微软雅黑" panose="020B0503020204020204" pitchFamily="34" charset="-122"/>
+              </a:rPr>
+              <a:t>指向一个已经删除的对象或未申请访问受限内存区域的指针。而这里的野指针主要是指对象释放后，指针未置空导致的野指针。该类Crash发生比较随机，找出来比较费劲，比较常见的做法是在开发阶段就提高这类Crash的复现率，尽可能的将其发现并解决。</a:t>
+            </a:r>
+            <a:endParaRPr lang="zh-CN" altLang="en-US" sz="1600">
+              <a:solidFill>
+                <a:schemeClr val="tx1">
+                  <a:lumMod val="65000"/>
+                  <a:lumOff val="35000"/>
+                </a:schemeClr>
+              </a:solidFill>
+              <a:latin typeface="微软雅黑" panose="020B0503020204020204" pitchFamily="34" charset="-122"/>
+              <a:ea typeface="微软雅黑" panose="020B0503020204020204" pitchFamily="34" charset="-122"/>
+            </a:endParaRPr>
+          </a:p>
+          <a:p>
+            <a:pPr marL="800100" lvl="1" indent="-342900">
+              <a:lnSpc>
+                <a:spcPts val="2200"/>
+              </a:lnSpc>
+              <a:buFont typeface="Wingdings" panose="05000000000000000000" pitchFamily="2" charset="2"/>
+              <a:buChar char="n"/>
+            </a:pPr>
+            <a:r>
+              <a:rPr lang="zh-CN" altLang="en-US" sz="1600">
+                <a:solidFill>
+                  <a:schemeClr val="tx1">
+                    <a:lumMod val="65000"/>
+                    <a:lumOff val="35000"/>
+                  </a:schemeClr>
+                </a:solidFill>
+                <a:latin typeface="微软雅黑" panose="020B0503020204020204" pitchFamily="34" charset="-122"/>
+                <a:ea typeface="微软雅黑" panose="020B0503020204020204" pitchFamily="34" charset="-122"/>
+              </a:rPr>
+              <a:t>向OC对象发出release消息，只是标记对象占用的那块内存可以被释放，系统并没有立即收回内存；如果此时还向该对象发送其他消息，可能会发生Crash,也可能没有问题。</a:t>
+            </a:r>
+            <a:endParaRPr lang="zh-CN" altLang="en-US" sz="1600">
+              <a:solidFill>
+                <a:schemeClr val="tx1">
+                  <a:lumMod val="65000"/>
+                  <a:lumOff val="35000"/>
+                </a:schemeClr>
+              </a:solidFill>
+              <a:latin typeface="微软雅黑" panose="020B0503020204020204" pitchFamily="34" charset="-122"/>
+              <a:ea typeface="微软雅黑" panose="020B0503020204020204" pitchFamily="34" charset="-122"/>
+            </a:endParaRPr>
+          </a:p>
+          <a:p>
+            <a:pPr marL="800100" lvl="1" indent="-342900">
+              <a:lnSpc>
+                <a:spcPts val="2200"/>
+              </a:lnSpc>
+              <a:buFont typeface="Wingdings" panose="05000000000000000000" pitchFamily="2" charset="2"/>
+              <a:buChar char="n"/>
+            </a:pPr>
+            <a:r>
+              <a:rPr lang="zh-CN" altLang="en-US" sz="1600">
+                <a:solidFill>
+                  <a:schemeClr val="tx1">
+                    <a:lumMod val="65000"/>
+                    <a:lumOff val="35000"/>
+                  </a:schemeClr>
+                </a:solidFill>
+                <a:latin typeface="微软雅黑" panose="020B0503020204020204" pitchFamily="34" charset="-122"/>
+                <a:ea typeface="微软雅黑" panose="020B0503020204020204" pitchFamily="34" charset="-122"/>
+              </a:rPr>
+              <a:t>野指针造成的Crash随机性比较大，但是被随机填入的数据是不可访问的情况下，Crash是必现的。</a:t>
+            </a:r>
+            <a:endParaRPr lang="zh-CN" altLang="en-US" sz="1600">
+              <a:solidFill>
+                <a:schemeClr val="tx1">
+                  <a:lumMod val="65000"/>
+                  <a:lumOff val="35000"/>
+                </a:schemeClr>
+              </a:solidFill>
+              <a:latin typeface="微软雅黑" panose="020B0503020204020204" pitchFamily="34" charset="-122"/>
+              <a:ea typeface="微软雅黑" panose="020B0503020204020204" pitchFamily="34" charset="-122"/>
+            </a:endParaRPr>
+          </a:p>
+          <a:p>
+            <a:pPr marL="800100" lvl="1" indent="-342900">
+              <a:lnSpc>
+                <a:spcPts val="2200"/>
+              </a:lnSpc>
+              <a:buFont typeface="Wingdings" panose="05000000000000000000" pitchFamily="2" charset="2"/>
+              <a:buChar char="n"/>
+            </a:pPr>
+            <a:r>
+              <a:rPr lang="zh-CN" altLang="en-US" sz="1600">
+                <a:solidFill>
+                  <a:schemeClr val="tx1">
+                    <a:lumMod val="65000"/>
+                    <a:lumOff val="35000"/>
+                  </a:schemeClr>
+                </a:solidFill>
+                <a:latin typeface="微软雅黑" panose="020B0503020204020204" pitchFamily="34" charset="-122"/>
+                <a:ea typeface="微软雅黑" panose="020B0503020204020204" pitchFamily="34" charset="-122"/>
+              </a:rPr>
+              <a:t>解决思路是：想办法给野指针指向的内存填写不可访问的数据，让随机的Crash变成必现的Crash。</a:t>
+            </a:r>
+            <a:endParaRPr lang="zh-CN" altLang="en-US" sz="1600">
+              <a:solidFill>
+                <a:schemeClr val="tx1">
+                  <a:lumMod val="65000"/>
+                  <a:lumOff val="35000"/>
+                </a:schemeClr>
+              </a:solidFill>
+              <a:latin typeface="微软雅黑" panose="020B0503020204020204" pitchFamily="34" charset="-122"/>
+              <a:ea typeface="微软雅黑" panose="020B0503020204020204" pitchFamily="34" charset="-122"/>
+            </a:endParaRPr>
+          </a:p>
+          <a:p>
+            <a:pPr marL="800100" lvl="1" indent="-342900">
+              <a:lnSpc>
+                <a:spcPts val="2200"/>
+              </a:lnSpc>
+              <a:buFont typeface="Wingdings" panose="05000000000000000000" pitchFamily="2" charset="2"/>
+              <a:buChar char="n"/>
+            </a:pPr>
+            <a:endParaRPr lang="zh-CN" altLang="en-US" sz="1600">
+              <a:solidFill>
+                <a:schemeClr val="tx1">
+                  <a:lumMod val="65000"/>
+                  <a:lumOff val="35000"/>
+                </a:schemeClr>
+              </a:solidFill>
+              <a:latin typeface="微软雅黑" panose="020B0503020204020204" pitchFamily="34" charset="-122"/>
+              <a:ea typeface="微软雅黑" panose="020B0503020204020204" pitchFamily="34" charset="-122"/>
+            </a:endParaRPr>
+          </a:p>
+          <a:p>
+            <a:pPr marL="342900" lvl="0" indent="-342900">
+              <a:lnSpc>
+                <a:spcPts val="2200"/>
+              </a:lnSpc>
+              <a:buFont typeface="Wingdings" panose="05000000000000000000" pitchFamily="2" charset="2"/>
+              <a:buChar char="n"/>
+            </a:pPr>
+            <a:r>
+              <a:rPr lang="zh-CN" altLang="en-US" sz="1600">
+                <a:solidFill>
+                  <a:schemeClr val="tx1">
+                    <a:lumMod val="65000"/>
+                    <a:lumOff val="35000"/>
+                  </a:schemeClr>
+                </a:solidFill>
+                <a:latin typeface="微软雅黑" panose="020B0503020204020204" pitchFamily="34" charset="-122"/>
+                <a:ea typeface="微软雅黑" panose="020B0503020204020204" pitchFamily="34" charset="-122"/>
+              </a:rPr>
+              <a:t>定位野指针</a:t>
+            </a:r>
+            <a:endParaRPr lang="zh-CN" altLang="en-US" sz="1600">
+              <a:solidFill>
+                <a:schemeClr val="tx1">
+                  <a:lumMod val="65000"/>
+                  <a:lumOff val="35000"/>
+                </a:schemeClr>
+              </a:solidFill>
+              <a:latin typeface="微软雅黑" panose="020B0503020204020204" pitchFamily="34" charset="-122"/>
+              <a:ea typeface="微软雅黑" panose="020B0503020204020204" pitchFamily="34" charset="-122"/>
+            </a:endParaRPr>
+          </a:p>
+          <a:p>
+            <a:pPr marL="800100" lvl="1" indent="-342900">
+              <a:lnSpc>
+                <a:spcPts val="2200"/>
+              </a:lnSpc>
+              <a:buFont typeface="Wingdings" panose="05000000000000000000" pitchFamily="2" charset="2"/>
+              <a:buChar char="n"/>
+            </a:pPr>
+            <a:r>
+              <a:rPr lang="zh-CN" altLang="en-US" sz="1600">
+                <a:solidFill>
+                  <a:schemeClr val="tx1">
+                    <a:lumMod val="65000"/>
+                    <a:lumOff val="35000"/>
+                  </a:schemeClr>
+                </a:solidFill>
+                <a:latin typeface="微软雅黑" panose="020B0503020204020204" pitchFamily="34" charset="-122"/>
+                <a:ea typeface="微软雅黑" panose="020B0503020204020204" pitchFamily="34" charset="-122"/>
+              </a:rPr>
+              <a:t>内存涂鸦（Malloc Scribble）：Xcode提供的Malloc Scribble，可以将对象释放后在内存上填上不可访问的数据，将随机发生变成不随机发生的事情，选中Product-&gt;Scheme-&gt;Edit Scheme -&gt;Diagnostics – &gt;勾选 Malloc Scribble项；设置了Enable Scribble，在对象申请内存后在申请的内存上填0xaa，内存释放后在释放的内存上填0x55；如果内存未被初始化就被访问，或者释放后被访问，Crash必现。</a:t>
+            </a:r>
+            <a:endParaRPr lang="zh-CN" altLang="en-US" sz="1600">
+              <a:solidFill>
+                <a:schemeClr val="tx1">
+                  <a:lumMod val="65000"/>
+                  <a:lumOff val="35000"/>
+                </a:schemeClr>
+              </a:solidFill>
+              <a:latin typeface="微软雅黑" panose="020B0503020204020204" pitchFamily="34" charset="-122"/>
+              <a:ea typeface="微软雅黑" panose="020B0503020204020204" pitchFamily="34" charset="-122"/>
+            </a:endParaRPr>
+          </a:p>
+          <a:p>
+            <a:pPr marL="1257300" lvl="2" indent="-342900">
+              <a:lnSpc>
+                <a:spcPts val="2200"/>
+              </a:lnSpc>
+              <a:buFont typeface="Wingdings" panose="05000000000000000000" pitchFamily="2" charset="2"/>
+              <a:buChar char="n"/>
+            </a:pPr>
+            <a:r>
+              <a:rPr lang="zh-CN" altLang="en-US" sz="1600">
+                <a:solidFill>
+                  <a:schemeClr val="tx1">
+                    <a:lumMod val="65000"/>
+                    <a:lumOff val="35000"/>
+                  </a:schemeClr>
+                </a:solidFill>
+                <a:latin typeface="微软雅黑" panose="020B0503020204020204" pitchFamily="34" charset="-122"/>
+                <a:ea typeface="微软雅黑" panose="020B0503020204020204" pitchFamily="34" charset="-122"/>
+              </a:rPr>
+              <a:t>Warning：该方法必须连接Xcode运行代码才能发现，并不适合测试人员使用。</a:t>
+            </a:r>
+            <a:endParaRPr lang="zh-CN" altLang="en-US" sz="1600">
+              <a:solidFill>
+                <a:schemeClr val="tx1">
+                  <a:lumMod val="65000"/>
+                  <a:lumOff val="35000"/>
+                </a:schemeClr>
+              </a:solidFill>
+              <a:latin typeface="微软雅黑" panose="020B0503020204020204" pitchFamily="34" charset="-122"/>
+              <a:ea typeface="微软雅黑" panose="020B0503020204020204" pitchFamily="34" charset="-122"/>
+            </a:endParaRPr>
+          </a:p>
+          <a:p>
+            <a:pPr marL="800100" lvl="1" indent="-342900">
+              <a:lnSpc>
+                <a:spcPts val="2200"/>
+              </a:lnSpc>
+              <a:buFont typeface="Wingdings" panose="05000000000000000000" pitchFamily="2" charset="2"/>
+              <a:buChar char="n"/>
+            </a:pPr>
+            <a:r>
+              <a:rPr lang="zh-CN" altLang="en-US" sz="1600">
+                <a:solidFill>
+                  <a:schemeClr val="tx1">
+                    <a:lumMod val="65000"/>
+                    <a:lumOff val="35000"/>
+                  </a:schemeClr>
+                </a:solidFill>
+                <a:latin typeface="微软雅黑" panose="020B0503020204020204" pitchFamily="34" charset="-122"/>
+                <a:ea typeface="微软雅黑" panose="020B0503020204020204" pitchFamily="34" charset="-122"/>
+              </a:rPr>
+              <a:t>僵尸对象（NSZombieEnabled）：Xcode提供的NSZombieEnabled，通过生成僵尸对象来替换dealloc的实现，当对象引用计数为0 的时候，将需要dealloc的对象转化为僵尸对象。如果之后再给这个僵尸对象发消息则抛异常。先选中Product -&gt; Scheme -&gt; Edit Scheme -&gt; Diagnostics -&gt; 勾选Zombie Objects 项；然后在Product -&gt; Scheme -&gt; Edit Scheme -&gt; Arguments设置NSZombieEnabled、MallocStackLoggingNoCompact两个变量，且值均为YES。</a:t>
+            </a:r>
+            <a:endParaRPr lang="en-US" altLang="zh-CN" sz="1600">
+              <a:solidFill>
+                <a:schemeClr val="tx1">
+                  <a:lumMod val="65000"/>
+                  <a:lumOff val="35000"/>
+                </a:schemeClr>
+              </a:solidFill>
+              <a:latin typeface="微软雅黑" panose="020B0503020204020204" pitchFamily="34" charset="-122"/>
+              <a:ea typeface="微软雅黑" panose="020B0503020204020204" pitchFamily="34" charset="-122"/>
+            </a:endParaRPr>
+          </a:p>
+        </p:txBody>
+      </p:sp>
+    </p:spTree>
+  </p:cSld>
+  <p:clrMapOvr>
+    <a:masterClrMapping/>
+  </p:clrMapOvr>
+  <p:timing>
+    <p:tnLst>
+      <p:par>
+        <p:cTn id="1" dur="indefinite" restart="never" nodeType="tmRoot">
+          <p:childTnLst>
+            <p:seq concurrent="1" nextAc="seek">
+              <p:cTn id="2" dur="indefinite" nodeType="mainSeq">
+                <p:childTnLst>
+                  <p:par>
+                    <p:cTn id="3" fill="hold">
+                      <p:stCondLst>
+                        <p:cond delay="indefinite"/>
+                      </p:stCondLst>
+                      <p:childTnLst>
+                        <p:par>
+                          <p:cTn id="4" fill="hold">
+                            <p:stCondLst>
+                              <p:cond delay="0"/>
+                            </p:stCondLst>
+                            <p:childTnLst>
+                              <p:par>
+                                <p:cTn id="5" presetID="22" presetClass="entr" presetSubtype="8" fill="hold" nodeType="clickEffect">
+                                  <p:stCondLst>
+                                    <p:cond delay="0"/>
+                                  </p:stCondLst>
+                                  <p:childTnLst>
+                                    <p:set>
+                                      <p:cBhvr>
+                                        <p:cTn id="6" dur="1" fill="hold">
+                                          <p:stCondLst>
+                                            <p:cond delay="0"/>
+                                          </p:stCondLst>
+                                        </p:cTn>
+                                        <p:tgtEl>
+                                          <p:spTgt spid="44">
+                                            <p:txEl>
+                                              <p:pRg st="0" end="0"/>
+                                            </p:txEl>
+                                          </p:spTgt>
+                                        </p:tgtEl>
+                                        <p:attrNameLst>
+                                          <p:attrName>style.visibility</p:attrName>
+                                        </p:attrNameLst>
+                                      </p:cBhvr>
+                                      <p:to>
+                                        <p:strVal val="visible"/>
+                                      </p:to>
+                                    </p:set>
+                                    <p:animEffect transition="in" filter="wipe(left)">
+                                      <p:cBhvr>
+                                        <p:cTn id="7" dur="500"/>
+                                        <p:tgtEl>
+                                          <p:spTgt spid="44">
+                                            <p:txEl>
+                                              <p:pRg st="0" end="0"/>
+                                            </p:txEl>
+                                          </p:spTgt>
+                                        </p:tgtEl>
+                                      </p:cBhvr>
+                                    </p:animEffect>
+                                  </p:childTnLst>
+                                </p:cTn>
+                              </p:par>
+                            </p:childTnLst>
+                          </p:cTn>
+                        </p:par>
+                      </p:childTnLst>
+                    </p:cTn>
+                  </p:par>
+                  <p:par>
+                    <p:cTn id="8" fill="hold">
+                      <p:stCondLst>
+                        <p:cond delay="indefinite"/>
+                      </p:stCondLst>
+                      <p:childTnLst>
+                        <p:par>
+                          <p:cTn id="9" fill="hold">
+                            <p:stCondLst>
+                              <p:cond delay="0"/>
+                            </p:stCondLst>
+                            <p:childTnLst>
+                              <p:par>
+                                <p:cTn id="10" presetID="22" presetClass="entr" presetSubtype="8" fill="hold" nodeType="clickEffect">
+                                  <p:stCondLst>
+                                    <p:cond delay="0"/>
+                                  </p:stCondLst>
+                                  <p:childTnLst>
+                                    <p:set>
+                                      <p:cBhvr>
+                                        <p:cTn id="11" dur="1" fill="hold">
+                                          <p:stCondLst>
+                                            <p:cond delay="0"/>
+                                          </p:stCondLst>
+                                        </p:cTn>
+                                        <p:tgtEl>
+                                          <p:spTgt spid="44">
+                                            <p:txEl>
+                                              <p:pRg st="1" end="1"/>
+                                            </p:txEl>
+                                          </p:spTgt>
+                                        </p:tgtEl>
+                                        <p:attrNameLst>
+                                          <p:attrName>style.visibility</p:attrName>
+                                        </p:attrNameLst>
+                                      </p:cBhvr>
+                                      <p:to>
+                                        <p:strVal val="visible"/>
+                                      </p:to>
+                                    </p:set>
+                                    <p:animEffect transition="in" filter="wipe(left)">
+                                      <p:cBhvr>
+                                        <p:cTn id="12" dur="500"/>
+                                        <p:tgtEl>
+                                          <p:spTgt spid="44">
+                                            <p:txEl>
+                                              <p:pRg st="1" end="1"/>
+                                            </p:txEl>
+                                          </p:spTgt>
+                                        </p:tgtEl>
+                                      </p:cBhvr>
+                                    </p:animEffect>
+                                  </p:childTnLst>
+                                </p:cTn>
+                              </p:par>
+                            </p:childTnLst>
+                          </p:cTn>
+                        </p:par>
+                      </p:childTnLst>
+                    </p:cTn>
+                  </p:par>
+                  <p:par>
+                    <p:cTn id="13" fill="hold">
+                      <p:stCondLst>
+                        <p:cond delay="indefinite"/>
+                      </p:stCondLst>
+                      <p:childTnLst>
+                        <p:par>
+                          <p:cTn id="14" fill="hold">
+                            <p:stCondLst>
+                              <p:cond delay="0"/>
+                            </p:stCondLst>
+                            <p:childTnLst>
+                              <p:par>
+                                <p:cTn id="15" presetID="22" presetClass="entr" presetSubtype="8" fill="hold" nodeType="clickEffect">
+                                  <p:stCondLst>
+                                    <p:cond delay="0"/>
+                                  </p:stCondLst>
+                                  <p:childTnLst>
+                                    <p:set>
+                                      <p:cBhvr>
+                                        <p:cTn id="16" dur="1" fill="hold">
+                                          <p:stCondLst>
+                                            <p:cond delay="0"/>
+                                          </p:stCondLst>
+                                        </p:cTn>
+                                        <p:tgtEl>
+                                          <p:spTgt spid="44">
+                                            <p:txEl>
+                                              <p:pRg st="2" end="2"/>
+                                            </p:txEl>
+                                          </p:spTgt>
+                                        </p:tgtEl>
+                                        <p:attrNameLst>
+                                          <p:attrName>style.visibility</p:attrName>
+                                        </p:attrNameLst>
+                                      </p:cBhvr>
+                                      <p:to>
+                                        <p:strVal val="visible"/>
+                                      </p:to>
+                                    </p:set>
+                                    <p:animEffect transition="in" filter="wipe(left)">
+                                      <p:cBhvr>
+                                        <p:cTn id="17" dur="500"/>
+                                        <p:tgtEl>
+                                          <p:spTgt spid="44">
+                                            <p:txEl>
+                                              <p:pRg st="2" end="2"/>
+                                            </p:txEl>
+                                          </p:spTgt>
+                                        </p:tgtEl>
+                                      </p:cBhvr>
+                                    </p:animEffect>
+                                  </p:childTnLst>
+                                </p:cTn>
+                              </p:par>
+                            </p:childTnLst>
+                          </p:cTn>
+                        </p:par>
+                      </p:childTnLst>
+                    </p:cTn>
+                  </p:par>
+                  <p:par>
+                    <p:cTn id="18" fill="hold">
+                      <p:stCondLst>
+                        <p:cond delay="indefinite"/>
+                      </p:stCondLst>
+                      <p:childTnLst>
+                        <p:par>
+                          <p:cTn id="19" fill="hold">
+                            <p:stCondLst>
+                              <p:cond delay="0"/>
+                            </p:stCondLst>
+                            <p:childTnLst>
+                              <p:par>
+                                <p:cTn id="20" presetID="22" presetClass="entr" presetSubtype="8" fill="hold" nodeType="clickEffect">
+                                  <p:stCondLst>
+                                    <p:cond delay="0"/>
+                                  </p:stCondLst>
+                                  <p:childTnLst>
+                                    <p:set>
+                                      <p:cBhvr>
+                                        <p:cTn id="21" dur="1" fill="hold">
+                                          <p:stCondLst>
+                                            <p:cond delay="0"/>
+                                          </p:stCondLst>
+                                        </p:cTn>
+                                        <p:tgtEl>
+                                          <p:spTgt spid="44">
+                                            <p:txEl>
+                                              <p:pRg st="3" end="3"/>
+                                            </p:txEl>
+                                          </p:spTgt>
+                                        </p:tgtEl>
+                                        <p:attrNameLst>
+                                          <p:attrName>style.visibility</p:attrName>
+                                        </p:attrNameLst>
+                                      </p:cBhvr>
+                                      <p:to>
+                                        <p:strVal val="visible"/>
+                                      </p:to>
+                                    </p:set>
+                                    <p:animEffect transition="in" filter="wipe(left)">
+                                      <p:cBhvr>
+                                        <p:cTn id="22" dur="500"/>
+                                        <p:tgtEl>
+                                          <p:spTgt spid="44">
+                                            <p:txEl>
+                                              <p:pRg st="3" end="3"/>
+                                            </p:txEl>
+                                          </p:spTgt>
+                                        </p:tgtEl>
+                                      </p:cBhvr>
+                                    </p:animEffect>
+                                  </p:childTnLst>
+                                </p:cTn>
+                              </p:par>
+                            </p:childTnLst>
+                          </p:cTn>
+                        </p:par>
+                      </p:childTnLst>
+                    </p:cTn>
+                  </p:par>
+                  <p:par>
+                    <p:cTn id="23" fill="hold">
+                      <p:stCondLst>
+                        <p:cond delay="indefinite"/>
+                      </p:stCondLst>
+                      <p:childTnLst>
+                        <p:par>
+                          <p:cTn id="24" fill="hold">
+                            <p:stCondLst>
+                              <p:cond delay="0"/>
+                            </p:stCondLst>
+                            <p:childTnLst>
+                              <p:par>
+                                <p:cTn id="25" presetID="22" presetClass="entr" presetSubtype="8" fill="hold" nodeType="clickEffect">
+                                  <p:stCondLst>
+                                    <p:cond delay="0"/>
+                                  </p:stCondLst>
+                                  <p:childTnLst>
+                                    <p:set>
+                                      <p:cBhvr>
+                                        <p:cTn id="26" dur="1" fill="hold">
+                                          <p:stCondLst>
+                                            <p:cond delay="0"/>
+                                          </p:stCondLst>
+                                        </p:cTn>
+                                        <p:tgtEl>
+                                          <p:spTgt spid="44">
+                                            <p:txEl>
+                                              <p:pRg st="4" end="4"/>
+                                            </p:txEl>
+                                          </p:spTgt>
+                                        </p:tgtEl>
+                                        <p:attrNameLst>
+                                          <p:attrName>style.visibility</p:attrName>
+                                        </p:attrNameLst>
+                                      </p:cBhvr>
+                                      <p:to>
+                                        <p:strVal val="visible"/>
+                                      </p:to>
+                                    </p:set>
+                                    <p:animEffect transition="in" filter="wipe(left)">
+                                      <p:cBhvr>
+                                        <p:cTn id="27" dur="500"/>
+                                        <p:tgtEl>
+                                          <p:spTgt spid="44">
+                                            <p:txEl>
+                                              <p:pRg st="4" end="4"/>
+                                            </p:txEl>
+                                          </p:spTgt>
+                                        </p:tgtEl>
+                                      </p:cBhvr>
+                                    </p:animEffect>
+                                  </p:childTnLst>
+                                </p:cTn>
+                              </p:par>
+                            </p:childTnLst>
+                          </p:cTn>
+                        </p:par>
+                      </p:childTnLst>
+                    </p:cTn>
+                  </p:par>
+                  <p:par>
+                    <p:cTn id="28" fill="hold">
+                      <p:stCondLst>
+                        <p:cond delay="indefinite"/>
+                      </p:stCondLst>
+                      <p:childTnLst>
+                        <p:par>
+                          <p:cTn id="29" fill="hold">
+                            <p:stCondLst>
+                              <p:cond delay="0"/>
+                            </p:stCondLst>
+                            <p:childTnLst>
+                              <p:par>
+                                <p:cTn id="30" presetID="22" presetClass="entr" presetSubtype="8" fill="hold" nodeType="clickEffect">
+                                  <p:stCondLst>
+                                    <p:cond delay="0"/>
+                                  </p:stCondLst>
+                                  <p:childTnLst>
+                                    <p:set>
+                                      <p:cBhvr>
+                                        <p:cTn id="31" dur="1" fill="hold">
+                                          <p:stCondLst>
+                                            <p:cond delay="0"/>
+                                          </p:stCondLst>
+                                        </p:cTn>
+                                        <p:tgtEl>
+                                          <p:spTgt spid="44">
+                                            <p:txEl>
+                                              <p:pRg st="6" end="6"/>
+                                            </p:txEl>
+                                          </p:spTgt>
+                                        </p:tgtEl>
+                                        <p:attrNameLst>
+                                          <p:attrName>style.visibility</p:attrName>
+                                        </p:attrNameLst>
+                                      </p:cBhvr>
+                                      <p:to>
+                                        <p:strVal val="visible"/>
+                                      </p:to>
+                                    </p:set>
+                                    <p:animEffect transition="in" filter="wipe(left)">
+                                      <p:cBhvr>
+                                        <p:cTn id="32" dur="500"/>
+                                        <p:tgtEl>
+                                          <p:spTgt spid="44">
+                                            <p:txEl>
+                                              <p:pRg st="6" end="6"/>
+                                            </p:txEl>
+                                          </p:spTgt>
+                                        </p:tgtEl>
+                                      </p:cBhvr>
+                                    </p:animEffect>
+                                  </p:childTnLst>
+                                </p:cTn>
+                              </p:par>
+                            </p:childTnLst>
+                          </p:cTn>
+                        </p:par>
+                      </p:childTnLst>
+                    </p:cTn>
+                  </p:par>
+                  <p:par>
+                    <p:cTn id="33" fill="hold">
+                      <p:stCondLst>
+                        <p:cond delay="indefinite"/>
+                      </p:stCondLst>
+                      <p:childTnLst>
+                        <p:par>
+                          <p:cTn id="34" fill="hold">
+                            <p:stCondLst>
+                              <p:cond delay="0"/>
+                            </p:stCondLst>
+                            <p:childTnLst>
+                              <p:par>
+                                <p:cTn id="35" presetID="22" presetClass="entr" presetSubtype="8" fill="hold" nodeType="clickEffect">
+                                  <p:stCondLst>
+                                    <p:cond delay="0"/>
+                                  </p:stCondLst>
+                                  <p:childTnLst>
+                                    <p:set>
+                                      <p:cBhvr>
+                                        <p:cTn id="36" dur="1" fill="hold">
+                                          <p:stCondLst>
+                                            <p:cond delay="0"/>
+                                          </p:stCondLst>
+                                        </p:cTn>
+                                        <p:tgtEl>
+                                          <p:spTgt spid="44">
+                                            <p:txEl>
+                                              <p:pRg st="7" end="7"/>
+                                            </p:txEl>
+                                          </p:spTgt>
+                                        </p:tgtEl>
+                                        <p:attrNameLst>
+                                          <p:attrName>style.visibility</p:attrName>
+                                        </p:attrNameLst>
+                                      </p:cBhvr>
+                                      <p:to>
+                                        <p:strVal val="visible"/>
+                                      </p:to>
+                                    </p:set>
+                                    <p:animEffect transition="in" filter="wipe(left)">
+                                      <p:cBhvr>
+                                        <p:cTn id="37" dur="500"/>
+                                        <p:tgtEl>
+                                          <p:spTgt spid="44">
+                                            <p:txEl>
+                                              <p:pRg st="7" end="7"/>
+                                            </p:txEl>
+                                          </p:spTgt>
+                                        </p:tgtEl>
+                                      </p:cBhvr>
+                                    </p:animEffect>
+                                  </p:childTnLst>
+                                </p:cTn>
+                              </p:par>
+                            </p:childTnLst>
+                          </p:cTn>
+                        </p:par>
+                      </p:childTnLst>
+                    </p:cTn>
+                  </p:par>
+                  <p:par>
+                    <p:cTn id="38" fill="hold">
+                      <p:stCondLst>
+                        <p:cond delay="indefinite"/>
+                      </p:stCondLst>
+                      <p:childTnLst>
+                        <p:par>
+                          <p:cTn id="39" fill="hold">
+                            <p:stCondLst>
+                              <p:cond delay="0"/>
+                            </p:stCondLst>
+                            <p:childTnLst>
+                              <p:par>
+                                <p:cTn id="40" presetID="22" presetClass="entr" presetSubtype="8" fill="hold" nodeType="clickEffect">
+                                  <p:stCondLst>
+                                    <p:cond delay="0"/>
+                                  </p:stCondLst>
+                                  <p:childTnLst>
+                                    <p:set>
+                                      <p:cBhvr>
+                                        <p:cTn id="41" dur="1" fill="hold">
+                                          <p:stCondLst>
+                                            <p:cond delay="0"/>
+                                          </p:stCondLst>
+                                        </p:cTn>
+                                        <p:tgtEl>
+                                          <p:spTgt spid="44">
+                                            <p:txEl>
+                                              <p:pRg st="8" end="8"/>
+                                            </p:txEl>
+                                          </p:spTgt>
+                                        </p:tgtEl>
+                                        <p:attrNameLst>
+                                          <p:attrName>style.visibility</p:attrName>
+                                        </p:attrNameLst>
+                                      </p:cBhvr>
+                                      <p:to>
+                                        <p:strVal val="visible"/>
+                                      </p:to>
+                                    </p:set>
+                                    <p:animEffect transition="in" filter="wipe(left)">
+                                      <p:cBhvr>
+                                        <p:cTn id="42" dur="500"/>
+                                        <p:tgtEl>
+                                          <p:spTgt spid="44">
+                                            <p:txEl>
+                                              <p:pRg st="8" end="8"/>
+                                            </p:txEl>
+                                          </p:spTgt>
+                                        </p:tgtEl>
+                                      </p:cBhvr>
+                                    </p:animEffect>
+                                  </p:childTnLst>
+                                </p:cTn>
+                              </p:par>
+                            </p:childTnLst>
+                          </p:cTn>
+                        </p:par>
+                      </p:childTnLst>
+                    </p:cTn>
+                  </p:par>
+                  <p:par>
+                    <p:cTn id="43" fill="hold">
+                      <p:stCondLst>
+                        <p:cond delay="indefinite"/>
+                      </p:stCondLst>
+                      <p:childTnLst>
+                        <p:par>
+                          <p:cTn id="44" fill="hold">
+                            <p:stCondLst>
+                              <p:cond delay="0"/>
+                            </p:stCondLst>
+                            <p:childTnLst>
+                              <p:par>
+                                <p:cTn id="45" presetID="22" presetClass="entr" presetSubtype="8" fill="hold" nodeType="clickEffect">
+                                  <p:stCondLst>
+                                    <p:cond delay="0"/>
+                                  </p:stCondLst>
+                                  <p:childTnLst>
+                                    <p:set>
+                                      <p:cBhvr>
+                                        <p:cTn id="46" dur="1" fill="hold">
+                                          <p:stCondLst>
+                                            <p:cond delay="0"/>
+                                          </p:stCondLst>
+                                        </p:cTn>
+                                        <p:tgtEl>
+                                          <p:spTgt spid="44">
+                                            <p:txEl>
+                                              <p:pRg st="9" end="9"/>
+                                            </p:txEl>
+                                          </p:spTgt>
+                                        </p:tgtEl>
+                                        <p:attrNameLst>
+                                          <p:attrName>style.visibility</p:attrName>
+                                        </p:attrNameLst>
+                                      </p:cBhvr>
+                                      <p:to>
+                                        <p:strVal val="visible"/>
+                                      </p:to>
+                                    </p:set>
+                                    <p:animEffect transition="in" filter="wipe(left)">
+                                      <p:cBhvr>
+                                        <p:cTn id="47" dur="500"/>
+                                        <p:tgtEl>
+                                          <p:spTgt spid="44">
+                                            <p:txEl>
+                                              <p:pRg st="9" end="9"/>
+                                            </p:txEl>
+                                          </p:spTgt>
+                                        </p:tgtEl>
+                                      </p:cBhvr>
+                                    </p:animEffect>
+                                  </p:childTnLst>
+                                </p:cTn>
+                              </p:par>
+                            </p:childTnLst>
+                          </p:cTn>
+                        </p:par>
+                      </p:childTnLst>
+                    </p:cTn>
+                  </p:par>
+                </p:childTnLst>
+              </p:cTn>
+              <p:prevCondLst>
+                <p:cond evt="onPrev" delay="0">
+                  <p:tgtEl>
+                    <p:sldTgt/>
+                  </p:tgtEl>
+                </p:cond>
+              </p:prevCondLst>
+              <p:nextCondLst>
+                <p:cond evt="onNext" delay="0">
+                  <p:tgtEl>
+                    <p:sldTgt/>
+                  </p:tgtEl>
+                </p:cond>
+              </p:nextCondLst>
+            </p:seq>
+          </p:childTnLst>
+        </p:cTn>
+      </p:par>
+    </p:tnLst>
+  </p:timing>
+</p:sld>
+</file>
+
+<file path=ppt/slides/slide28.xml><?xml version="1.0" encoding="utf-8"?>
 <p:sld xmlns:a="http://schemas.openxmlformats.org/drawingml/2006/main" xmlns:r="http://schemas.openxmlformats.org/officeDocument/2006/relationships" xmlns:p="http://schemas.openxmlformats.org/presentationml/2006/main">
   <p:cSld>
     <p:spTree>

--- a/file/面试文档/06-性能优化.pptx
+++ b/file/面试文档/06-性能优化.pptx
@@ -12030,6 +12030,76 @@
               <a:ea typeface="微软雅黑" panose="020B0503020204020204" pitchFamily="34" charset="-122"/>
             </a:endParaRPr>
           </a:p>
+          <a:p>
+            <a:pPr marL="342900" indent="-342900">
+              <a:lnSpc>
+                <a:spcPts val="2200"/>
+              </a:lnSpc>
+              <a:buFont typeface="Wingdings" panose="05000000000000000000" pitchFamily="2" charset="2"/>
+              <a:buChar char="n"/>
+            </a:pPr>
+            <a:endParaRPr lang="zh-CN" altLang="en-US" sz="1600">
+              <a:solidFill>
+                <a:schemeClr val="tx1">
+                  <a:lumMod val="65000"/>
+                  <a:lumOff val="35000"/>
+                </a:schemeClr>
+              </a:solidFill>
+              <a:latin typeface="微软雅黑" panose="020B0503020204020204" pitchFamily="34" charset="-122"/>
+              <a:ea typeface="微软雅黑" panose="020B0503020204020204" pitchFamily="34" charset="-122"/>
+            </a:endParaRPr>
+          </a:p>
+          <a:p>
+            <a:pPr marL="342900" indent="-342900">
+              <a:lnSpc>
+                <a:spcPts val="2200"/>
+              </a:lnSpc>
+              <a:buFont typeface="Wingdings" panose="05000000000000000000" pitchFamily="2" charset="2"/>
+              <a:buChar char="n"/>
+            </a:pPr>
+            <a:endParaRPr lang="zh-CN" altLang="en-US" sz="1600">
+              <a:solidFill>
+                <a:schemeClr val="tx1">
+                  <a:lumMod val="65000"/>
+                  <a:lumOff val="35000"/>
+                </a:schemeClr>
+              </a:solidFill>
+              <a:latin typeface="微软雅黑" panose="020B0503020204020204" pitchFamily="34" charset="-122"/>
+              <a:ea typeface="微软雅黑" panose="020B0503020204020204" pitchFamily="34" charset="-122"/>
+            </a:endParaRPr>
+          </a:p>
+          <a:p>
+            <a:pPr marL="342900" indent="-342900">
+              <a:lnSpc>
+                <a:spcPts val="2200"/>
+              </a:lnSpc>
+              <a:buFont typeface="Wingdings" panose="05000000000000000000" pitchFamily="2" charset="2"/>
+              <a:buChar char="n"/>
+            </a:pPr>
+            <a:r>
+              <a:rPr lang="zh-CN" altLang="en-US" sz="1600">
+                <a:solidFill>
+                  <a:schemeClr val="tx1">
+                    <a:lumMod val="65000"/>
+                    <a:lumOff val="35000"/>
+                  </a:schemeClr>
+                </a:solidFill>
+                <a:latin typeface="微软雅黑" panose="020B0503020204020204" pitchFamily="34" charset="-122"/>
+                <a:ea typeface="微软雅黑" panose="020B0503020204020204" pitchFamily="34" charset="-122"/>
+              </a:rPr>
+              <a:t>https://juejin.cn/post/6864492188404088846</a:t>
+            </a:r>
+            <a:endParaRPr lang="zh-CN" altLang="en-US" sz="1600">
+              <a:solidFill>
+                <a:schemeClr val="tx1">
+                  <a:lumMod val="65000"/>
+                  <a:lumOff val="35000"/>
+                </a:schemeClr>
+              </a:solidFill>
+              <a:latin typeface="微软雅黑" panose="020B0503020204020204" pitchFamily="34" charset="-122"/>
+              <a:ea typeface="微软雅黑" panose="020B0503020204020204" pitchFamily="34" charset="-122"/>
+            </a:endParaRPr>
+          </a:p>
         </p:txBody>
       </p:sp>
     </p:spTree>
@@ -12275,6 +12345,67 @@
                                           <p:spTgt spid="44">
                                             <p:txEl>
                                               <p:pRg st="6" end="6"/>
+                                            </p:txEl>
+                                          </p:spTgt>
+                                        </p:tgtEl>
+                                      </p:cBhvr>
+                                    </p:animEffect>
+                                  </p:childTnLst>
+                                </p:cTn>
+                              </p:par>
+                            </p:childTnLst>
+                          </p:cTn>
+                        </p:par>
+                      </p:childTnLst>
+                    </p:cTn>
+                  </p:par>
+                  <p:par>
+                    <p:cTn id="23" fill="hold">
+                      <p:stCondLst>
+                        <p:cond delay="indefinite"/>
+                      </p:stCondLst>
+                      <p:childTnLst>
+                        <p:par>
+                          <p:cTn id="24" fill="hold">
+                            <p:stCondLst>
+                              <p:cond delay="0"/>
+                            </p:stCondLst>
+                            <p:childTnLst>
+                              <p:par>
+                                <p:cTn id="25" presetID="22" presetClass="entr" presetSubtype="8" fill="hold" nodeType="clickEffect">
+                                  <p:stCondLst>
+                                    <p:cond delay="0"/>
+                                  </p:stCondLst>
+                                  <p:childTnLst>
+                                    <p:set>
+                                      <p:cBhvr>
+                                        <p:cTn id="26" dur="1" fill="hold">
+                                          <p:stCondLst>
+                                            <p:cond delay="0"/>
+                                          </p:stCondLst>
+                                        </p:cTn>
+                                        <p:tgtEl>
+                                          <p:spTgt spid="44">
+                                            <p:txEl>
+                                              <p:pRg st="9" end="9"/>
+                                            </p:txEl>
+                                          </p:spTgt>
+                                        </p:tgtEl>
+                                        <p:attrNameLst>
+                                          <p:attrName>style.visibility</p:attrName>
+                                        </p:attrNameLst>
+                                      </p:cBhvr>
+                                      <p:to>
+                                        <p:strVal val="visible"/>
+                                      </p:to>
+                                    </p:set>
+                                    <p:animEffect transition="in" filter="wipe(left)">
+                                      <p:cBhvr>
+                                        <p:cTn id="27" dur="500"/>
+                                        <p:tgtEl>
+                                          <p:spTgt spid="44">
+                                            <p:txEl>
+                                              <p:pRg st="9" end="9"/>
                                             </p:txEl>
                                           </p:spTgt>
                                         </p:tgtEl>
@@ -12443,6 +12574,89 @@
               <a:ea typeface="微软雅黑" panose="020B0503020204020204" pitchFamily="34" charset="-122"/>
             </a:endParaRPr>
           </a:p>
+          <a:p>
+            <a:pPr marL="800100" lvl="1" indent="-342900">
+              <a:lnSpc>
+                <a:spcPts val="2200"/>
+              </a:lnSpc>
+              <a:buFont typeface="Wingdings" panose="05000000000000000000" pitchFamily="2" charset="2"/>
+              <a:buChar char="p"/>
+            </a:pPr>
+            <a:endParaRPr lang="en-US" altLang="zh-CN" sz="1600">
+              <a:solidFill>
+                <a:schemeClr val="tx1">
+                  <a:lumMod val="65000"/>
+                  <a:lumOff val="35000"/>
+                </a:schemeClr>
+              </a:solidFill>
+              <a:latin typeface="微软雅黑" panose="020B0503020204020204" pitchFamily="34" charset="-122"/>
+              <a:ea typeface="微软雅黑" panose="020B0503020204020204" pitchFamily="34" charset="-122"/>
+            </a:endParaRPr>
+          </a:p>
+          <a:p>
+            <a:pPr marL="342900" lvl="0" indent="-342900">
+              <a:lnSpc>
+                <a:spcPts val="2200"/>
+              </a:lnSpc>
+              <a:buFont typeface="Wingdings" panose="05000000000000000000" pitchFamily="2" charset="2"/>
+              <a:buChar char="p"/>
+            </a:pPr>
+            <a:r>
+              <a:rPr lang="en-US" altLang="zh-CN" sz="1600">
+                <a:solidFill>
+                  <a:schemeClr val="tx1">
+                    <a:lumMod val="65000"/>
+                    <a:lumOff val="35000"/>
+                  </a:schemeClr>
+                </a:solidFill>
+                <a:latin typeface="微软雅黑" panose="020B0503020204020204" pitchFamily="34" charset="-122"/>
+                <a:ea typeface="微软雅黑" panose="020B0503020204020204" pitchFamily="34" charset="-122"/>
+              </a:rPr>
+              <a:t>抖音品质建设 - iOS启动优化《实战篇》</a:t>
+            </a:r>
+            <a:endParaRPr lang="en-US" altLang="zh-CN" sz="1600">
+              <a:solidFill>
+                <a:schemeClr val="tx1">
+                  <a:lumMod val="65000"/>
+                  <a:lumOff val="35000"/>
+                </a:schemeClr>
+              </a:solidFill>
+              <a:latin typeface="微软雅黑" panose="020B0503020204020204" pitchFamily="34" charset="-122"/>
+              <a:ea typeface="微软雅黑" panose="020B0503020204020204" pitchFamily="34" charset="-122"/>
+            </a:endParaRPr>
+          </a:p>
+          <a:p>
+            <a:pPr marL="800100" lvl="1" indent="-342900">
+              <a:lnSpc>
+                <a:spcPts val="2200"/>
+              </a:lnSpc>
+              <a:buFont typeface="Wingdings" panose="05000000000000000000" pitchFamily="2" charset="2"/>
+              <a:buChar char="p"/>
+            </a:pPr>
+            <a:r>
+              <a:rPr lang="en-US" altLang="zh-CN" sz="1600">
+                <a:solidFill>
+                  <a:schemeClr val="tx1">
+                    <a:lumMod val="65000"/>
+                    <a:lumOff val="35000"/>
+                  </a:schemeClr>
+                </a:solidFill>
+                <a:latin typeface="微软雅黑" panose="020B0503020204020204" pitchFamily="34" charset="-122"/>
+                <a:ea typeface="微软雅黑" panose="020B0503020204020204" pitchFamily="34" charset="-122"/>
+              </a:rPr>
+              <a:t>https://mp.weixin.qq.com/s?__biz=MzI1MzYzMjE0MQ==&amp;mid=2247487757&amp;idx=1&amp;sn=a52c11f6a6f217bd0d3283de9b00c8bc&amp;chksm=e9d0daefdea753f954cfcb15d5d0f90302a9f45ba06968377644ffe9e5757a69c5b0132d2c8b&amp;scene=178&amp;cur_album_id=1590407423234719749#rd</a:t>
+            </a:r>
+            <a:endParaRPr lang="en-US" altLang="zh-CN" sz="1600">
+              <a:solidFill>
+                <a:schemeClr val="tx1">
+                  <a:lumMod val="65000"/>
+                  <a:lumOff val="35000"/>
+                </a:schemeClr>
+              </a:solidFill>
+              <a:latin typeface="微软雅黑" panose="020B0503020204020204" pitchFamily="34" charset="-122"/>
+              <a:ea typeface="微软雅黑" panose="020B0503020204020204" pitchFamily="34" charset="-122"/>
+            </a:endParaRPr>
+          </a:p>
         </p:txBody>
       </p:sp>
     </p:spTree>
@@ -12566,6 +12780,128 @@
                                           <p:spTgt spid="44">
                                             <p:txEl>
                                               <p:pRg st="1" end="1"/>
+                                            </p:txEl>
+                                          </p:spTgt>
+                                        </p:tgtEl>
+                                      </p:cBhvr>
+                                    </p:animEffect>
+                                  </p:childTnLst>
+                                </p:cTn>
+                              </p:par>
+                            </p:childTnLst>
+                          </p:cTn>
+                        </p:par>
+                      </p:childTnLst>
+                    </p:cTn>
+                  </p:par>
+                  <p:par>
+                    <p:cTn id="13" fill="hold">
+                      <p:stCondLst>
+                        <p:cond delay="indefinite"/>
+                      </p:stCondLst>
+                      <p:childTnLst>
+                        <p:par>
+                          <p:cTn id="14" fill="hold">
+                            <p:stCondLst>
+                              <p:cond delay="0"/>
+                            </p:stCondLst>
+                            <p:childTnLst>
+                              <p:par>
+                                <p:cTn id="15" presetID="22" presetClass="entr" presetSubtype="8" fill="hold" nodeType="clickEffect">
+                                  <p:stCondLst>
+                                    <p:cond delay="0"/>
+                                  </p:stCondLst>
+                                  <p:childTnLst>
+                                    <p:set>
+                                      <p:cBhvr>
+                                        <p:cTn id="16" dur="1" fill="hold">
+                                          <p:stCondLst>
+                                            <p:cond delay="0"/>
+                                          </p:stCondLst>
+                                        </p:cTn>
+                                        <p:tgtEl>
+                                          <p:spTgt spid="44">
+                                            <p:txEl>
+                                              <p:pRg st="3" end="3"/>
+                                            </p:txEl>
+                                          </p:spTgt>
+                                        </p:tgtEl>
+                                        <p:attrNameLst>
+                                          <p:attrName>style.visibility</p:attrName>
+                                        </p:attrNameLst>
+                                      </p:cBhvr>
+                                      <p:to>
+                                        <p:strVal val="visible"/>
+                                      </p:to>
+                                    </p:set>
+                                    <p:animEffect transition="in" filter="wipe(left)">
+                                      <p:cBhvr>
+                                        <p:cTn id="17" dur="500"/>
+                                        <p:tgtEl>
+                                          <p:spTgt spid="44">
+                                            <p:txEl>
+                                              <p:pRg st="3" end="3"/>
+                                            </p:txEl>
+                                          </p:spTgt>
+                                        </p:tgtEl>
+                                      </p:cBhvr>
+                                    </p:animEffect>
+                                  </p:childTnLst>
+                                </p:cTn>
+                              </p:par>
+                            </p:childTnLst>
+                          </p:cTn>
+                        </p:par>
+                      </p:childTnLst>
+                    </p:cTn>
+                  </p:par>
+                  <p:par>
+                    <p:cTn id="18" fill="hold">
+                      <p:stCondLst>
+                        <p:cond delay="indefinite"/>
+                      </p:stCondLst>
+                      <p:childTnLst>
+                        <p:par>
+                          <p:cTn id="19" fill="hold">
+                            <p:stCondLst>
+                              <p:cond delay="0"/>
+                            </p:stCondLst>
+                            <p:childTnLst>
+                              <p:par>
+                                <p:cTn id="20" presetID="22" presetClass="entr" presetSubtype="8" fill="hold" nodeType="clickEffect">
+                                  <p:stCondLst>
+                                    <p:cond delay="0"/>
+                                  </p:stCondLst>
+                                  <p:childTnLst>
+                                    <p:set>
+                                      <p:cBhvr>
+                                        <p:cTn id="21" dur="1" fill="hold">
+                                          <p:stCondLst>
+                                            <p:cond delay="0"/>
+                                          </p:stCondLst>
+                                        </p:cTn>
+                                        <p:tgtEl>
+                                          <p:spTgt spid="44">
+                                            <p:txEl>
+                                              <p:pRg st="4" end="4"/>
+                                            </p:txEl>
+                                          </p:spTgt>
+                                        </p:tgtEl>
+                                        <p:attrNameLst>
+                                          <p:attrName>style.visibility</p:attrName>
+                                        </p:attrNameLst>
+                                      </p:cBhvr>
+                                      <p:to>
+                                        <p:strVal val="visible"/>
+                                      </p:to>
+                                    </p:set>
+                                    <p:animEffect transition="in" filter="wipe(left)">
+                                      <p:cBhvr>
+                                        <p:cTn id="22" dur="500"/>
+                                        <p:tgtEl>
+                                          <p:spTgt spid="44">
+                                            <p:txEl>
+                                              <p:pRg st="4" end="4"/>
                                             </p:txEl>
                                           </p:spTgt>
                                         </p:tgtEl>
